--- a/Privacy.pptx
+++ b/Privacy.pptx
@@ -4,19 +4,32 @@
   <p:sldMasterIdLst>
     <p:sldMasterId id="2147483648" r:id="rId1"/>
   </p:sldMasterIdLst>
+  <p:notesMasterIdLst>
+    <p:notesMasterId r:id="rId24"/>
+  </p:notesMasterIdLst>
   <p:sldIdLst>
-    <p:sldId id="256" r:id="rId2"/>
-    <p:sldId id="267" r:id="rId3"/>
-    <p:sldId id="257" r:id="rId4"/>
-    <p:sldId id="258" r:id="rId5"/>
-    <p:sldId id="259" r:id="rId6"/>
+    <p:sldId id="257" r:id="rId2"/>
+    <p:sldId id="258" r:id="rId3"/>
+    <p:sldId id="259" r:id="rId4"/>
+    <p:sldId id="260" r:id="rId5"/>
+    <p:sldId id="261" r:id="rId6"/>
     <p:sldId id="262" r:id="rId7"/>
     <p:sldId id="263" r:id="rId8"/>
-    <p:sldId id="261" r:id="rId9"/>
-    <p:sldId id="260" r:id="rId10"/>
-    <p:sldId id="265" r:id="rId11"/>
-    <p:sldId id="266" r:id="rId12"/>
-    <p:sldId id="264" r:id="rId13"/>
+    <p:sldId id="264" r:id="rId9"/>
+    <p:sldId id="265" r:id="rId10"/>
+    <p:sldId id="266" r:id="rId11"/>
+    <p:sldId id="267" r:id="rId12"/>
+    <p:sldId id="268" r:id="rId13"/>
+    <p:sldId id="269" r:id="rId14"/>
+    <p:sldId id="270" r:id="rId15"/>
+    <p:sldId id="271" r:id="rId16"/>
+    <p:sldId id="272" r:id="rId17"/>
+    <p:sldId id="273" r:id="rId18"/>
+    <p:sldId id="274" r:id="rId19"/>
+    <p:sldId id="275" r:id="rId20"/>
+    <p:sldId id="276" r:id="rId21"/>
+    <p:sldId id="278" r:id="rId22"/>
+    <p:sldId id="279" r:id="rId23"/>
   </p:sldIdLst>
   <p:sldSz cx="12192000" cy="6858000"/>
   <p:notesSz cx="6858000" cy="9144000"/>
@@ -118,28 +131,43 @@
   <p:extLst>
     <p:ext uri="{521415D9-36F7-43E2-AB2F-B90AF26B5E84}">
       <p14:sectionLst xmlns:p14="http://schemas.microsoft.com/office/powerpoint/2010/main">
-        <p14:section name="Main" id="{E39656C9-F937-4DDB-BCF9-B1F39906183B}">
+        <p14:section name="Main" id="{542AC71B-9D49-4D3A-8749-37DA4A8D9DD1}">
           <p14:sldIdLst>
-            <p14:sldId id="256"/>
+            <p14:sldId id="257"/>
           </p14:sldIdLst>
         </p14:section>
-        <p14:section name="1" id="{1CF41461-4A48-4BE0-AEB3-6821116FD58A}">
+        <p14:section name="Privacy &amp; Data" id="{3821E847-A0A6-47C3-BF9A-B2F05310D8F2}">
           <p14:sldIdLst>
-            <p14:sldId id="267"/>
-            <p14:sldId id="257"/>
             <p14:sldId id="258"/>
             <p14:sldId id="259"/>
+            <p14:sldId id="260"/>
+            <p14:sldId id="261"/>
             <p14:sldId id="262"/>
             <p14:sldId id="263"/>
-            <p14:sldId id="261"/>
-            <p14:sldId id="260"/>
+            <p14:sldId id="264"/>
             <p14:sldId id="265"/>
             <p14:sldId id="266"/>
-            <p14:sldId id="264"/>
+            <p14:sldId id="267"/>
+            <p14:sldId id="268"/>
           </p14:sldIdLst>
         </p14:section>
-        <p14:section name="Second" id="{673C7FE0-EC99-40E1-A62F-9EFC95F516F3}">
-          <p14:sldIdLst/>
+        <p14:section name="Risk" id="{DC1320C1-354C-43D6-B224-138B51D4AD91}">
+          <p14:sldIdLst>
+            <p14:sldId id="269"/>
+            <p14:sldId id="270"/>
+            <p14:sldId id="271"/>
+            <p14:sldId id="272"/>
+            <p14:sldId id="273"/>
+            <p14:sldId id="274"/>
+            <p14:sldId id="275"/>
+            <p14:sldId id="276"/>
+          </p14:sldIdLst>
+        </p14:section>
+        <p14:section name="End" id="{7E09134E-70B3-4F15-B492-5F4BEE646E20}">
+          <p14:sldIdLst>
+            <p14:sldId id="278"/>
+            <p14:sldId id="279"/>
+          </p14:sldIdLst>
         </p14:section>
       </p14:sectionLst>
     </p:ext>
@@ -150,10 +178,22 @@
 </p:presentation>
 </file>
 
+<file path=ppt/commentAuthors.xml><?xml version="1.0" encoding="utf-8"?>
+<p:cmAuthorLst xmlns:a="http://schemas.openxmlformats.org/drawingml/2006/main" xmlns:r="http://schemas.openxmlformats.org/officeDocument/2006/relationships" xmlns:p="http://schemas.openxmlformats.org/presentationml/2006/main">
+  <p:cmAuthor id="1" name="Liu Xiaobao" initials="LX" lastIdx="1" clrIdx="0">
+    <p:extLst>
+      <p:ext uri="{19B8F6BF-5375-455C-9EA6-DF929625EA0E}">
+        <p15:presenceInfo xmlns:p15="http://schemas.microsoft.com/office/powerpoint/2012/main" userId="385a1b1aab1c2059" providerId="Windows Live"/>
+      </p:ext>
+    </p:extLst>
+  </p:cmAuthor>
+</p:cmAuthorLst>
+</file>
+
 <file path=ppt/charts/chart1.xml><?xml version="1.0" encoding="utf-8"?>
-<c:chartSpace xmlns:c="http://schemas.openxmlformats.org/drawingml/2006/chart" xmlns:a="http://schemas.openxmlformats.org/drawingml/2006/main" xmlns:r="http://schemas.openxmlformats.org/officeDocument/2006/relationships">
+<c:chartSpace xmlns:c="http://schemas.openxmlformats.org/drawingml/2006/chart" xmlns:a="http://schemas.openxmlformats.org/drawingml/2006/main" xmlns:r="http://schemas.openxmlformats.org/officeDocument/2006/relationships" xmlns:c16r2="http://schemas.microsoft.com/office/drawing/2015/06/chart">
   <c:date1904 val="0"/>
-  <c:lang val="zh-CN"/>
+  <c:lang val="en-US"/>
   <c:roundedCorners val="0"/>
   <mc:AlternateContent xmlns:mc="http://schemas.openxmlformats.org/markup-compatibility/2006">
     <mc:Choice xmlns:c14="http://schemas.microsoft.com/office/drawing/2007/8/2/chart" Requires="c14">
@@ -184,11 +224,11 @@
               </a:defRPr>
             </a:pPr>
             <a:r>
-              <a:rPr lang="en-US" altLang="zh-CN" sz="1800" dirty="0" smtClean="0"/>
+              <a:rPr lang="en-US" altLang="zh-CN" sz="1800" dirty="0"/>
               <a:t>Search</a:t>
             </a:r>
             <a:r>
-              <a:rPr lang="en-US" altLang="zh-CN" sz="1800" baseline="0" dirty="0" smtClean="0"/>
+              <a:rPr lang="en-US" altLang="zh-CN" sz="1800" baseline="0" dirty="0"/>
               <a:t> interest for 3 different keywords over time</a:t>
             </a:r>
             <a:endParaRPr lang="zh-CN" altLang="en-US" sz="1800" dirty="0"/>
@@ -605,6 +645,11 @@
             </c:numRef>
           </c:val>
           <c:smooth val="0"/>
+          <c:extLst>
+            <c:ext xmlns:c16="http://schemas.microsoft.com/office/drawing/2014/chart" uri="{C3380CC4-5D6E-409C-BE32-E72D297353CC}">
+              <c16:uniqueId val="{00000000-2E51-4B92-90A1-D0E56371F871}"/>
+            </c:ext>
+          </c:extLst>
         </c:ser>
         <c:ser>
           <c:idx val="1"/>
@@ -963,6 +1008,11 @@
             </c:numRef>
           </c:val>
           <c:smooth val="0"/>
+          <c:extLst>
+            <c:ext xmlns:c16="http://schemas.microsoft.com/office/drawing/2014/chart" uri="{C3380CC4-5D6E-409C-BE32-E72D297353CC}">
+              <c16:uniqueId val="{00000001-2E51-4B92-90A1-D0E56371F871}"/>
+            </c:ext>
+          </c:extLst>
         </c:ser>
         <c:ser>
           <c:idx val="2"/>
@@ -1321,6 +1371,11 @@
             </c:numRef>
           </c:val>
           <c:smooth val="0"/>
+          <c:extLst>
+            <c:ext xmlns:c16="http://schemas.microsoft.com/office/drawing/2014/chart" uri="{C3380CC4-5D6E-409C-BE32-E72D297353CC}">
+              <c16:uniqueId val="{00000002-2E51-4B92-90A1-D0E56371F871}"/>
+            </c:ext>
+          </c:extLst>
         </c:ser>
         <c:dLbls>
           <c:showLegendKey val="0"/>
@@ -1476,9 +1531,9 @@
 </file>
 
 <file path=ppt/charts/chart2.xml><?xml version="1.0" encoding="utf-8"?>
-<c:chartSpace xmlns:c="http://schemas.openxmlformats.org/drawingml/2006/chart" xmlns:a="http://schemas.openxmlformats.org/drawingml/2006/main" xmlns:r="http://schemas.openxmlformats.org/officeDocument/2006/relationships">
+<c:chartSpace xmlns:c="http://schemas.openxmlformats.org/drawingml/2006/chart" xmlns:a="http://schemas.openxmlformats.org/drawingml/2006/main" xmlns:r="http://schemas.openxmlformats.org/officeDocument/2006/relationships" xmlns:c16r2="http://schemas.microsoft.com/office/drawing/2015/06/chart">
   <c:date1904 val="0"/>
-  <c:lang val="zh-CN"/>
+  <c:lang val="en-US"/>
   <c:roundedCorners val="0"/>
   <mc:AlternateContent xmlns:mc="http://schemas.openxmlformats.org/markup-compatibility/2006">
     <mc:Choice xmlns:c14="http://schemas.microsoft.com/office/drawing/2007/8/2/chart" Requires="c14">
@@ -1509,11 +1564,11 @@
               </a:defRPr>
             </a:pPr>
             <a:r>
-              <a:rPr lang="en-US" altLang="zh-CN" dirty="0" smtClean="0"/>
+              <a:rPr lang="en-US" altLang="zh-CN" dirty="0"/>
               <a:t>Alibaba</a:t>
             </a:r>
             <a:r>
-              <a:rPr lang="en-US" altLang="zh-CN" baseline="0" dirty="0" smtClean="0"/>
+              <a:rPr lang="en-US" altLang="zh-CN" baseline="0" dirty="0"/>
               <a:t> singles’ day sales</a:t>
             </a:r>
             <a:endParaRPr lang="zh-CN" dirty="0"/>
@@ -1630,7 +1685,6 @@
             <c:showLeaderLines val="0"/>
             <c:extLst>
               <c:ext xmlns:c15="http://schemas.microsoft.com/office/drawing/2012/chart" uri="{CE6537A1-D6FC-4f65-9D91-7224C49458BB}">
-                <c15:layout/>
                 <c15:showLeaderLines val="1"/>
                 <c15:leaderLines>
                   <c:spPr>
@@ -1671,6 +1725,11 @@
               </c:numCache>
             </c:numRef>
           </c:val>
+          <c:extLst>
+            <c:ext xmlns:c16="http://schemas.microsoft.com/office/drawing/2014/chart" uri="{C3380CC4-5D6E-409C-BE32-E72D297353CC}">
+              <c16:uniqueId val="{00000000-E5B9-4E26-9165-6983CB394A4E}"/>
+            </c:ext>
+          </c:extLst>
         </c:ser>
         <c:ser>
           <c:idx val="1"/>
@@ -1738,7 +1797,6 @@
             <c:showLeaderLines val="0"/>
             <c:extLst>
               <c:ext xmlns:c15="http://schemas.microsoft.com/office/drawing/2012/chart" uri="{CE6537A1-D6FC-4f65-9D91-7224C49458BB}">
-                <c15:layout/>
                 <c15:showLeaderLines val="1"/>
                 <c15:leaderLines>
                   <c:spPr>
@@ -1779,6 +1837,11 @@
               </c:numCache>
             </c:numRef>
           </c:val>
+          <c:extLst>
+            <c:ext xmlns:c16="http://schemas.microsoft.com/office/drawing/2014/chart" uri="{C3380CC4-5D6E-409C-BE32-E72D297353CC}">
+              <c16:uniqueId val="{00000001-E5B9-4E26-9165-6983CB394A4E}"/>
+            </c:ext>
+          </c:extLst>
         </c:ser>
         <c:ser>
           <c:idx val="2"/>
@@ -1846,7 +1909,6 @@
             <c:showLeaderLines val="0"/>
             <c:extLst>
               <c:ext xmlns:c15="http://schemas.microsoft.com/office/drawing/2012/chart" uri="{CE6537A1-D6FC-4f65-9D91-7224C49458BB}">
-                <c15:layout/>
                 <c15:showLeaderLines val="1"/>
                 <c15:leaderLines>
                   <c:spPr>
@@ -1887,6 +1949,11 @@
               </c:numCache>
             </c:numRef>
           </c:val>
+          <c:extLst>
+            <c:ext xmlns:c16="http://schemas.microsoft.com/office/drawing/2014/chart" uri="{C3380CC4-5D6E-409C-BE32-E72D297353CC}">
+              <c16:uniqueId val="{00000002-E5B9-4E26-9165-6983CB394A4E}"/>
+            </c:ext>
+          </c:extLst>
         </c:ser>
         <c:ser>
           <c:idx val="3"/>
@@ -1954,7 +2021,6 @@
             <c:showLeaderLines val="0"/>
             <c:extLst>
               <c:ext xmlns:c15="http://schemas.microsoft.com/office/drawing/2012/chart" uri="{CE6537A1-D6FC-4f65-9D91-7224C49458BB}">
-                <c15:layout/>
                 <c15:showLeaderLines val="1"/>
                 <c15:leaderLines>
                   <c:spPr>
@@ -1995,6 +2061,11 @@
               </c:numCache>
             </c:numRef>
           </c:val>
+          <c:extLst>
+            <c:ext xmlns:c16="http://schemas.microsoft.com/office/drawing/2014/chart" uri="{C3380CC4-5D6E-409C-BE32-E72D297353CC}">
+              <c16:uniqueId val="{00000003-E5B9-4E26-9165-6983CB394A4E}"/>
+            </c:ext>
+          </c:extLst>
         </c:ser>
         <c:ser>
           <c:idx val="4"/>
@@ -2062,7 +2133,6 @@
             <c:showLeaderLines val="0"/>
             <c:extLst>
               <c:ext xmlns:c15="http://schemas.microsoft.com/office/drawing/2012/chart" uri="{CE6537A1-D6FC-4f65-9D91-7224C49458BB}">
-                <c15:layout/>
                 <c15:showLeaderLines val="1"/>
                 <c15:leaderLines>
                   <c:spPr>
@@ -2103,6 +2173,11 @@
               </c:numCache>
             </c:numRef>
           </c:val>
+          <c:extLst>
+            <c:ext xmlns:c16="http://schemas.microsoft.com/office/drawing/2014/chart" uri="{C3380CC4-5D6E-409C-BE32-E72D297353CC}">
+              <c16:uniqueId val="{00000004-E5B9-4E26-9165-6983CB394A4E}"/>
+            </c:ext>
+          </c:extLst>
         </c:ser>
         <c:ser>
           <c:idx val="5"/>
@@ -2168,7 +2243,6 @@
             <c:showLeaderLines val="0"/>
             <c:extLst>
               <c:ext xmlns:c15="http://schemas.microsoft.com/office/drawing/2012/chart" uri="{CE6537A1-D6FC-4f65-9D91-7224C49458BB}">
-                <c15:layout/>
                 <c15:showLeaderLines val="1"/>
                 <c15:leaderLines>
                   <c:spPr>
@@ -2209,6 +2283,11 @@
               </c:numCache>
             </c:numRef>
           </c:val>
+          <c:extLst>
+            <c:ext xmlns:c16="http://schemas.microsoft.com/office/drawing/2014/chart" uri="{C3380CC4-5D6E-409C-BE32-E72D297353CC}">
+              <c16:uniqueId val="{00000005-E5B9-4E26-9165-6983CB394A4E}"/>
+            </c:ext>
+          </c:extLst>
         </c:ser>
         <c:ser>
           <c:idx val="6"/>
@@ -2276,7 +2355,6 @@
             <c:showLeaderLines val="0"/>
             <c:extLst>
               <c:ext xmlns:c15="http://schemas.microsoft.com/office/drawing/2012/chart" uri="{CE6537A1-D6FC-4f65-9D91-7224C49458BB}">
-                <c15:layout/>
                 <c15:showLeaderLines val="1"/>
                 <c15:leaderLines>
                   <c:spPr>
@@ -2317,6 +2395,11 @@
               </c:numCache>
             </c:numRef>
           </c:val>
+          <c:extLst>
+            <c:ext xmlns:c16="http://schemas.microsoft.com/office/drawing/2014/chart" uri="{C3380CC4-5D6E-409C-BE32-E72D297353CC}">
+              <c16:uniqueId val="{00000006-E5B9-4E26-9165-6983CB394A4E}"/>
+            </c:ext>
+          </c:extLst>
         </c:ser>
         <c:ser>
           <c:idx val="7"/>
@@ -2384,7 +2467,6 @@
             <c:showLeaderLines val="0"/>
             <c:extLst>
               <c:ext xmlns:c15="http://schemas.microsoft.com/office/drawing/2012/chart" uri="{CE6537A1-D6FC-4f65-9D91-7224C49458BB}">
-                <c15:layout/>
                 <c15:showLeaderLines val="1"/>
                 <c15:leaderLines>
                   <c:spPr>
@@ -2425,6 +2507,11 @@
               </c:numCache>
             </c:numRef>
           </c:val>
+          <c:extLst>
+            <c:ext xmlns:c16="http://schemas.microsoft.com/office/drawing/2014/chart" uri="{C3380CC4-5D6E-409C-BE32-E72D297353CC}">
+              <c16:uniqueId val="{00000007-E5B9-4E26-9165-6983CB394A4E}"/>
+            </c:ext>
+          </c:extLst>
         </c:ser>
         <c:ser>
           <c:idx val="8"/>
@@ -2492,7 +2579,6 @@
             <c:showLeaderLines val="0"/>
             <c:extLst>
               <c:ext xmlns:c15="http://schemas.microsoft.com/office/drawing/2012/chart" uri="{CE6537A1-D6FC-4f65-9D91-7224C49458BB}">
-                <c15:layout/>
                 <c15:showLeaderLines val="1"/>
                 <c15:leaderLines>
                   <c:spPr>
@@ -2533,6 +2619,11 @@
               </c:numCache>
             </c:numRef>
           </c:val>
+          <c:extLst>
+            <c:ext xmlns:c16="http://schemas.microsoft.com/office/drawing/2014/chart" uri="{C3380CC4-5D6E-409C-BE32-E72D297353CC}">
+              <c16:uniqueId val="{00000008-E5B9-4E26-9165-6983CB394A4E}"/>
+            </c:ext>
+          </c:extLst>
         </c:ser>
         <c:ser>
           <c:idx val="9"/>
@@ -2600,7 +2691,6 @@
             <c:showLeaderLines val="0"/>
             <c:extLst>
               <c:ext xmlns:c15="http://schemas.microsoft.com/office/drawing/2012/chart" uri="{CE6537A1-D6FC-4f65-9D91-7224C49458BB}">
-                <c15:layout/>
                 <c15:showLeaderLines val="1"/>
                 <c15:leaderLines>
                   <c:spPr>
@@ -2641,6 +2731,11 @@
               </c:numCache>
             </c:numRef>
           </c:val>
+          <c:extLst>
+            <c:ext xmlns:c16="http://schemas.microsoft.com/office/drawing/2014/chart" uri="{C3380CC4-5D6E-409C-BE32-E72D297353CC}">
+              <c16:uniqueId val="{00000009-E5B9-4E26-9165-6983CB394A4E}"/>
+            </c:ext>
+          </c:extLst>
         </c:ser>
         <c:ser>
           <c:idx val="10"/>
@@ -2708,7 +2803,6 @@
             <c:showLeaderLines val="0"/>
             <c:extLst>
               <c:ext xmlns:c15="http://schemas.microsoft.com/office/drawing/2012/chart" uri="{CE6537A1-D6FC-4f65-9D91-7224C49458BB}">
-                <c15:layout/>
                 <c15:showLeaderLines val="1"/>
                 <c15:leaderLines>
                   <c:spPr>
@@ -2749,6 +2843,11 @@
               </c:numCache>
             </c:numRef>
           </c:val>
+          <c:extLst>
+            <c:ext xmlns:c16="http://schemas.microsoft.com/office/drawing/2014/chart" uri="{C3380CC4-5D6E-409C-BE32-E72D297353CC}">
+              <c16:uniqueId val="{0000000A-E5B9-4E26-9165-6983CB394A4E}"/>
+            </c:ext>
+          </c:extLst>
         </c:ser>
         <c:dLbls>
           <c:dLblPos val="outEnd"/>
@@ -3965,6 +4064,436 @@
 </cs:chartStyle>
 </file>
 
+<file path=ppt/notesMasters/notesMaster1.xml><?xml version="1.0" encoding="utf-8"?>
+<p:notesMaster xmlns:a="http://schemas.openxmlformats.org/drawingml/2006/main" xmlns:r="http://schemas.openxmlformats.org/officeDocument/2006/relationships" xmlns:p="http://schemas.openxmlformats.org/presentationml/2006/main">
+  <p:cSld>
+    <p:bg>
+      <p:bgPr>
+        <a:solidFill>
+          <a:schemeClr val="bg1"/>
+        </a:solidFill>
+        <a:effectLst/>
+      </p:bgPr>
+    </p:bg>
+    <p:spTree>
+      <p:nvGrpSpPr>
+        <p:cNvPr id="1" name=""/>
+        <p:cNvGrpSpPr/>
+        <p:nvPr/>
+      </p:nvGrpSpPr>
+      <p:grpSpPr>
+        <a:xfrm>
+          <a:off x="0" y="0"/>
+          <a:ext cx="0" cy="0"/>
+          <a:chOff x="0" y="0"/>
+          <a:chExt cx="0" cy="0"/>
+        </a:xfrm>
+      </p:grpSpPr>
+      <p:sp>
+        <p:nvSpPr>
+          <p:cNvPr id="1048726" name="Rectangle 2"/>
+          <p:cNvSpPr>
+            <a:spLocks noGrp="1" noChangeArrowheads="1"/>
+          </p:cNvSpPr>
+          <p:nvPr>
+            <p:ph type="hdr" sz="quarter"/>
+          </p:nvPr>
+        </p:nvSpPr>
+        <p:spPr bwMode="auto">
+          <a:xfrm>
+            <a:off x="2" y="1"/>
+            <a:ext cx="3076575" cy="512763"/>
+          </a:xfrm>
+          <a:prstGeom prst="rect">
+            <a:avLst/>
+          </a:prstGeom>
+          <a:noFill/>
+          <a:ln w="9525">
+            <a:noFill/>
+            <a:miter lim="800000"/>
+            <a:headEnd/>
+            <a:tailEnd/>
+          </a:ln>
+          <a:effectLst/>
+        </p:spPr>
+        <p:txBody>
+          <a:bodyPr vert="horz" wrap="square" lIns="91492" tIns="45745" rIns="91492" bIns="45745" numCol="1" anchor="t" anchorCtr="0" compatLnSpc="1">
+            <a:prstTxWarp prst="textNoShape">
+              <a:avLst/>
+            </a:prstTxWarp>
+          </a:bodyPr>
+          <a:lstStyle>
+            <a:lvl1pPr algn="l">
+              <a:defRPr sz="1100"/>
+            </a:lvl1pPr>
+          </a:lstStyle>
+          <a:p>
+            <a:endParaRPr lang="en-US" dirty="0"/>
+          </a:p>
+        </p:txBody>
+      </p:sp>
+      <p:sp>
+        <p:nvSpPr>
+          <p:cNvPr id="1048727" name="Rectangle 3"/>
+          <p:cNvSpPr>
+            <a:spLocks noGrp="1" noChangeArrowheads="1"/>
+          </p:cNvSpPr>
+          <p:nvPr>
+            <p:ph type="dt" idx="1"/>
+          </p:nvPr>
+        </p:nvSpPr>
+        <p:spPr bwMode="auto">
+          <a:xfrm>
+            <a:off x="4021139" y="1"/>
+            <a:ext cx="3076575" cy="512763"/>
+          </a:xfrm>
+          <a:prstGeom prst="rect">
+            <a:avLst/>
+          </a:prstGeom>
+          <a:noFill/>
+          <a:ln w="9525">
+            <a:noFill/>
+            <a:miter lim="800000"/>
+            <a:headEnd/>
+            <a:tailEnd/>
+          </a:ln>
+          <a:effectLst/>
+        </p:spPr>
+        <p:txBody>
+          <a:bodyPr vert="horz" wrap="square" lIns="91492" tIns="45745" rIns="91492" bIns="45745" numCol="1" anchor="t" anchorCtr="0" compatLnSpc="1">
+            <a:prstTxWarp prst="textNoShape">
+              <a:avLst/>
+            </a:prstTxWarp>
+          </a:bodyPr>
+          <a:lstStyle>
+            <a:lvl1pPr algn="r">
+              <a:defRPr sz="1100"/>
+            </a:lvl1pPr>
+          </a:lstStyle>
+          <a:p>
+            <a:endParaRPr lang="en-US" dirty="0"/>
+          </a:p>
+        </p:txBody>
+      </p:sp>
+      <p:sp>
+        <p:nvSpPr>
+          <p:cNvPr id="1048728" name="Rectangle 4"/>
+          <p:cNvSpPr>
+            <a:spLocks noGrp="1" noRot="1" noChangeAspect="1" noChangeArrowheads="1" noTextEdit="1"/>
+          </p:cNvSpPr>
+          <p:nvPr>
+            <p:ph type="sldImg" idx="2"/>
+          </p:nvPr>
+        </p:nvSpPr>
+        <p:spPr bwMode="auto">
+          <a:xfrm>
+            <a:off x="990600" y="766763"/>
+            <a:ext cx="5118100" cy="3838575"/>
+          </a:xfrm>
+          <a:prstGeom prst="rect">
+            <a:avLst/>
+          </a:prstGeom>
+          <a:noFill/>
+          <a:ln w="9525">
+            <a:solidFill>
+              <a:srgbClr val="000000"/>
+            </a:solidFill>
+            <a:miter lim="800000"/>
+            <a:headEnd/>
+            <a:tailEnd/>
+          </a:ln>
+          <a:effectLst/>
+        </p:spPr>
+      </p:sp>
+      <p:sp>
+        <p:nvSpPr>
+          <p:cNvPr id="1048729" name="Rectangle 5"/>
+          <p:cNvSpPr>
+            <a:spLocks noGrp="1" noChangeArrowheads="1"/>
+          </p:cNvSpPr>
+          <p:nvPr>
+            <p:ph type="body" sz="quarter" idx="3"/>
+          </p:nvPr>
+        </p:nvSpPr>
+        <p:spPr bwMode="auto">
+          <a:xfrm>
+            <a:off x="709614" y="4862514"/>
+            <a:ext cx="5680075" cy="4605337"/>
+          </a:xfrm>
+          <a:prstGeom prst="rect">
+            <a:avLst/>
+          </a:prstGeom>
+          <a:noFill/>
+          <a:ln w="9525">
+            <a:noFill/>
+            <a:miter lim="800000"/>
+            <a:headEnd/>
+            <a:tailEnd/>
+          </a:ln>
+          <a:effectLst/>
+        </p:spPr>
+        <p:txBody>
+          <a:bodyPr vert="horz" wrap="square" lIns="91492" tIns="45745" rIns="91492" bIns="45745" numCol="1" anchor="t" anchorCtr="0" compatLnSpc="1">
+            <a:prstTxWarp prst="textNoShape">
+              <a:avLst/>
+            </a:prstTxWarp>
+          </a:bodyPr>
+          <a:lstStyle/>
+          <a:p>
+            <a:pPr lvl="0"/>
+            <a:r>
+              <a:rPr lang="en-US"/>
+              <a:t>Click to edit Master text styles</a:t>
+            </a:r>
+          </a:p>
+          <a:p>
+            <a:pPr lvl="1"/>
+            <a:r>
+              <a:rPr lang="en-US"/>
+              <a:t>Second level</a:t>
+            </a:r>
+          </a:p>
+          <a:p>
+            <a:pPr lvl="2"/>
+            <a:r>
+              <a:rPr lang="en-US"/>
+              <a:t>Third level</a:t>
+            </a:r>
+          </a:p>
+          <a:p>
+            <a:pPr lvl="3"/>
+            <a:r>
+              <a:rPr lang="en-US"/>
+              <a:t>Fourth level</a:t>
+            </a:r>
+          </a:p>
+          <a:p>
+            <a:pPr lvl="4"/>
+            <a:r>
+              <a:rPr lang="en-US"/>
+              <a:t>Fifth level</a:t>
+            </a:r>
+          </a:p>
+        </p:txBody>
+      </p:sp>
+      <p:sp>
+        <p:nvSpPr>
+          <p:cNvPr id="1048730" name="Rectangle 6"/>
+          <p:cNvSpPr>
+            <a:spLocks noGrp="1" noChangeArrowheads="1"/>
+          </p:cNvSpPr>
+          <p:nvPr>
+            <p:ph type="ftr" sz="quarter" idx="4"/>
+          </p:nvPr>
+        </p:nvSpPr>
+        <p:spPr bwMode="auto">
+          <a:xfrm>
+            <a:off x="2" y="9720264"/>
+            <a:ext cx="3076575" cy="512762"/>
+          </a:xfrm>
+          <a:prstGeom prst="rect">
+            <a:avLst/>
+          </a:prstGeom>
+          <a:noFill/>
+          <a:ln w="9525">
+            <a:noFill/>
+            <a:miter lim="800000"/>
+            <a:headEnd/>
+            <a:tailEnd/>
+          </a:ln>
+          <a:effectLst/>
+        </p:spPr>
+        <p:txBody>
+          <a:bodyPr vert="horz" wrap="square" lIns="91492" tIns="45745" rIns="91492" bIns="45745" numCol="1" anchor="b" anchorCtr="0" compatLnSpc="1">
+            <a:prstTxWarp prst="textNoShape">
+              <a:avLst/>
+            </a:prstTxWarp>
+          </a:bodyPr>
+          <a:lstStyle>
+            <a:lvl1pPr algn="l">
+              <a:defRPr sz="1100"/>
+            </a:lvl1pPr>
+          </a:lstStyle>
+          <a:p>
+            <a:endParaRPr lang="en-US" dirty="0"/>
+          </a:p>
+        </p:txBody>
+      </p:sp>
+      <p:sp>
+        <p:nvSpPr>
+          <p:cNvPr id="1048731" name="Rectangle 7"/>
+          <p:cNvSpPr>
+            <a:spLocks noGrp="1" noChangeArrowheads="1"/>
+          </p:cNvSpPr>
+          <p:nvPr>
+            <p:ph type="sldNum" sz="quarter" idx="5"/>
+          </p:nvPr>
+        </p:nvSpPr>
+        <p:spPr bwMode="auto">
+          <a:xfrm>
+            <a:off x="4021139" y="9720264"/>
+            <a:ext cx="3076575" cy="512762"/>
+          </a:xfrm>
+          <a:prstGeom prst="rect">
+            <a:avLst/>
+          </a:prstGeom>
+          <a:noFill/>
+          <a:ln w="9525">
+            <a:noFill/>
+            <a:miter lim="800000"/>
+            <a:headEnd/>
+            <a:tailEnd/>
+          </a:ln>
+          <a:effectLst/>
+        </p:spPr>
+        <p:txBody>
+          <a:bodyPr vert="horz" wrap="square" lIns="91492" tIns="45745" rIns="91492" bIns="45745" numCol="1" anchor="b" anchorCtr="0" compatLnSpc="1">
+            <a:prstTxWarp prst="textNoShape">
+              <a:avLst/>
+            </a:prstTxWarp>
+          </a:bodyPr>
+          <a:lstStyle>
+            <a:lvl1pPr algn="r">
+              <a:defRPr sz="1100"/>
+            </a:lvl1pPr>
+          </a:lstStyle>
+          <a:p>
+            <a:fld id="{A9A0EA98-5831-4853-B862-C702E6EB345C}" type="slidenum">
+              <a:rPr lang="en-US"/>
+              <a:t>‹#›</a:t>
+            </a:fld>
+            <a:endParaRPr lang="en-US" dirty="0"/>
+          </a:p>
+        </p:txBody>
+      </p:sp>
+    </p:spTree>
+  </p:cSld>
+  <p:clrMap bg1="lt1" tx1="dk1" bg2="lt2" tx2="dk2" accent1="accent1" accent2="accent2" accent3="accent3" accent4="accent4" accent5="accent5" accent6="accent6" hlink="hlink" folHlink="folHlink"/>
+  <p:notesStyle>
+    <a:lvl1pPr algn="l" rtl="0" fontAlgn="base">
+      <a:spcBef>
+        <a:spcPct val="30000"/>
+      </a:spcBef>
+      <a:spcAft>
+        <a:spcPct val="0"/>
+      </a:spcAft>
+      <a:defRPr sz="1200" kern="1200">
+        <a:solidFill>
+          <a:schemeClr val="tx1"/>
+        </a:solidFill>
+        <a:latin typeface="Arial" charset="0"/>
+        <a:ea typeface="+mn-ea"/>
+        <a:cs typeface="+mn-cs"/>
+      </a:defRPr>
+    </a:lvl1pPr>
+    <a:lvl2pPr marL="457200" algn="l" rtl="0" fontAlgn="base">
+      <a:spcBef>
+        <a:spcPct val="30000"/>
+      </a:spcBef>
+      <a:spcAft>
+        <a:spcPct val="0"/>
+      </a:spcAft>
+      <a:defRPr sz="1200" kern="1200">
+        <a:solidFill>
+          <a:schemeClr val="tx1"/>
+        </a:solidFill>
+        <a:latin typeface="Arial" charset="0"/>
+        <a:ea typeface="+mn-ea"/>
+        <a:cs typeface="+mn-cs"/>
+      </a:defRPr>
+    </a:lvl2pPr>
+    <a:lvl3pPr marL="914400" algn="l" rtl="0" fontAlgn="base">
+      <a:spcBef>
+        <a:spcPct val="30000"/>
+      </a:spcBef>
+      <a:spcAft>
+        <a:spcPct val="0"/>
+      </a:spcAft>
+      <a:defRPr sz="1200" kern="1200">
+        <a:solidFill>
+          <a:schemeClr val="tx1"/>
+        </a:solidFill>
+        <a:latin typeface="Arial" charset="0"/>
+        <a:ea typeface="+mn-ea"/>
+        <a:cs typeface="+mn-cs"/>
+      </a:defRPr>
+    </a:lvl3pPr>
+    <a:lvl4pPr marL="1371600" algn="l" rtl="0" fontAlgn="base">
+      <a:spcBef>
+        <a:spcPct val="30000"/>
+      </a:spcBef>
+      <a:spcAft>
+        <a:spcPct val="0"/>
+      </a:spcAft>
+      <a:defRPr sz="1200" kern="1200">
+        <a:solidFill>
+          <a:schemeClr val="tx1"/>
+        </a:solidFill>
+        <a:latin typeface="Arial" charset="0"/>
+        <a:ea typeface="+mn-ea"/>
+        <a:cs typeface="+mn-cs"/>
+      </a:defRPr>
+    </a:lvl4pPr>
+    <a:lvl5pPr marL="1828800" algn="l" rtl="0" fontAlgn="base">
+      <a:spcBef>
+        <a:spcPct val="30000"/>
+      </a:spcBef>
+      <a:spcAft>
+        <a:spcPct val="0"/>
+      </a:spcAft>
+      <a:defRPr sz="1200" kern="1200">
+        <a:solidFill>
+          <a:schemeClr val="tx1"/>
+        </a:solidFill>
+        <a:latin typeface="Arial" charset="0"/>
+        <a:ea typeface="+mn-ea"/>
+        <a:cs typeface="+mn-cs"/>
+      </a:defRPr>
+    </a:lvl5pPr>
+    <a:lvl6pPr marL="2286000" algn="l" defTabSz="914400" rtl="0" eaLnBrk="1" latinLnBrk="0" hangingPunct="1">
+      <a:defRPr sz="1200" kern="1200">
+        <a:solidFill>
+          <a:schemeClr val="tx1"/>
+        </a:solidFill>
+        <a:latin typeface="+mn-lt"/>
+        <a:ea typeface="+mn-ea"/>
+        <a:cs typeface="+mn-cs"/>
+      </a:defRPr>
+    </a:lvl6pPr>
+    <a:lvl7pPr marL="2743200" algn="l" defTabSz="914400" rtl="0" eaLnBrk="1" latinLnBrk="0" hangingPunct="1">
+      <a:defRPr sz="1200" kern="1200">
+        <a:solidFill>
+          <a:schemeClr val="tx1"/>
+        </a:solidFill>
+        <a:latin typeface="+mn-lt"/>
+        <a:ea typeface="+mn-ea"/>
+        <a:cs typeface="+mn-cs"/>
+      </a:defRPr>
+    </a:lvl7pPr>
+    <a:lvl8pPr marL="3200400" algn="l" defTabSz="914400" rtl="0" eaLnBrk="1" latinLnBrk="0" hangingPunct="1">
+      <a:defRPr sz="1200" kern="1200">
+        <a:solidFill>
+          <a:schemeClr val="tx1"/>
+        </a:solidFill>
+        <a:latin typeface="+mn-lt"/>
+        <a:ea typeface="+mn-ea"/>
+        <a:cs typeface="+mn-cs"/>
+      </a:defRPr>
+    </a:lvl8pPr>
+    <a:lvl9pPr marL="3657600" algn="l" defTabSz="914400" rtl="0" eaLnBrk="1" latinLnBrk="0" hangingPunct="1">
+      <a:defRPr sz="1200" kern="1200">
+        <a:solidFill>
+          <a:schemeClr val="tx1"/>
+        </a:solidFill>
+        <a:latin typeface="+mn-lt"/>
+        <a:ea typeface="+mn-ea"/>
+        <a:cs typeface="+mn-cs"/>
+      </a:defRPr>
+    </a:lvl9pPr>
+  </p:notesStyle>
+</p:notesMaster>
+</file>
+
 <file path=ppt/slideLayouts/slideLayout1.xml><?xml version="1.0" encoding="utf-8"?>
 <p:sldLayout xmlns:a="http://schemas.openxmlformats.org/drawingml/2006/main" xmlns:r="http://schemas.openxmlformats.org/officeDocument/2006/relationships" xmlns:p="http://schemas.openxmlformats.org/presentationml/2006/main" type="title" preserve="1">
   <p:cSld name="标题幻灯片">
@@ -3984,7 +4513,7 @@
       </p:grpSpPr>
       <p:sp>
         <p:nvSpPr>
-          <p:cNvPr id="2" name="Title 1"/>
+          <p:cNvPr id="1048594" name="Title 1"/>
           <p:cNvSpPr>
             <a:spLocks noGrp="1"/>
           </p:cNvSpPr>
@@ -4007,7 +4536,7 @@
           </a:lstStyle>
           <a:p>
             <a:r>
-              <a:rPr lang="zh-CN" altLang="en-US" smtClean="0"/>
+              <a:rPr lang="zh-CN" altLang="en-US"/>
               <a:t>单击此处编辑母版标题样式</a:t>
             </a:r>
             <a:endParaRPr lang="en-US" dirty="0"/>
@@ -4016,7 +4545,7 @@
       </p:sp>
       <p:sp>
         <p:nvSpPr>
-          <p:cNvPr id="3" name="Subtitle 2"/>
+          <p:cNvPr id="1048595" name="Subtitle 2"/>
           <p:cNvSpPr>
             <a:spLocks noGrp="1"/>
           </p:cNvSpPr>
@@ -4127,7 +4656,7 @@
           </a:lstStyle>
           <a:p>
             <a:r>
-              <a:rPr lang="zh-CN" altLang="en-US" smtClean="0"/>
+              <a:rPr lang="zh-CN" altLang="en-US"/>
               <a:t>单击此处编辑母版副标题样式</a:t>
             </a:r>
             <a:endParaRPr lang="en-US" dirty="0"/>
@@ -4136,7 +4665,7 @@
       </p:sp>
       <p:sp>
         <p:nvSpPr>
-          <p:cNvPr id="4" name="Date Placeholder 3"/>
+          <p:cNvPr id="1048596" name="Date Placeholder 3"/>
           <p:cNvSpPr>
             <a:spLocks noGrp="1"/>
           </p:cNvSpPr>
@@ -4151,7 +4680,7 @@
           <a:p>
             <a:fld id="{4AAD347D-5ACD-4C99-B74B-A9C85AD731AF}" type="datetimeFigureOut">
               <a:rPr lang="en-US" dirty="0"/>
-              <a:t>12/20/2019</a:t>
+              <a:t>12/23/2019</a:t>
             </a:fld>
             <a:endParaRPr lang="en-US" dirty="0"/>
           </a:p>
@@ -4159,7 +4688,7 @@
       </p:sp>
       <p:sp>
         <p:nvSpPr>
-          <p:cNvPr id="5" name="Footer Placeholder 4"/>
+          <p:cNvPr id="1048597" name="Footer Placeholder 4"/>
           <p:cNvSpPr>
             <a:spLocks noGrp="1"/>
           </p:cNvSpPr>
@@ -4178,7 +4707,7 @@
       </p:sp>
       <p:sp>
         <p:nvSpPr>
-          <p:cNvPr id="6" name="Slide Number Placeholder 5"/>
+          <p:cNvPr id="1048598" name="Slide Number Placeholder 5"/>
           <p:cNvSpPr>
             <a:spLocks noGrp="1"/>
           </p:cNvSpPr>
@@ -4229,7 +4758,7 @@
       </p:grpSpPr>
       <p:sp>
         <p:nvSpPr>
-          <p:cNvPr id="2" name="Title 1"/>
+          <p:cNvPr id="1048693" name="Title 1"/>
           <p:cNvSpPr>
             <a:spLocks noGrp="1"/>
           </p:cNvSpPr>
@@ -4254,7 +4783,7 @@
           </a:lstStyle>
           <a:p>
             <a:r>
-              <a:rPr lang="zh-CN" altLang="en-US" smtClean="0"/>
+              <a:rPr lang="zh-CN" altLang="en-US"/>
               <a:t>单击此处编辑母版标题样式</a:t>
             </a:r>
             <a:endParaRPr lang="en-US" dirty="0"/>
@@ -4263,7 +4792,7 @@
       </p:sp>
       <p:sp>
         <p:nvSpPr>
-          <p:cNvPr id="3" name="Picture Placeholder 2"/>
+          <p:cNvPr id="1048694" name="Picture Placeholder 2"/>
           <p:cNvSpPr>
             <a:spLocks noGrp="1" noChangeAspect="1"/>
           </p:cNvSpPr>
@@ -4333,7 +4862,7 @@
           </a:lstStyle>
           <a:p>
             <a:r>
-              <a:rPr lang="zh-CN" altLang="en-US" smtClean="0"/>
+              <a:rPr lang="zh-CN" altLang="en-US"/>
               <a:t>单击图标添加图片</a:t>
             </a:r>
             <a:endParaRPr lang="en-US" dirty="0"/>
@@ -4342,7 +4871,7 @@
       </p:sp>
       <p:sp>
         <p:nvSpPr>
-          <p:cNvPr id="4" name="Text Placeholder 3"/>
+          <p:cNvPr id="1048695" name="Text Placeholder 3"/>
           <p:cNvSpPr>
             <a:spLocks noGrp="1"/>
           </p:cNvSpPr>
@@ -4401,7 +4930,7 @@
           <a:p>
             <a:pPr lvl="0"/>
             <a:r>
-              <a:rPr lang="zh-CN" altLang="en-US" smtClean="0"/>
+              <a:rPr lang="zh-CN" altLang="en-US"/>
               <a:t>单击此处编辑母版文本样式</a:t>
             </a:r>
           </a:p>
@@ -4409,7 +4938,7 @@
       </p:sp>
       <p:sp>
         <p:nvSpPr>
-          <p:cNvPr id="5" name="Date Placeholder 4"/>
+          <p:cNvPr id="1048696" name="Date Placeholder 4"/>
           <p:cNvSpPr>
             <a:spLocks noGrp="1"/>
           </p:cNvSpPr>
@@ -4424,7 +4953,7 @@
           <a:p>
             <a:fld id="{4509A250-FF31-4206-8172-F9D3106AACB1}" type="datetimeFigureOut">
               <a:rPr lang="en-US" dirty="0"/>
-              <a:t>12/20/2019</a:t>
+              <a:t>12/23/2019</a:t>
             </a:fld>
             <a:endParaRPr lang="en-US" dirty="0"/>
           </a:p>
@@ -4432,7 +4961,7 @@
       </p:sp>
       <p:sp>
         <p:nvSpPr>
-          <p:cNvPr id="6" name="Footer Placeholder 5"/>
+          <p:cNvPr id="1048697" name="Footer Placeholder 5"/>
           <p:cNvSpPr>
             <a:spLocks noGrp="1"/>
           </p:cNvSpPr>
@@ -4451,7 +4980,7 @@
       </p:sp>
       <p:sp>
         <p:nvSpPr>
-          <p:cNvPr id="7" name="Slide Number Placeholder 6"/>
+          <p:cNvPr id="1048698" name="Slide Number Placeholder 6"/>
           <p:cNvSpPr>
             <a:spLocks noGrp="1"/>
           </p:cNvSpPr>
@@ -4502,7 +5031,7 @@
       </p:grpSpPr>
       <p:sp>
         <p:nvSpPr>
-          <p:cNvPr id="2" name="Title 1"/>
+          <p:cNvPr id="1048643" name="Title 1"/>
           <p:cNvSpPr>
             <a:spLocks noGrp="1"/>
           </p:cNvSpPr>
@@ -4525,7 +5054,7 @@
           </a:lstStyle>
           <a:p>
             <a:r>
-              <a:rPr lang="zh-CN" altLang="en-US" smtClean="0"/>
+              <a:rPr lang="zh-CN" altLang="en-US"/>
               <a:t>单击此处编辑母版标题样式</a:t>
             </a:r>
             <a:endParaRPr lang="en-US" dirty="0"/>
@@ -4534,7 +5063,7 @@
       </p:sp>
       <p:sp>
         <p:nvSpPr>
-          <p:cNvPr id="8" name="Text Placeholder 3"/>
+          <p:cNvPr id="1048644" name="Text Placeholder 3"/>
           <p:cNvSpPr>
             <a:spLocks noGrp="1"/>
           </p:cNvSpPr>
@@ -4593,7 +5122,7 @@
           <a:p>
             <a:pPr lvl="0"/>
             <a:r>
-              <a:rPr lang="zh-CN" altLang="en-US" smtClean="0"/>
+              <a:rPr lang="zh-CN" altLang="en-US"/>
               <a:t>单击此处编辑母版文本样式</a:t>
             </a:r>
           </a:p>
@@ -4601,7 +5130,7 @@
       </p:sp>
       <p:sp>
         <p:nvSpPr>
-          <p:cNvPr id="4" name="Date Placeholder 3"/>
+          <p:cNvPr id="1048645" name="Date Placeholder 3"/>
           <p:cNvSpPr>
             <a:spLocks noGrp="1"/>
           </p:cNvSpPr>
@@ -4616,7 +5145,7 @@
           <a:p>
             <a:fld id="{4509A250-FF31-4206-8172-F9D3106AACB1}" type="datetimeFigureOut">
               <a:rPr lang="en-US" dirty="0"/>
-              <a:t>12/20/2019</a:t>
+              <a:t>12/23/2019</a:t>
             </a:fld>
             <a:endParaRPr lang="en-US" dirty="0"/>
           </a:p>
@@ -4624,7 +5153,7 @@
       </p:sp>
       <p:sp>
         <p:nvSpPr>
-          <p:cNvPr id="5" name="Footer Placeholder 4"/>
+          <p:cNvPr id="1048646" name="Footer Placeholder 4"/>
           <p:cNvSpPr>
             <a:spLocks noGrp="1"/>
           </p:cNvSpPr>
@@ -4643,7 +5172,7 @@
       </p:sp>
       <p:sp>
         <p:nvSpPr>
-          <p:cNvPr id="6" name="Slide Number Placeholder 5"/>
+          <p:cNvPr id="1048647" name="Slide Number Placeholder 5"/>
           <p:cNvSpPr>
             <a:spLocks noGrp="1"/>
           </p:cNvSpPr>
@@ -4694,7 +5223,7 @@
       </p:grpSpPr>
       <p:sp>
         <p:nvSpPr>
-          <p:cNvPr id="2" name="Title 1"/>
+          <p:cNvPr id="1048685" name="Title 1"/>
           <p:cNvSpPr>
             <a:spLocks noGrp="1"/>
           </p:cNvSpPr>
@@ -4717,7 +5246,7 @@
           </a:lstStyle>
           <a:p>
             <a:r>
-              <a:rPr lang="zh-CN" altLang="en-US" smtClean="0"/>
+              <a:rPr lang="zh-CN" altLang="en-US"/>
               <a:t>单击此处编辑母版标题样式</a:t>
             </a:r>
             <a:endParaRPr lang="en-US" dirty="0"/>
@@ -4726,7 +5255,7 @@
       </p:sp>
       <p:sp>
         <p:nvSpPr>
-          <p:cNvPr id="11" name="Text Placeholder 3"/>
+          <p:cNvPr id="1048686" name="Text Placeholder 3"/>
           <p:cNvSpPr>
             <a:spLocks noGrp="1"/>
           </p:cNvSpPr>
@@ -4797,7 +5326,7 @@
               <a:buNone/>
             </a:pPr>
             <a:r>
-              <a:rPr lang="zh-CN" altLang="en-US" smtClean="0"/>
+              <a:rPr lang="zh-CN" altLang="en-US"/>
               <a:t>单击此处编辑母版文本样式</a:t>
             </a:r>
           </a:p>
@@ -4805,7 +5334,7 @@
       </p:sp>
       <p:sp>
         <p:nvSpPr>
-          <p:cNvPr id="10" name="Text Placeholder 3"/>
+          <p:cNvPr id="1048687" name="Text Placeholder 3"/>
           <p:cNvSpPr>
             <a:spLocks noGrp="1"/>
           </p:cNvSpPr>
@@ -4864,7 +5393,7 @@
           <a:p>
             <a:pPr lvl="0"/>
             <a:r>
-              <a:rPr lang="zh-CN" altLang="en-US" smtClean="0"/>
+              <a:rPr lang="zh-CN" altLang="en-US"/>
               <a:t>单击此处编辑母版文本样式</a:t>
             </a:r>
           </a:p>
@@ -4872,7 +5401,7 @@
       </p:sp>
       <p:sp>
         <p:nvSpPr>
-          <p:cNvPr id="4" name="Date Placeholder 3"/>
+          <p:cNvPr id="1048688" name="Date Placeholder 3"/>
           <p:cNvSpPr>
             <a:spLocks noGrp="1"/>
           </p:cNvSpPr>
@@ -4887,7 +5416,7 @@
           <a:p>
             <a:fld id="{4509A250-FF31-4206-8172-F9D3106AACB1}" type="datetimeFigureOut">
               <a:rPr lang="en-US" dirty="0"/>
-              <a:t>12/20/2019</a:t>
+              <a:t>12/23/2019</a:t>
             </a:fld>
             <a:endParaRPr lang="en-US" dirty="0"/>
           </a:p>
@@ -4895,7 +5424,7 @@
       </p:sp>
       <p:sp>
         <p:nvSpPr>
-          <p:cNvPr id="5" name="Footer Placeholder 4"/>
+          <p:cNvPr id="1048689" name="Footer Placeholder 4"/>
           <p:cNvSpPr>
             <a:spLocks noGrp="1"/>
           </p:cNvSpPr>
@@ -4914,7 +5443,7 @@
       </p:sp>
       <p:sp>
         <p:nvSpPr>
-          <p:cNvPr id="6" name="Slide Number Placeholder 5"/>
+          <p:cNvPr id="1048690" name="Slide Number Placeholder 5"/>
           <p:cNvSpPr>
             <a:spLocks noGrp="1"/>
           </p:cNvSpPr>
@@ -4937,14 +5466,14 @@
       </p:sp>
       <p:sp>
         <p:nvSpPr>
-          <p:cNvPr id="12" name="TextBox 11"/>
+          <p:cNvPr id="1048691" name="TextBox 11"/>
           <p:cNvSpPr txBox="1"/>
           <p:nvPr/>
         </p:nvSpPr>
         <p:spPr>
           <a:xfrm>
             <a:off x="898295" y="971253"/>
-            <a:ext cx="801912" cy="1969770"/>
+            <a:ext cx="801912" cy="1907541"/>
           </a:xfrm>
           <a:prstGeom prst="rect">
             <a:avLst/>
@@ -4984,14 +5513,14 @@
       </p:sp>
       <p:sp>
         <p:nvSpPr>
-          <p:cNvPr id="15" name="TextBox 14"/>
+          <p:cNvPr id="1048692" name="TextBox 14"/>
           <p:cNvSpPr txBox="1"/>
           <p:nvPr/>
         </p:nvSpPr>
         <p:spPr>
           <a:xfrm>
             <a:off x="9330490" y="2613787"/>
-            <a:ext cx="801912" cy="1969770"/>
+            <a:ext cx="801912" cy="1907541"/>
           </a:xfrm>
           <a:prstGeom prst="rect">
             <a:avLst/>
@@ -5059,7 +5588,7 @@
       </p:grpSpPr>
       <p:sp>
         <p:nvSpPr>
-          <p:cNvPr id="2" name="Title 1"/>
+          <p:cNvPr id="1048638" name="Title 1"/>
           <p:cNvSpPr>
             <a:spLocks noGrp="1"/>
           </p:cNvSpPr>
@@ -5082,7 +5611,7 @@
           </a:lstStyle>
           <a:p>
             <a:r>
-              <a:rPr lang="zh-CN" altLang="en-US" smtClean="0"/>
+              <a:rPr lang="zh-CN" altLang="en-US"/>
               <a:t>单击此处编辑母版标题样式</a:t>
             </a:r>
             <a:endParaRPr lang="en-US" dirty="0"/>
@@ -5091,7 +5620,7 @@
       </p:sp>
       <p:sp>
         <p:nvSpPr>
-          <p:cNvPr id="3" name="Text Placeholder 2"/>
+          <p:cNvPr id="1048639" name="Text Placeholder 2"/>
           <p:cNvSpPr>
             <a:spLocks noGrp="1"/>
           </p:cNvSpPr>
@@ -5203,7 +5732,7 @@
           <a:p>
             <a:pPr lvl="0"/>
             <a:r>
-              <a:rPr lang="zh-CN" altLang="en-US" smtClean="0"/>
+              <a:rPr lang="zh-CN" altLang="en-US"/>
               <a:t>单击此处编辑母版文本样式</a:t>
             </a:r>
           </a:p>
@@ -5211,7 +5740,7 @@
       </p:sp>
       <p:sp>
         <p:nvSpPr>
-          <p:cNvPr id="4" name="Date Placeholder 3"/>
+          <p:cNvPr id="1048640" name="Date Placeholder 3"/>
           <p:cNvSpPr>
             <a:spLocks noGrp="1"/>
           </p:cNvSpPr>
@@ -5226,7 +5755,7 @@
           <a:p>
             <a:fld id="{4509A250-FF31-4206-8172-F9D3106AACB1}" type="datetimeFigureOut">
               <a:rPr lang="en-US" dirty="0"/>
-              <a:t>12/20/2019</a:t>
+              <a:t>12/23/2019</a:t>
             </a:fld>
             <a:endParaRPr lang="en-US" dirty="0"/>
           </a:p>
@@ -5234,7 +5763,7 @@
       </p:sp>
       <p:sp>
         <p:nvSpPr>
-          <p:cNvPr id="5" name="Footer Placeholder 4"/>
+          <p:cNvPr id="1048641" name="Footer Placeholder 4"/>
           <p:cNvSpPr>
             <a:spLocks noGrp="1"/>
           </p:cNvSpPr>
@@ -5253,7 +5782,7 @@
       </p:sp>
       <p:sp>
         <p:nvSpPr>
-          <p:cNvPr id="6" name="Slide Number Placeholder 5"/>
+          <p:cNvPr id="1048642" name="Slide Number Placeholder 5"/>
           <p:cNvSpPr>
             <a:spLocks noGrp="1"/>
           </p:cNvSpPr>
@@ -5304,7 +5833,7 @@
       </p:grpSpPr>
       <p:sp>
         <p:nvSpPr>
-          <p:cNvPr id="2" name="Title 1"/>
+          <p:cNvPr id="1048705" name="Title 1"/>
           <p:cNvSpPr>
             <a:spLocks noGrp="1"/>
           </p:cNvSpPr>
@@ -5322,7 +5851,7 @@
           </a:lstStyle>
           <a:p>
             <a:r>
-              <a:rPr lang="zh-CN" altLang="en-US" smtClean="0"/>
+              <a:rPr lang="zh-CN" altLang="en-US"/>
               <a:t>单击此处编辑母版标题样式</a:t>
             </a:r>
             <a:endParaRPr lang="en-US" dirty="0"/>
@@ -5331,7 +5860,7 @@
       </p:sp>
       <p:sp>
         <p:nvSpPr>
-          <p:cNvPr id="3" name="Text Placeholder 2"/>
+          <p:cNvPr id="1048706" name="Text Placeholder 2"/>
           <p:cNvSpPr>
             <a:spLocks noGrp="1"/>
           </p:cNvSpPr>
@@ -5397,7 +5926,7 @@
           <a:p>
             <a:pPr lvl="0"/>
             <a:r>
-              <a:rPr lang="zh-CN" altLang="en-US" smtClean="0"/>
+              <a:rPr lang="zh-CN" altLang="en-US"/>
               <a:t>单击此处编辑母版文本样式</a:t>
             </a:r>
           </a:p>
@@ -5405,7 +5934,7 @@
       </p:sp>
       <p:sp>
         <p:nvSpPr>
-          <p:cNvPr id="16" name="Text Placeholder 3"/>
+          <p:cNvPr id="1048707" name="Text Placeholder 3"/>
           <p:cNvSpPr>
             <a:spLocks noGrp="1"/>
           </p:cNvSpPr>
@@ -5464,7 +5993,7 @@
           <a:p>
             <a:pPr lvl="0"/>
             <a:r>
-              <a:rPr lang="zh-CN" altLang="en-US" smtClean="0"/>
+              <a:rPr lang="zh-CN" altLang="en-US"/>
               <a:t>单击此处编辑母版文本样式</a:t>
             </a:r>
           </a:p>
@@ -5472,7 +6001,7 @@
       </p:sp>
       <p:sp>
         <p:nvSpPr>
-          <p:cNvPr id="5" name="Text Placeholder 4"/>
+          <p:cNvPr id="1048708" name="Text Placeholder 4"/>
           <p:cNvSpPr>
             <a:spLocks noGrp="1"/>
           </p:cNvSpPr>
@@ -5538,7 +6067,7 @@
           <a:p>
             <a:pPr lvl="0"/>
             <a:r>
-              <a:rPr lang="zh-CN" altLang="en-US" smtClean="0"/>
+              <a:rPr lang="zh-CN" altLang="en-US"/>
               <a:t>单击此处编辑母版文本样式</a:t>
             </a:r>
           </a:p>
@@ -5546,7 +6075,7 @@
       </p:sp>
       <p:sp>
         <p:nvSpPr>
-          <p:cNvPr id="19" name="Text Placeholder 3"/>
+          <p:cNvPr id="1048709" name="Text Placeholder 3"/>
           <p:cNvSpPr>
             <a:spLocks noGrp="1"/>
           </p:cNvSpPr>
@@ -5605,7 +6134,7 @@
           <a:p>
             <a:pPr lvl="0"/>
             <a:r>
-              <a:rPr lang="zh-CN" altLang="en-US" smtClean="0"/>
+              <a:rPr lang="zh-CN" altLang="en-US"/>
               <a:t>单击此处编辑母版文本样式</a:t>
             </a:r>
           </a:p>
@@ -5613,7 +6142,7 @@
       </p:sp>
       <p:sp>
         <p:nvSpPr>
-          <p:cNvPr id="14" name="Text Placeholder 4"/>
+          <p:cNvPr id="1048710" name="Text Placeholder 4"/>
           <p:cNvSpPr>
             <a:spLocks noGrp="1"/>
           </p:cNvSpPr>
@@ -5679,7 +6208,7 @@
           <a:p>
             <a:pPr lvl="0"/>
             <a:r>
-              <a:rPr lang="zh-CN" altLang="en-US" smtClean="0"/>
+              <a:rPr lang="zh-CN" altLang="en-US"/>
               <a:t>单击此处编辑母版文本样式</a:t>
             </a:r>
           </a:p>
@@ -5687,7 +6216,7 @@
       </p:sp>
       <p:sp>
         <p:nvSpPr>
-          <p:cNvPr id="20" name="Text Placeholder 3"/>
+          <p:cNvPr id="1048711" name="Text Placeholder 3"/>
           <p:cNvSpPr>
             <a:spLocks noGrp="1"/>
           </p:cNvSpPr>
@@ -5746,7 +6275,7 @@
           <a:p>
             <a:pPr lvl="0"/>
             <a:r>
-              <a:rPr lang="zh-CN" altLang="en-US" smtClean="0"/>
+              <a:rPr lang="zh-CN" altLang="en-US"/>
               <a:t>单击此处编辑母版文本样式</a:t>
             </a:r>
           </a:p>
@@ -5754,8 +6283,10 @@
       </p:sp>
       <p:cxnSp>
         <p:nvCxnSpPr>
-          <p:cNvPr id="17" name="Straight Connector 16"/>
-          <p:cNvCxnSpPr/>
+          <p:cNvPr id="3145730" name="Straight Connector 16"/>
+          <p:cNvCxnSpPr>
+            <a:cxnSpLocks/>
+          </p:cNvCxnSpPr>
           <p:nvPr/>
         </p:nvCxnSpPr>
         <p:spPr>
@@ -5793,8 +6324,10 @@
       </p:cxnSp>
       <p:cxnSp>
         <p:nvCxnSpPr>
-          <p:cNvPr id="18" name="Straight Connector 17"/>
-          <p:cNvCxnSpPr/>
+          <p:cNvPr id="3145731" name="Straight Connector 17"/>
+          <p:cNvCxnSpPr>
+            <a:cxnSpLocks/>
+          </p:cNvCxnSpPr>
           <p:nvPr/>
         </p:nvCxnSpPr>
         <p:spPr>
@@ -5832,7 +6365,7 @@
       </p:cxnSp>
       <p:sp>
         <p:nvSpPr>
-          <p:cNvPr id="7" name="Date Placeholder 3"/>
+          <p:cNvPr id="1048712" name="Date Placeholder 3"/>
           <p:cNvSpPr>
             <a:spLocks noGrp="1"/>
           </p:cNvSpPr>
@@ -5847,7 +6380,7 @@
           <a:p>
             <a:fld id="{4509A250-FF31-4206-8172-F9D3106AACB1}" type="datetimeFigureOut">
               <a:rPr lang="en-US" dirty="0"/>
-              <a:t>12/20/2019</a:t>
+              <a:t>12/23/2019</a:t>
             </a:fld>
             <a:endParaRPr lang="en-US" dirty="0"/>
           </a:p>
@@ -5855,7 +6388,7 @@
       </p:sp>
       <p:sp>
         <p:nvSpPr>
-          <p:cNvPr id="4" name="Footer Placeholder 4"/>
+          <p:cNvPr id="1048713" name="Footer Placeholder 4"/>
           <p:cNvSpPr>
             <a:spLocks noGrp="1"/>
           </p:cNvSpPr>
@@ -5874,7 +6407,7 @@
       </p:sp>
       <p:sp>
         <p:nvSpPr>
-          <p:cNvPr id="6" name="Slide Number Placeholder 5"/>
+          <p:cNvPr id="1048714" name="Slide Number Placeholder 5"/>
           <p:cNvSpPr>
             <a:spLocks noGrp="1"/>
           </p:cNvSpPr>
@@ -5925,7 +6458,7 @@
       </p:grpSpPr>
       <p:sp>
         <p:nvSpPr>
-          <p:cNvPr id="2" name="Title 1"/>
+          <p:cNvPr id="1048654" name="Title 1"/>
           <p:cNvSpPr>
             <a:spLocks noGrp="1"/>
           </p:cNvSpPr>
@@ -5943,7 +6476,7 @@
           </a:lstStyle>
           <a:p>
             <a:r>
-              <a:rPr lang="zh-CN" altLang="en-US" smtClean="0"/>
+              <a:rPr lang="zh-CN" altLang="en-US"/>
               <a:t>单击此处编辑母版标题样式</a:t>
             </a:r>
             <a:endParaRPr lang="en-US" dirty="0"/>
@@ -5952,7 +6485,7 @@
       </p:sp>
       <p:sp>
         <p:nvSpPr>
-          <p:cNvPr id="3" name="Text Placeholder 2"/>
+          <p:cNvPr id="1048655" name="Text Placeholder 2"/>
           <p:cNvSpPr>
             <a:spLocks noGrp="1"/>
           </p:cNvSpPr>
@@ -6018,7 +6551,7 @@
           <a:p>
             <a:pPr lvl="0"/>
             <a:r>
-              <a:rPr lang="zh-CN" altLang="en-US" smtClean="0"/>
+              <a:rPr lang="zh-CN" altLang="en-US"/>
               <a:t>单击此处编辑母版文本样式</a:t>
             </a:r>
           </a:p>
@@ -6026,7 +6559,7 @@
       </p:sp>
       <p:sp>
         <p:nvSpPr>
-          <p:cNvPr id="29" name="Picture Placeholder 2"/>
+          <p:cNvPr id="1048656" name="Picture Placeholder 2"/>
           <p:cNvSpPr>
             <a:spLocks noGrp="1" noChangeAspect="1"/>
           </p:cNvSpPr>
@@ -6096,7 +6629,7 @@
           </a:lstStyle>
           <a:p>
             <a:r>
-              <a:rPr lang="zh-CN" altLang="en-US" smtClean="0"/>
+              <a:rPr lang="zh-CN" altLang="en-US"/>
               <a:t>单击图标添加图片</a:t>
             </a:r>
             <a:endParaRPr lang="en-US" dirty="0"/>
@@ -6105,7 +6638,7 @@
       </p:sp>
       <p:sp>
         <p:nvSpPr>
-          <p:cNvPr id="22" name="Text Placeholder 3"/>
+          <p:cNvPr id="1048657" name="Text Placeholder 3"/>
           <p:cNvSpPr>
             <a:spLocks noGrp="1"/>
           </p:cNvSpPr>
@@ -6164,7 +6697,7 @@
           <a:p>
             <a:pPr lvl="0"/>
             <a:r>
-              <a:rPr lang="zh-CN" altLang="en-US" smtClean="0"/>
+              <a:rPr lang="zh-CN" altLang="en-US"/>
               <a:t>单击此处编辑母版文本样式</a:t>
             </a:r>
           </a:p>
@@ -6172,7 +6705,7 @@
       </p:sp>
       <p:sp>
         <p:nvSpPr>
-          <p:cNvPr id="5" name="Text Placeholder 4"/>
+          <p:cNvPr id="1048658" name="Text Placeholder 4"/>
           <p:cNvSpPr>
             <a:spLocks noGrp="1"/>
           </p:cNvSpPr>
@@ -6238,7 +6771,7 @@
           <a:p>
             <a:pPr lvl="0"/>
             <a:r>
-              <a:rPr lang="zh-CN" altLang="en-US" smtClean="0"/>
+              <a:rPr lang="zh-CN" altLang="en-US"/>
               <a:t>单击此处编辑母版文本样式</a:t>
             </a:r>
           </a:p>
@@ -6246,7 +6779,7 @@
       </p:sp>
       <p:sp>
         <p:nvSpPr>
-          <p:cNvPr id="30" name="Picture Placeholder 2"/>
+          <p:cNvPr id="1048659" name="Picture Placeholder 2"/>
           <p:cNvSpPr>
             <a:spLocks noGrp="1" noChangeAspect="1"/>
           </p:cNvSpPr>
@@ -6316,7 +6849,7 @@
           </a:lstStyle>
           <a:p>
             <a:r>
-              <a:rPr lang="zh-CN" altLang="en-US" smtClean="0"/>
+              <a:rPr lang="zh-CN" altLang="en-US"/>
               <a:t>单击图标添加图片</a:t>
             </a:r>
             <a:endParaRPr lang="en-US" dirty="0"/>
@@ -6325,7 +6858,7 @@
       </p:sp>
       <p:sp>
         <p:nvSpPr>
-          <p:cNvPr id="23" name="Text Placeholder 3"/>
+          <p:cNvPr id="1048660" name="Text Placeholder 3"/>
           <p:cNvSpPr>
             <a:spLocks noGrp="1"/>
           </p:cNvSpPr>
@@ -6384,7 +6917,7 @@
           <a:p>
             <a:pPr lvl="0"/>
             <a:r>
-              <a:rPr lang="zh-CN" altLang="en-US" smtClean="0"/>
+              <a:rPr lang="zh-CN" altLang="en-US"/>
               <a:t>单击此处编辑母版文本样式</a:t>
             </a:r>
           </a:p>
@@ -6392,7 +6925,7 @@
       </p:sp>
       <p:sp>
         <p:nvSpPr>
-          <p:cNvPr id="14" name="Text Placeholder 4"/>
+          <p:cNvPr id="1048661" name="Text Placeholder 4"/>
           <p:cNvSpPr>
             <a:spLocks noGrp="1"/>
           </p:cNvSpPr>
@@ -6458,7 +6991,7 @@
           <a:p>
             <a:pPr lvl="0"/>
             <a:r>
-              <a:rPr lang="zh-CN" altLang="en-US" smtClean="0"/>
+              <a:rPr lang="zh-CN" altLang="en-US"/>
               <a:t>单击此处编辑母版文本样式</a:t>
             </a:r>
           </a:p>
@@ -6466,7 +6999,7 @@
       </p:sp>
       <p:sp>
         <p:nvSpPr>
-          <p:cNvPr id="31" name="Picture Placeholder 2"/>
+          <p:cNvPr id="1048662" name="Picture Placeholder 2"/>
           <p:cNvSpPr>
             <a:spLocks noGrp="1" noChangeAspect="1"/>
           </p:cNvSpPr>
@@ -6536,7 +7069,7 @@
           </a:lstStyle>
           <a:p>
             <a:r>
-              <a:rPr lang="zh-CN" altLang="en-US" smtClean="0"/>
+              <a:rPr lang="zh-CN" altLang="en-US"/>
               <a:t>单击图标添加图片</a:t>
             </a:r>
             <a:endParaRPr lang="en-US" dirty="0"/>
@@ -6545,7 +7078,7 @@
       </p:sp>
       <p:sp>
         <p:nvSpPr>
-          <p:cNvPr id="24" name="Text Placeholder 3"/>
+          <p:cNvPr id="1048663" name="Text Placeholder 3"/>
           <p:cNvSpPr>
             <a:spLocks noGrp="1"/>
           </p:cNvSpPr>
@@ -6604,7 +7137,7 @@
           <a:p>
             <a:pPr lvl="0"/>
             <a:r>
-              <a:rPr lang="zh-CN" altLang="en-US" smtClean="0"/>
+              <a:rPr lang="zh-CN" altLang="en-US"/>
               <a:t>单击此处编辑母版文本样式</a:t>
             </a:r>
           </a:p>
@@ -6612,8 +7145,10 @@
       </p:sp>
       <p:cxnSp>
         <p:nvCxnSpPr>
-          <p:cNvPr id="19" name="Straight Connector 18"/>
-          <p:cNvCxnSpPr/>
+          <p:cNvPr id="3145728" name="Straight Connector 18"/>
+          <p:cNvCxnSpPr>
+            <a:cxnSpLocks/>
+          </p:cNvCxnSpPr>
           <p:nvPr/>
         </p:nvCxnSpPr>
         <p:spPr>
@@ -6651,8 +7186,10 @@
       </p:cxnSp>
       <p:cxnSp>
         <p:nvCxnSpPr>
-          <p:cNvPr id="20" name="Straight Connector 19"/>
-          <p:cNvCxnSpPr/>
+          <p:cNvPr id="3145729" name="Straight Connector 19"/>
+          <p:cNvCxnSpPr>
+            <a:cxnSpLocks/>
+          </p:cNvCxnSpPr>
           <p:nvPr/>
         </p:nvCxnSpPr>
         <p:spPr>
@@ -6690,7 +7227,7 @@
       </p:cxnSp>
       <p:sp>
         <p:nvSpPr>
-          <p:cNvPr id="7" name="Date Placeholder 3"/>
+          <p:cNvPr id="1048664" name="Date Placeholder 3"/>
           <p:cNvSpPr>
             <a:spLocks noGrp="1"/>
           </p:cNvSpPr>
@@ -6705,7 +7242,7 @@
           <a:p>
             <a:fld id="{4509A250-FF31-4206-8172-F9D3106AACB1}" type="datetimeFigureOut">
               <a:rPr lang="en-US" dirty="0"/>
-              <a:t>12/20/2019</a:t>
+              <a:t>12/23/2019</a:t>
             </a:fld>
             <a:endParaRPr lang="en-US" dirty="0"/>
           </a:p>
@@ -6713,7 +7250,7 @@
       </p:sp>
       <p:sp>
         <p:nvSpPr>
-          <p:cNvPr id="4" name="Footer Placeholder 4"/>
+          <p:cNvPr id="1048665" name="Footer Placeholder 4"/>
           <p:cNvSpPr>
             <a:spLocks noGrp="1"/>
           </p:cNvSpPr>
@@ -6732,7 +7269,7 @@
       </p:sp>
       <p:sp>
         <p:nvSpPr>
-          <p:cNvPr id="6" name="Slide Number Placeholder 5"/>
+          <p:cNvPr id="1048666" name="Slide Number Placeholder 5"/>
           <p:cNvSpPr>
             <a:spLocks noGrp="1"/>
           </p:cNvSpPr>
@@ -6783,7 +7320,7 @@
       </p:grpSpPr>
       <p:sp>
         <p:nvSpPr>
-          <p:cNvPr id="2" name="Title 1"/>
+          <p:cNvPr id="1048721" name="Title 1"/>
           <p:cNvSpPr>
             <a:spLocks noGrp="1"/>
           </p:cNvSpPr>
@@ -6797,7 +7334,7 @@
           <a:lstStyle/>
           <a:p>
             <a:r>
-              <a:rPr lang="zh-CN" altLang="en-US" smtClean="0"/>
+              <a:rPr lang="zh-CN" altLang="en-US"/>
               <a:t>单击此处编辑母版标题样式</a:t>
             </a:r>
             <a:endParaRPr lang="en-US" dirty="0"/>
@@ -6806,7 +7343,7 @@
       </p:sp>
       <p:sp>
         <p:nvSpPr>
-          <p:cNvPr id="3" name="Vertical Text Placeholder 2"/>
+          <p:cNvPr id="1048722" name="Vertical Text Placeholder 2"/>
           <p:cNvSpPr>
             <a:spLocks noGrp="1"/>
           </p:cNvSpPr>
@@ -6821,35 +7358,35 @@
           <a:p>
             <a:pPr lvl="0"/>
             <a:r>
-              <a:rPr lang="zh-CN" altLang="en-US" smtClean="0"/>
+              <a:rPr lang="zh-CN" altLang="en-US"/>
               <a:t>单击此处编辑母版文本样式</a:t>
             </a:r>
           </a:p>
           <a:p>
             <a:pPr lvl="1"/>
             <a:r>
-              <a:rPr lang="zh-CN" altLang="en-US" smtClean="0"/>
+              <a:rPr lang="zh-CN" altLang="en-US"/>
               <a:t>第二级</a:t>
             </a:r>
           </a:p>
           <a:p>
             <a:pPr lvl="2"/>
             <a:r>
-              <a:rPr lang="zh-CN" altLang="en-US" smtClean="0"/>
+              <a:rPr lang="zh-CN" altLang="en-US"/>
               <a:t>第三级</a:t>
             </a:r>
           </a:p>
           <a:p>
             <a:pPr lvl="3"/>
             <a:r>
-              <a:rPr lang="zh-CN" altLang="en-US" smtClean="0"/>
+              <a:rPr lang="zh-CN" altLang="en-US"/>
               <a:t>第四级</a:t>
             </a:r>
           </a:p>
           <a:p>
             <a:pPr lvl="4"/>
             <a:r>
-              <a:rPr lang="zh-CN" altLang="en-US" smtClean="0"/>
+              <a:rPr lang="zh-CN" altLang="en-US"/>
               <a:t>第五级</a:t>
             </a:r>
             <a:endParaRPr lang="en-US" dirty="0"/>
@@ -6858,7 +7395,7 @@
       </p:sp>
       <p:sp>
         <p:nvSpPr>
-          <p:cNvPr id="4" name="Date Placeholder 3"/>
+          <p:cNvPr id="1048723" name="Date Placeholder 3"/>
           <p:cNvSpPr>
             <a:spLocks noGrp="1"/>
           </p:cNvSpPr>
@@ -6873,7 +7410,7 @@
           <a:p>
             <a:fld id="{4509A250-FF31-4206-8172-F9D3106AACB1}" type="datetimeFigureOut">
               <a:rPr lang="en-US" dirty="0"/>
-              <a:t>12/20/2019</a:t>
+              <a:t>12/23/2019</a:t>
             </a:fld>
             <a:endParaRPr lang="en-US" dirty="0"/>
           </a:p>
@@ -6881,7 +7418,7 @@
       </p:sp>
       <p:sp>
         <p:nvSpPr>
-          <p:cNvPr id="5" name="Footer Placeholder 4"/>
+          <p:cNvPr id="1048724" name="Footer Placeholder 4"/>
           <p:cNvSpPr>
             <a:spLocks noGrp="1"/>
           </p:cNvSpPr>
@@ -6900,7 +7437,7 @@
       </p:sp>
       <p:sp>
         <p:nvSpPr>
-          <p:cNvPr id="6" name="Slide Number Placeholder 5"/>
+          <p:cNvPr id="1048725" name="Slide Number Placeholder 5"/>
           <p:cNvSpPr>
             <a:spLocks noGrp="1"/>
           </p:cNvSpPr>
@@ -6934,7 +7471,7 @@
 
 <file path=ppt/slideLayouts/slideLayout17.xml><?xml version="1.0" encoding="utf-8"?>
 <p:sldLayout xmlns:a="http://schemas.openxmlformats.org/drawingml/2006/main" xmlns:r="http://schemas.openxmlformats.org/officeDocument/2006/relationships" xmlns:p="http://schemas.openxmlformats.org/presentationml/2006/main" type="vertTitleAndTx" preserve="1">
-  <p:cSld name="垂直排列标题与&#10;文本">
+  <p:cSld name="垂直排列标题与 文本">
     <p:spTree>
       <p:nvGrpSpPr>
         <p:cNvPr id="1" name=""/>
@@ -6951,7 +7488,7 @@
       </p:grpSpPr>
       <p:sp>
         <p:nvSpPr>
-          <p:cNvPr id="2" name="Vertical Title 1"/>
+          <p:cNvPr id="1048680" name="Vertical Title 1"/>
           <p:cNvSpPr>
             <a:spLocks noGrp="1"/>
           </p:cNvSpPr>
@@ -6970,7 +7507,7 @@
           <a:lstStyle/>
           <a:p>
             <a:r>
-              <a:rPr lang="zh-CN" altLang="en-US" smtClean="0"/>
+              <a:rPr lang="zh-CN" altLang="en-US"/>
               <a:t>单击此处编辑母版标题样式</a:t>
             </a:r>
             <a:endParaRPr lang="en-US" dirty="0"/>
@@ -6979,7 +7516,7 @@
       </p:sp>
       <p:sp>
         <p:nvSpPr>
-          <p:cNvPr id="3" name="Vertical Text Placeholder 2"/>
+          <p:cNvPr id="1048681" name="Vertical Text Placeholder 2"/>
           <p:cNvSpPr>
             <a:spLocks noGrp="1"/>
           </p:cNvSpPr>
@@ -6999,35 +7536,35 @@
           <a:p>
             <a:pPr lvl="0"/>
             <a:r>
-              <a:rPr lang="zh-CN" altLang="en-US" smtClean="0"/>
+              <a:rPr lang="zh-CN" altLang="en-US"/>
               <a:t>单击此处编辑母版文本样式</a:t>
             </a:r>
           </a:p>
           <a:p>
             <a:pPr lvl="1"/>
             <a:r>
-              <a:rPr lang="zh-CN" altLang="en-US" smtClean="0"/>
+              <a:rPr lang="zh-CN" altLang="en-US"/>
               <a:t>第二级</a:t>
             </a:r>
           </a:p>
           <a:p>
             <a:pPr lvl="2"/>
             <a:r>
-              <a:rPr lang="zh-CN" altLang="en-US" smtClean="0"/>
+              <a:rPr lang="zh-CN" altLang="en-US"/>
               <a:t>第三级</a:t>
             </a:r>
           </a:p>
           <a:p>
             <a:pPr lvl="3"/>
             <a:r>
-              <a:rPr lang="zh-CN" altLang="en-US" smtClean="0"/>
+              <a:rPr lang="zh-CN" altLang="en-US"/>
               <a:t>第四级</a:t>
             </a:r>
           </a:p>
           <a:p>
             <a:pPr lvl="4"/>
             <a:r>
-              <a:rPr lang="zh-CN" altLang="en-US" smtClean="0"/>
+              <a:rPr lang="zh-CN" altLang="en-US"/>
               <a:t>第五级</a:t>
             </a:r>
             <a:endParaRPr lang="en-US" dirty="0"/>
@@ -7036,7 +7573,7 @@
       </p:sp>
       <p:sp>
         <p:nvSpPr>
-          <p:cNvPr id="4" name="Date Placeholder 3"/>
+          <p:cNvPr id="1048682" name="Date Placeholder 3"/>
           <p:cNvSpPr>
             <a:spLocks noGrp="1"/>
           </p:cNvSpPr>
@@ -7051,7 +7588,7 @@
           <a:p>
             <a:fld id="{4509A250-FF31-4206-8172-F9D3106AACB1}" type="datetimeFigureOut">
               <a:rPr lang="en-US" dirty="0"/>
-              <a:t>12/20/2019</a:t>
+              <a:t>12/23/2019</a:t>
             </a:fld>
             <a:endParaRPr lang="en-US" dirty="0"/>
           </a:p>
@@ -7059,7 +7596,7 @@
       </p:sp>
       <p:sp>
         <p:nvSpPr>
-          <p:cNvPr id="5" name="Footer Placeholder 4"/>
+          <p:cNvPr id="1048683" name="Footer Placeholder 4"/>
           <p:cNvSpPr>
             <a:spLocks noGrp="1"/>
           </p:cNvSpPr>
@@ -7078,7 +7615,7 @@
       </p:sp>
       <p:sp>
         <p:nvSpPr>
-          <p:cNvPr id="6" name="Slide Number Placeholder 5"/>
+          <p:cNvPr id="1048684" name="Slide Number Placeholder 5"/>
           <p:cNvSpPr>
             <a:spLocks noGrp="1"/>
           </p:cNvSpPr>
@@ -7129,7 +7666,7 @@
       </p:grpSpPr>
       <p:sp>
         <p:nvSpPr>
-          <p:cNvPr id="2" name="Title 1"/>
+          <p:cNvPr id="1048583" name="Title 1"/>
           <p:cNvSpPr>
             <a:spLocks noGrp="1"/>
           </p:cNvSpPr>
@@ -7143,7 +7680,7 @@
           <a:lstStyle/>
           <a:p>
             <a:r>
-              <a:rPr lang="zh-CN" altLang="en-US" smtClean="0"/>
+              <a:rPr lang="zh-CN" altLang="en-US"/>
               <a:t>单击此处编辑母版标题样式</a:t>
             </a:r>
             <a:endParaRPr lang="en-US" dirty="0"/>
@@ -7152,7 +7689,7 @@
       </p:sp>
       <p:sp>
         <p:nvSpPr>
-          <p:cNvPr id="3" name="Content Placeholder 2"/>
+          <p:cNvPr id="1048584" name="Content Placeholder 2"/>
           <p:cNvSpPr>
             <a:spLocks noGrp="1"/>
           </p:cNvSpPr>
@@ -7167,35 +7704,35 @@
           <a:p>
             <a:pPr lvl="0"/>
             <a:r>
-              <a:rPr lang="zh-CN" altLang="en-US" smtClean="0"/>
+              <a:rPr lang="zh-CN" altLang="en-US"/>
               <a:t>单击此处编辑母版文本样式</a:t>
             </a:r>
           </a:p>
           <a:p>
             <a:pPr lvl="1"/>
             <a:r>
-              <a:rPr lang="zh-CN" altLang="en-US" smtClean="0"/>
+              <a:rPr lang="zh-CN" altLang="en-US"/>
               <a:t>第二级</a:t>
             </a:r>
           </a:p>
           <a:p>
             <a:pPr lvl="2"/>
             <a:r>
-              <a:rPr lang="zh-CN" altLang="en-US" smtClean="0"/>
+              <a:rPr lang="zh-CN" altLang="en-US"/>
               <a:t>第三级</a:t>
             </a:r>
           </a:p>
           <a:p>
             <a:pPr lvl="3"/>
             <a:r>
-              <a:rPr lang="zh-CN" altLang="en-US" smtClean="0"/>
+              <a:rPr lang="zh-CN" altLang="en-US"/>
               <a:t>第四级</a:t>
             </a:r>
           </a:p>
           <a:p>
             <a:pPr lvl="4"/>
             <a:r>
-              <a:rPr lang="zh-CN" altLang="en-US" smtClean="0"/>
+              <a:rPr lang="zh-CN" altLang="en-US"/>
               <a:t>第五级</a:t>
             </a:r>
             <a:endParaRPr lang="en-US" dirty="0"/>
@@ -7204,7 +7741,7 @@
       </p:sp>
       <p:sp>
         <p:nvSpPr>
-          <p:cNvPr id="7" name="Date Placeholder 3"/>
+          <p:cNvPr id="1048585" name="Date Placeholder 3"/>
           <p:cNvSpPr>
             <a:spLocks noGrp="1"/>
           </p:cNvSpPr>
@@ -7219,7 +7756,7 @@
           <a:p>
             <a:fld id="{4509A250-FF31-4206-8172-F9D3106AACB1}" type="datetimeFigureOut">
               <a:rPr lang="en-US" dirty="0"/>
-              <a:t>12/20/2019</a:t>
+              <a:t>12/23/2019</a:t>
             </a:fld>
             <a:endParaRPr lang="en-US" dirty="0"/>
           </a:p>
@@ -7227,7 +7764,7 @@
       </p:sp>
       <p:sp>
         <p:nvSpPr>
-          <p:cNvPr id="5" name="Footer Placeholder 4"/>
+          <p:cNvPr id="1048586" name="Footer Placeholder 4"/>
           <p:cNvSpPr>
             <a:spLocks noGrp="1"/>
           </p:cNvSpPr>
@@ -7246,7 +7783,7 @@
       </p:sp>
       <p:sp>
         <p:nvSpPr>
-          <p:cNvPr id="6" name="Slide Number Placeholder 5"/>
+          <p:cNvPr id="1048587" name="Slide Number Placeholder 5"/>
           <p:cNvSpPr>
             <a:spLocks noGrp="1"/>
           </p:cNvSpPr>
@@ -7297,7 +7834,7 @@
       </p:grpSpPr>
       <p:sp>
         <p:nvSpPr>
-          <p:cNvPr id="2" name="Title 1"/>
+          <p:cNvPr id="1048667" name="Title 1"/>
           <p:cNvSpPr>
             <a:spLocks noGrp="1"/>
           </p:cNvSpPr>
@@ -7320,7 +7857,7 @@
           </a:lstStyle>
           <a:p>
             <a:r>
-              <a:rPr lang="zh-CN" altLang="en-US" smtClean="0"/>
+              <a:rPr lang="zh-CN" altLang="en-US"/>
               <a:t>单击此处编辑母版标题样式</a:t>
             </a:r>
             <a:endParaRPr lang="en-US" dirty="0"/>
@@ -7329,7 +7866,7 @@
       </p:sp>
       <p:sp>
         <p:nvSpPr>
-          <p:cNvPr id="3" name="Text Placeholder 2"/>
+          <p:cNvPr id="1048668" name="Text Placeholder 2"/>
           <p:cNvSpPr>
             <a:spLocks noGrp="1"/>
           </p:cNvSpPr>
@@ -7441,7 +7978,7 @@
           <a:p>
             <a:pPr lvl="0"/>
             <a:r>
-              <a:rPr lang="zh-CN" altLang="en-US" smtClean="0"/>
+              <a:rPr lang="zh-CN" altLang="en-US"/>
               <a:t>单击此处编辑母版文本样式</a:t>
             </a:r>
           </a:p>
@@ -7449,7 +7986,7 @@
       </p:sp>
       <p:sp>
         <p:nvSpPr>
-          <p:cNvPr id="4" name="Date Placeholder 3"/>
+          <p:cNvPr id="1048669" name="Date Placeholder 3"/>
           <p:cNvSpPr>
             <a:spLocks noGrp="1"/>
           </p:cNvSpPr>
@@ -7464,7 +8001,7 @@
           <a:p>
             <a:fld id="{9796027F-7875-4030-9381-8BD8C4F21935}" type="datetimeFigureOut">
               <a:rPr lang="en-US" dirty="0"/>
-              <a:t>12/20/2019</a:t>
+              <a:t>12/23/2019</a:t>
             </a:fld>
             <a:endParaRPr lang="en-US" dirty="0"/>
           </a:p>
@@ -7472,7 +8009,7 @@
       </p:sp>
       <p:sp>
         <p:nvSpPr>
-          <p:cNvPr id="5" name="Footer Placeholder 4"/>
+          <p:cNvPr id="1048670" name="Footer Placeholder 4"/>
           <p:cNvSpPr>
             <a:spLocks noGrp="1"/>
           </p:cNvSpPr>
@@ -7491,7 +8028,7 @@
       </p:sp>
       <p:sp>
         <p:nvSpPr>
-          <p:cNvPr id="6" name="Slide Number Placeholder 5"/>
+          <p:cNvPr id="1048671" name="Slide Number Placeholder 5"/>
           <p:cNvSpPr>
             <a:spLocks noGrp="1"/>
           </p:cNvSpPr>
@@ -7542,7 +8079,7 @@
       </p:grpSpPr>
       <p:sp>
         <p:nvSpPr>
-          <p:cNvPr id="2" name="Title 1"/>
+          <p:cNvPr id="1048699" name="Title 1"/>
           <p:cNvSpPr>
             <a:spLocks noGrp="1"/>
           </p:cNvSpPr>
@@ -7556,7 +8093,7 @@
           <a:lstStyle/>
           <a:p>
             <a:r>
-              <a:rPr lang="zh-CN" altLang="en-US" smtClean="0"/>
+              <a:rPr lang="zh-CN" altLang="en-US"/>
               <a:t>单击此处编辑母版标题样式</a:t>
             </a:r>
             <a:endParaRPr lang="en-US" dirty="0"/>
@@ -7565,7 +8102,7 @@
       </p:sp>
       <p:sp>
         <p:nvSpPr>
-          <p:cNvPr id="3" name="Content Placeholder 2"/>
+          <p:cNvPr id="1048700" name="Content Placeholder 2"/>
           <p:cNvSpPr>
             <a:spLocks noGrp="1"/>
           </p:cNvSpPr>
@@ -7615,35 +8152,35 @@
           <a:p>
             <a:pPr lvl="0"/>
             <a:r>
-              <a:rPr lang="zh-CN" altLang="en-US" smtClean="0"/>
+              <a:rPr lang="zh-CN" altLang="en-US"/>
               <a:t>单击此处编辑母版文本样式</a:t>
             </a:r>
           </a:p>
           <a:p>
             <a:pPr lvl="1"/>
             <a:r>
-              <a:rPr lang="zh-CN" altLang="en-US" smtClean="0"/>
+              <a:rPr lang="zh-CN" altLang="en-US"/>
               <a:t>第二级</a:t>
             </a:r>
           </a:p>
           <a:p>
             <a:pPr lvl="2"/>
             <a:r>
-              <a:rPr lang="zh-CN" altLang="en-US" smtClean="0"/>
+              <a:rPr lang="zh-CN" altLang="en-US"/>
               <a:t>第三级</a:t>
             </a:r>
           </a:p>
           <a:p>
             <a:pPr lvl="3"/>
             <a:r>
-              <a:rPr lang="zh-CN" altLang="en-US" smtClean="0"/>
+              <a:rPr lang="zh-CN" altLang="en-US"/>
               <a:t>第四级</a:t>
             </a:r>
           </a:p>
           <a:p>
             <a:pPr lvl="4"/>
             <a:r>
-              <a:rPr lang="zh-CN" altLang="en-US" smtClean="0"/>
+              <a:rPr lang="zh-CN" altLang="en-US"/>
               <a:t>第五级</a:t>
             </a:r>
             <a:endParaRPr lang="en-US" dirty="0"/>
@@ -7652,7 +8189,7 @@
       </p:sp>
       <p:sp>
         <p:nvSpPr>
-          <p:cNvPr id="4" name="Content Placeholder 3"/>
+          <p:cNvPr id="1048701" name="Content Placeholder 3"/>
           <p:cNvSpPr>
             <a:spLocks noGrp="1"/>
           </p:cNvSpPr>
@@ -7702,35 +8239,35 @@
           <a:p>
             <a:pPr lvl="0"/>
             <a:r>
-              <a:rPr lang="zh-CN" altLang="en-US" smtClean="0"/>
+              <a:rPr lang="zh-CN" altLang="en-US"/>
               <a:t>单击此处编辑母版文本样式</a:t>
             </a:r>
           </a:p>
           <a:p>
             <a:pPr lvl="1"/>
             <a:r>
-              <a:rPr lang="zh-CN" altLang="en-US" smtClean="0"/>
+              <a:rPr lang="zh-CN" altLang="en-US"/>
               <a:t>第二级</a:t>
             </a:r>
           </a:p>
           <a:p>
             <a:pPr lvl="2"/>
             <a:r>
-              <a:rPr lang="zh-CN" altLang="en-US" smtClean="0"/>
+              <a:rPr lang="zh-CN" altLang="en-US"/>
               <a:t>第三级</a:t>
             </a:r>
           </a:p>
           <a:p>
             <a:pPr lvl="3"/>
             <a:r>
-              <a:rPr lang="zh-CN" altLang="en-US" smtClean="0"/>
+              <a:rPr lang="zh-CN" altLang="en-US"/>
               <a:t>第四级</a:t>
             </a:r>
           </a:p>
           <a:p>
             <a:pPr lvl="4"/>
             <a:r>
-              <a:rPr lang="zh-CN" altLang="en-US" smtClean="0"/>
+              <a:rPr lang="zh-CN" altLang="en-US"/>
               <a:t>第五级</a:t>
             </a:r>
             <a:endParaRPr lang="en-US" dirty="0"/>
@@ -7739,7 +8276,7 @@
       </p:sp>
       <p:sp>
         <p:nvSpPr>
-          <p:cNvPr id="5" name="Date Placeholder 4"/>
+          <p:cNvPr id="1048702" name="Date Placeholder 4"/>
           <p:cNvSpPr>
             <a:spLocks noGrp="1"/>
           </p:cNvSpPr>
@@ -7754,7 +8291,7 @@
           <a:p>
             <a:fld id="{9796027F-7875-4030-9381-8BD8C4F21935}" type="datetimeFigureOut">
               <a:rPr lang="en-US" dirty="0"/>
-              <a:t>12/20/2019</a:t>
+              <a:t>12/23/2019</a:t>
             </a:fld>
             <a:endParaRPr lang="en-US" dirty="0"/>
           </a:p>
@@ -7762,7 +8299,7 @@
       </p:sp>
       <p:sp>
         <p:nvSpPr>
-          <p:cNvPr id="6" name="Footer Placeholder 5"/>
+          <p:cNvPr id="1048703" name="Footer Placeholder 5"/>
           <p:cNvSpPr>
             <a:spLocks noGrp="1"/>
           </p:cNvSpPr>
@@ -7781,7 +8318,7 @@
       </p:sp>
       <p:sp>
         <p:nvSpPr>
-          <p:cNvPr id="7" name="Slide Number Placeholder 6"/>
+          <p:cNvPr id="1048704" name="Slide Number Placeholder 6"/>
           <p:cNvSpPr>
             <a:spLocks noGrp="1"/>
           </p:cNvSpPr>
@@ -7832,7 +8369,7 @@
       </p:grpSpPr>
       <p:sp>
         <p:nvSpPr>
-          <p:cNvPr id="2" name="Title 1"/>
+          <p:cNvPr id="1048672" name="Title 1"/>
           <p:cNvSpPr>
             <a:spLocks noGrp="1"/>
           </p:cNvSpPr>
@@ -7843,14 +8380,10 @@
         <p:spPr/>
         <p:txBody>
           <a:bodyPr/>
-          <a:lstStyle>
-            <a:lvl1pPr>
-              <a:defRPr/>
-            </a:lvl1pPr>
-          </a:lstStyle>
-          <a:p>
-            <a:r>
-              <a:rPr lang="zh-CN" altLang="en-US" smtClean="0"/>
+          <a:lstStyle/>
+          <a:p>
+            <a:r>
+              <a:rPr lang="zh-CN" altLang="en-US"/>
               <a:t>单击此处编辑母版标题样式</a:t>
             </a:r>
             <a:endParaRPr lang="en-US" dirty="0"/>
@@ -7859,7 +8392,7 @@
       </p:sp>
       <p:sp>
         <p:nvSpPr>
-          <p:cNvPr id="3" name="Text Placeholder 2"/>
+          <p:cNvPr id="1048673" name="Text Placeholder 2"/>
           <p:cNvSpPr>
             <a:spLocks noGrp="1"/>
           </p:cNvSpPr>
@@ -7925,7 +8458,7 @@
           <a:p>
             <a:pPr lvl="0"/>
             <a:r>
-              <a:rPr lang="zh-CN" altLang="en-US" smtClean="0"/>
+              <a:rPr lang="zh-CN" altLang="en-US"/>
               <a:t>单击此处编辑母版文本样式</a:t>
             </a:r>
           </a:p>
@@ -7933,7 +8466,7 @@
       </p:sp>
       <p:sp>
         <p:nvSpPr>
-          <p:cNvPr id="4" name="Content Placeholder 3"/>
+          <p:cNvPr id="1048674" name="Content Placeholder 3"/>
           <p:cNvSpPr>
             <a:spLocks noGrp="1"/>
           </p:cNvSpPr>
@@ -7983,35 +8516,35 @@
           <a:p>
             <a:pPr lvl="0"/>
             <a:r>
-              <a:rPr lang="zh-CN" altLang="en-US" smtClean="0"/>
+              <a:rPr lang="zh-CN" altLang="en-US"/>
               <a:t>单击此处编辑母版文本样式</a:t>
             </a:r>
           </a:p>
           <a:p>
             <a:pPr lvl="1"/>
             <a:r>
-              <a:rPr lang="zh-CN" altLang="en-US" smtClean="0"/>
+              <a:rPr lang="zh-CN" altLang="en-US"/>
               <a:t>第二级</a:t>
             </a:r>
           </a:p>
           <a:p>
             <a:pPr lvl="2"/>
             <a:r>
-              <a:rPr lang="zh-CN" altLang="en-US" smtClean="0"/>
+              <a:rPr lang="zh-CN" altLang="en-US"/>
               <a:t>第三级</a:t>
             </a:r>
           </a:p>
           <a:p>
             <a:pPr lvl="3"/>
             <a:r>
-              <a:rPr lang="zh-CN" altLang="en-US" smtClean="0"/>
+              <a:rPr lang="zh-CN" altLang="en-US"/>
               <a:t>第四级</a:t>
             </a:r>
           </a:p>
           <a:p>
             <a:pPr lvl="4"/>
             <a:r>
-              <a:rPr lang="zh-CN" altLang="en-US" smtClean="0"/>
+              <a:rPr lang="zh-CN" altLang="en-US"/>
               <a:t>第五级</a:t>
             </a:r>
             <a:endParaRPr lang="en-US" dirty="0"/>
@@ -8020,7 +8553,7 @@
       </p:sp>
       <p:sp>
         <p:nvSpPr>
-          <p:cNvPr id="5" name="Text Placeholder 4"/>
+          <p:cNvPr id="1048675" name="Text Placeholder 4"/>
           <p:cNvSpPr>
             <a:spLocks noGrp="1"/>
           </p:cNvSpPr>
@@ -8086,7 +8619,7 @@
           <a:p>
             <a:pPr lvl="0"/>
             <a:r>
-              <a:rPr lang="zh-CN" altLang="en-US" smtClean="0"/>
+              <a:rPr lang="zh-CN" altLang="en-US"/>
               <a:t>单击此处编辑母版文本样式</a:t>
             </a:r>
           </a:p>
@@ -8094,7 +8627,7 @@
       </p:sp>
       <p:sp>
         <p:nvSpPr>
-          <p:cNvPr id="6" name="Content Placeholder 5"/>
+          <p:cNvPr id="1048676" name="Content Placeholder 5"/>
           <p:cNvSpPr>
             <a:spLocks noGrp="1"/>
           </p:cNvSpPr>
@@ -8144,35 +8677,35 @@
           <a:p>
             <a:pPr lvl="0"/>
             <a:r>
-              <a:rPr lang="zh-CN" altLang="en-US" smtClean="0"/>
+              <a:rPr lang="zh-CN" altLang="en-US"/>
               <a:t>单击此处编辑母版文本样式</a:t>
             </a:r>
           </a:p>
           <a:p>
             <a:pPr lvl="1"/>
             <a:r>
-              <a:rPr lang="zh-CN" altLang="en-US" smtClean="0"/>
+              <a:rPr lang="zh-CN" altLang="en-US"/>
               <a:t>第二级</a:t>
             </a:r>
           </a:p>
           <a:p>
             <a:pPr lvl="2"/>
             <a:r>
-              <a:rPr lang="zh-CN" altLang="en-US" smtClean="0"/>
+              <a:rPr lang="zh-CN" altLang="en-US"/>
               <a:t>第三级</a:t>
             </a:r>
           </a:p>
           <a:p>
             <a:pPr lvl="3"/>
             <a:r>
-              <a:rPr lang="zh-CN" altLang="en-US" smtClean="0"/>
+              <a:rPr lang="zh-CN" altLang="en-US"/>
               <a:t>第四级</a:t>
             </a:r>
           </a:p>
           <a:p>
             <a:pPr lvl="4"/>
             <a:r>
-              <a:rPr lang="zh-CN" altLang="en-US" smtClean="0"/>
+              <a:rPr lang="zh-CN" altLang="en-US"/>
               <a:t>第五级</a:t>
             </a:r>
             <a:endParaRPr lang="en-US" dirty="0"/>
@@ -8181,7 +8714,7 @@
       </p:sp>
       <p:sp>
         <p:nvSpPr>
-          <p:cNvPr id="7" name="Date Placeholder 6"/>
+          <p:cNvPr id="1048677" name="Date Placeholder 6"/>
           <p:cNvSpPr>
             <a:spLocks noGrp="1"/>
           </p:cNvSpPr>
@@ -8196,7 +8729,7 @@
           <a:p>
             <a:fld id="{9796027F-7875-4030-9381-8BD8C4F21935}" type="datetimeFigureOut">
               <a:rPr lang="en-US" dirty="0"/>
-              <a:t>12/20/2019</a:t>
+              <a:t>12/23/2019</a:t>
             </a:fld>
             <a:endParaRPr lang="en-US" dirty="0"/>
           </a:p>
@@ -8204,7 +8737,7 @@
       </p:sp>
       <p:sp>
         <p:nvSpPr>
-          <p:cNvPr id="8" name="Footer Placeholder 7"/>
+          <p:cNvPr id="1048678" name="Footer Placeholder 7"/>
           <p:cNvSpPr>
             <a:spLocks noGrp="1"/>
           </p:cNvSpPr>
@@ -8223,7 +8756,7 @@
       </p:sp>
       <p:sp>
         <p:nvSpPr>
-          <p:cNvPr id="9" name="Slide Number Placeholder 8"/>
+          <p:cNvPr id="1048679" name="Slide Number Placeholder 8"/>
           <p:cNvSpPr>
             <a:spLocks noGrp="1"/>
           </p:cNvSpPr>
@@ -8274,7 +8807,7 @@
       </p:grpSpPr>
       <p:sp>
         <p:nvSpPr>
-          <p:cNvPr id="2" name="Title 1"/>
+          <p:cNvPr id="1048634" name="Title 1"/>
           <p:cNvSpPr>
             <a:spLocks noGrp="1"/>
           </p:cNvSpPr>
@@ -8288,7 +8821,7 @@
           <a:lstStyle/>
           <a:p>
             <a:r>
-              <a:rPr lang="zh-CN" altLang="en-US" smtClean="0"/>
+              <a:rPr lang="zh-CN" altLang="en-US"/>
               <a:t>单击此处编辑母版标题样式</a:t>
             </a:r>
             <a:endParaRPr lang="en-US" dirty="0"/>
@@ -8297,7 +8830,7 @@
       </p:sp>
       <p:sp>
         <p:nvSpPr>
-          <p:cNvPr id="7" name="Date Placeholder 2"/>
+          <p:cNvPr id="1048635" name="Date Placeholder 2"/>
           <p:cNvSpPr>
             <a:spLocks noGrp="1"/>
           </p:cNvSpPr>
@@ -8312,7 +8845,7 @@
           <a:p>
             <a:fld id="{4509A250-FF31-4206-8172-F9D3106AACB1}" type="datetimeFigureOut">
               <a:rPr lang="en-US" dirty="0"/>
-              <a:t>12/20/2019</a:t>
+              <a:t>12/23/2019</a:t>
             </a:fld>
             <a:endParaRPr lang="en-US" dirty="0"/>
           </a:p>
@@ -8320,7 +8853,7 @@
       </p:sp>
       <p:sp>
         <p:nvSpPr>
-          <p:cNvPr id="5" name="Footer Placeholder 3"/>
+          <p:cNvPr id="1048636" name="Footer Placeholder 3"/>
           <p:cNvSpPr>
             <a:spLocks noGrp="1"/>
           </p:cNvSpPr>
@@ -8339,7 +8872,7 @@
       </p:sp>
       <p:sp>
         <p:nvSpPr>
-          <p:cNvPr id="6" name="Slide Number Placeholder 4"/>
+          <p:cNvPr id="1048637" name="Slide Number Placeholder 4"/>
           <p:cNvSpPr>
             <a:spLocks noGrp="1"/>
           </p:cNvSpPr>
@@ -8390,7 +8923,7 @@
       </p:grpSpPr>
       <p:sp>
         <p:nvSpPr>
-          <p:cNvPr id="7" name="Date Placeholder 1"/>
+          <p:cNvPr id="1048601" name="Date Placeholder 1"/>
           <p:cNvSpPr>
             <a:spLocks noGrp="1"/>
           </p:cNvSpPr>
@@ -8405,7 +8938,7 @@
           <a:p>
             <a:fld id="{4509A250-FF31-4206-8172-F9D3106AACB1}" type="datetimeFigureOut">
               <a:rPr lang="en-US" dirty="0"/>
-              <a:t>12/20/2019</a:t>
+              <a:t>12/23/2019</a:t>
             </a:fld>
             <a:endParaRPr lang="en-US" dirty="0"/>
           </a:p>
@@ -8413,7 +8946,7 @@
       </p:sp>
       <p:sp>
         <p:nvSpPr>
-          <p:cNvPr id="5" name="Footer Placeholder 2"/>
+          <p:cNvPr id="1048602" name="Footer Placeholder 2"/>
           <p:cNvSpPr>
             <a:spLocks noGrp="1"/>
           </p:cNvSpPr>
@@ -8432,7 +8965,7 @@
       </p:sp>
       <p:sp>
         <p:nvSpPr>
-          <p:cNvPr id="6" name="Slide Number Placeholder 3"/>
+          <p:cNvPr id="1048603" name="Slide Number Placeholder 3"/>
           <p:cNvSpPr>
             <a:spLocks noGrp="1"/>
           </p:cNvSpPr>
@@ -8483,7 +9016,7 @@
       </p:grpSpPr>
       <p:sp>
         <p:nvSpPr>
-          <p:cNvPr id="2" name="Title 1"/>
+          <p:cNvPr id="1048715" name="Title 1"/>
           <p:cNvSpPr>
             <a:spLocks noGrp="1"/>
           </p:cNvSpPr>
@@ -8506,7 +9039,7 @@
           </a:lstStyle>
           <a:p>
             <a:r>
-              <a:rPr lang="zh-CN" altLang="en-US" smtClean="0"/>
+              <a:rPr lang="zh-CN" altLang="en-US"/>
               <a:t>单击此处编辑母版标题样式</a:t>
             </a:r>
             <a:endParaRPr lang="en-US" dirty="0"/>
@@ -8515,7 +9048,7 @@
       </p:sp>
       <p:sp>
         <p:nvSpPr>
-          <p:cNvPr id="3" name="Content Placeholder 2"/>
+          <p:cNvPr id="1048716" name="Content Placeholder 2"/>
           <p:cNvSpPr>
             <a:spLocks noGrp="1"/>
           </p:cNvSpPr>
@@ -8565,35 +9098,35 @@
           <a:p>
             <a:pPr lvl="0"/>
             <a:r>
-              <a:rPr lang="zh-CN" altLang="en-US" smtClean="0"/>
+              <a:rPr lang="zh-CN" altLang="en-US"/>
               <a:t>单击此处编辑母版文本样式</a:t>
             </a:r>
           </a:p>
           <a:p>
             <a:pPr lvl="1"/>
             <a:r>
-              <a:rPr lang="zh-CN" altLang="en-US" smtClean="0"/>
+              <a:rPr lang="zh-CN" altLang="en-US"/>
               <a:t>第二级</a:t>
             </a:r>
           </a:p>
           <a:p>
             <a:pPr lvl="2"/>
             <a:r>
-              <a:rPr lang="zh-CN" altLang="en-US" smtClean="0"/>
+              <a:rPr lang="zh-CN" altLang="en-US"/>
               <a:t>第三级</a:t>
             </a:r>
           </a:p>
           <a:p>
             <a:pPr lvl="3"/>
             <a:r>
-              <a:rPr lang="zh-CN" altLang="en-US" smtClean="0"/>
+              <a:rPr lang="zh-CN" altLang="en-US"/>
               <a:t>第四级</a:t>
             </a:r>
           </a:p>
           <a:p>
             <a:pPr lvl="4"/>
             <a:r>
-              <a:rPr lang="zh-CN" altLang="en-US" smtClean="0"/>
+              <a:rPr lang="zh-CN" altLang="en-US"/>
               <a:t>第五级</a:t>
             </a:r>
             <a:endParaRPr lang="en-US" dirty="0"/>
@@ -8602,7 +9135,7 @@
       </p:sp>
       <p:sp>
         <p:nvSpPr>
-          <p:cNvPr id="4" name="Text Placeholder 3"/>
+          <p:cNvPr id="1048717" name="Text Placeholder 3"/>
           <p:cNvSpPr>
             <a:spLocks noGrp="1"/>
           </p:cNvSpPr>
@@ -8659,7 +9192,7 @@
           <a:p>
             <a:pPr lvl="0"/>
             <a:r>
-              <a:rPr lang="zh-CN" altLang="en-US" smtClean="0"/>
+              <a:rPr lang="zh-CN" altLang="en-US"/>
               <a:t>单击此处编辑母版文本样式</a:t>
             </a:r>
           </a:p>
@@ -8667,7 +9200,7 @@
       </p:sp>
       <p:sp>
         <p:nvSpPr>
-          <p:cNvPr id="7" name="Date Placeholder 4"/>
+          <p:cNvPr id="1048718" name="Date Placeholder 4"/>
           <p:cNvSpPr>
             <a:spLocks noGrp="1"/>
           </p:cNvSpPr>
@@ -8682,7 +9215,7 @@
           <a:p>
             <a:fld id="{4509A250-FF31-4206-8172-F9D3106AACB1}" type="datetimeFigureOut">
               <a:rPr lang="en-US" dirty="0"/>
-              <a:t>12/20/2019</a:t>
+              <a:t>12/23/2019</a:t>
             </a:fld>
             <a:endParaRPr lang="en-US" dirty="0"/>
           </a:p>
@@ -8690,7 +9223,7 @@
       </p:sp>
       <p:sp>
         <p:nvSpPr>
-          <p:cNvPr id="5" name="Footer Placeholder 5"/>
+          <p:cNvPr id="1048719" name="Footer Placeholder 5"/>
           <p:cNvSpPr>
             <a:spLocks noGrp="1"/>
           </p:cNvSpPr>
@@ -8709,7 +9242,7 @@
       </p:sp>
       <p:sp>
         <p:nvSpPr>
-          <p:cNvPr id="6" name="Slide Number Placeholder 6"/>
+          <p:cNvPr id="1048720" name="Slide Number Placeholder 6"/>
           <p:cNvSpPr>
             <a:spLocks noGrp="1"/>
           </p:cNvSpPr>
@@ -8760,7 +9293,7 @@
       </p:grpSpPr>
       <p:sp>
         <p:nvSpPr>
-          <p:cNvPr id="2" name="Title 1"/>
+          <p:cNvPr id="1048648" name="Title 1"/>
           <p:cNvSpPr>
             <a:spLocks noGrp="1"/>
           </p:cNvSpPr>
@@ -8785,7 +9318,7 @@
           </a:lstStyle>
           <a:p>
             <a:r>
-              <a:rPr lang="zh-CN" altLang="en-US" smtClean="0"/>
+              <a:rPr lang="zh-CN" altLang="en-US"/>
               <a:t>单击此处编辑母版标题样式</a:t>
             </a:r>
             <a:endParaRPr lang="en-US" dirty="0"/>
@@ -8794,7 +9327,7 @@
       </p:sp>
       <p:sp>
         <p:nvSpPr>
-          <p:cNvPr id="3" name="Picture Placeholder 2"/>
+          <p:cNvPr id="1048649" name="Picture Placeholder 2"/>
           <p:cNvSpPr>
             <a:spLocks noGrp="1" noChangeAspect="1"/>
           </p:cNvSpPr>
@@ -8864,7 +9397,7 @@
           </a:lstStyle>
           <a:p>
             <a:r>
-              <a:rPr lang="zh-CN" altLang="en-US" smtClean="0"/>
+              <a:rPr lang="zh-CN" altLang="en-US"/>
               <a:t>单击图标添加图片</a:t>
             </a:r>
             <a:endParaRPr lang="en-US" dirty="0"/>
@@ -8873,7 +9406,7 @@
       </p:sp>
       <p:sp>
         <p:nvSpPr>
-          <p:cNvPr id="4" name="Text Placeholder 3"/>
+          <p:cNvPr id="1048650" name="Text Placeholder 3"/>
           <p:cNvSpPr>
             <a:spLocks noGrp="1"/>
           </p:cNvSpPr>
@@ -8932,7 +9465,7 @@
           <a:p>
             <a:pPr lvl="0"/>
             <a:r>
-              <a:rPr lang="zh-CN" altLang="en-US" smtClean="0"/>
+              <a:rPr lang="zh-CN" altLang="en-US"/>
               <a:t>单击此处编辑母版文本样式</a:t>
             </a:r>
           </a:p>
@@ -8940,7 +9473,7 @@
       </p:sp>
       <p:sp>
         <p:nvSpPr>
-          <p:cNvPr id="5" name="Date Placeholder 4"/>
+          <p:cNvPr id="1048651" name="Date Placeholder 4"/>
           <p:cNvSpPr>
             <a:spLocks noGrp="1"/>
           </p:cNvSpPr>
@@ -8955,7 +9488,7 @@
           <a:p>
             <a:fld id="{4509A250-FF31-4206-8172-F9D3106AACB1}" type="datetimeFigureOut">
               <a:rPr lang="en-US" dirty="0"/>
-              <a:t>12/20/2019</a:t>
+              <a:t>12/23/2019</a:t>
             </a:fld>
             <a:endParaRPr lang="en-US" dirty="0"/>
           </a:p>
@@ -8963,7 +9496,7 @@
       </p:sp>
       <p:sp>
         <p:nvSpPr>
-          <p:cNvPr id="6" name="Footer Placeholder 5"/>
+          <p:cNvPr id="1048652" name="Footer Placeholder 5"/>
           <p:cNvSpPr>
             <a:spLocks noGrp="1"/>
           </p:cNvSpPr>
@@ -8982,7 +9515,7 @@
       </p:sp>
       <p:sp>
         <p:nvSpPr>
-          <p:cNvPr id="7" name="Slide Number Placeholder 6"/>
+          <p:cNvPr id="1048653" name="Slide Number Placeholder 6"/>
           <p:cNvSpPr>
             <a:spLocks noGrp="1"/>
           </p:cNvSpPr>
@@ -9038,22 +9571,18 @@
       </p:grpSpPr>
       <p:pic>
         <p:nvPicPr>
-          <p:cNvPr id="8" name="Picture 7"/>
+          <p:cNvPr id="2097152" name="Picture 7"/>
           <p:cNvPicPr>
             <a:picLocks noChangeAspect="1"/>
           </p:cNvPicPr>
           <p:nvPr/>
         </p:nvPicPr>
         <p:blipFill rotWithShape="1">
-          <a:blip r:embed="rId19">
-            <a:extLst>
-              <a:ext uri="{28A0092B-C50C-407E-A947-70E740481C1C}">
-                <a14:useLocalDpi xmlns:a14="http://schemas.microsoft.com/office/drawing/2010/main" val="0"/>
-              </a:ext>
-            </a:extLst>
-          </a:blip>
+          <a:blip r:embed="rId19"/>
           <a:srcRect l="3613"/>
-          <a:stretch/>
+          <a:stretch>
+            <a:fillRect/>
+          </a:stretch>
         </p:blipFill>
         <p:spPr>
           <a:xfrm>
@@ -9067,22 +9596,18 @@
       </p:pic>
       <p:pic>
         <p:nvPicPr>
-          <p:cNvPr id="7" name="Picture 6"/>
+          <p:cNvPr id="2097153" name="Picture 6"/>
           <p:cNvPicPr>
             <a:picLocks noChangeAspect="1"/>
           </p:cNvPicPr>
           <p:nvPr/>
         </p:nvPicPr>
         <p:blipFill rotWithShape="1">
-          <a:blip r:embed="rId20">
-            <a:extLst>
-              <a:ext uri="{28A0092B-C50C-407E-A947-70E740481C1C}">
-                <a14:useLocalDpi xmlns:a14="http://schemas.microsoft.com/office/drawing/2010/main" val="0"/>
-              </a:ext>
-            </a:extLst>
-          </a:blip>
+          <a:blip r:embed="rId20"/>
           <a:srcRect l="35640"/>
-          <a:stretch/>
+          <a:stretch>
+            <a:fillRect/>
+          </a:stretch>
         </p:blipFill>
         <p:spPr>
           <a:xfrm>
@@ -9096,7 +9621,7 @@
       </p:pic>
       <p:sp>
         <p:nvSpPr>
-          <p:cNvPr id="16" name="Oval 15"/>
+          <p:cNvPr id="1048576" name="Oval 15"/>
           <p:cNvSpPr/>
           <p:nvPr/>
         </p:nvSpPr>
@@ -9117,6 +9642,13 @@
                   <a:alpha val="7000"/>
                 </a:schemeClr>
               </a:gs>
+              <a:gs pos="36000">
+                <a:schemeClr val="bg2">
+                  <a:lumMod val="60000"/>
+                  <a:lumOff val="40000"/>
+                  <a:alpha val="6000"/>
+                </a:schemeClr>
+              </a:gs>
               <a:gs pos="69000">
                 <a:schemeClr val="bg2">
                   <a:lumMod val="60000"/>
@@ -9124,18 +9656,10 @@
                   <a:alpha val="0"/>
                 </a:schemeClr>
               </a:gs>
-              <a:gs pos="36000">
-                <a:schemeClr val="bg2">
-                  <a:lumMod val="60000"/>
-                  <a:lumOff val="40000"/>
-                  <a:alpha val="6000"/>
-                </a:schemeClr>
-              </a:gs>
             </a:gsLst>
             <a:path path="circle">
               <a:fillToRect l="50000" t="50000" r="50000" b="50000"/>
             </a:path>
-            <a:tileRect/>
           </a:gradFill>
           <a:ln>
             <a:noFill/>
@@ -9159,22 +9683,18 @@
       </p:sp>
       <p:pic>
         <p:nvPicPr>
-          <p:cNvPr id="9" name="Picture 8"/>
+          <p:cNvPr id="2097154" name="Picture 8"/>
           <p:cNvPicPr>
             <a:picLocks noChangeAspect="1"/>
           </p:cNvPicPr>
           <p:nvPr/>
         </p:nvPicPr>
         <p:blipFill rotWithShape="1">
-          <a:blip r:embed="rId21">
-            <a:extLst>
-              <a:ext uri="{28A0092B-C50C-407E-A947-70E740481C1C}">
-                <a14:useLocalDpi xmlns:a14="http://schemas.microsoft.com/office/drawing/2010/main" val="0"/>
-              </a:ext>
-            </a:extLst>
-          </a:blip>
+          <a:blip r:embed="rId21"/>
           <a:srcRect t="28813"/>
-          <a:stretch/>
+          <a:stretch>
+            <a:fillRect/>
+          </a:stretch>
         </p:blipFill>
         <p:spPr>
           <a:xfrm>
@@ -9188,22 +9708,18 @@
       </p:pic>
       <p:pic>
         <p:nvPicPr>
-          <p:cNvPr id="10" name="Picture 9"/>
+          <p:cNvPr id="2097155" name="Picture 9"/>
           <p:cNvPicPr>
             <a:picLocks noChangeAspect="1"/>
           </p:cNvPicPr>
           <p:nvPr/>
         </p:nvPicPr>
         <p:blipFill rotWithShape="1">
-          <a:blip r:embed="rId22">
-            <a:extLst>
-              <a:ext uri="{28A0092B-C50C-407E-A947-70E740481C1C}">
-                <a14:useLocalDpi xmlns:a14="http://schemas.microsoft.com/office/drawing/2010/main" val="0"/>
-              </a:ext>
-            </a:extLst>
-          </a:blip>
+          <a:blip r:embed="rId22"/>
           <a:srcRect b="23320"/>
-          <a:stretch/>
+          <a:stretch>
+            <a:fillRect/>
+          </a:stretch>
         </p:blipFill>
         <p:spPr>
           <a:xfrm>
@@ -9217,7 +9733,7 @@
       </p:pic>
       <p:sp>
         <p:nvSpPr>
-          <p:cNvPr id="14" name="Rectangle 13"/>
+          <p:cNvPr id="1048577" name="Rectangle 13"/>
           <p:cNvSpPr/>
           <p:nvPr/>
         </p:nvSpPr>
@@ -9253,7 +9769,7 @@
       </p:sp>
       <p:sp>
         <p:nvSpPr>
-          <p:cNvPr id="2" name="Title Placeholder 1"/>
+          <p:cNvPr id="1048578" name="Title Placeholder 1"/>
           <p:cNvSpPr>
             <a:spLocks noGrp="1"/>
           </p:cNvSpPr>
@@ -9277,7 +9793,7 @@
           <a:lstStyle/>
           <a:p>
             <a:r>
-              <a:rPr lang="zh-CN" altLang="en-US" smtClean="0"/>
+              <a:rPr lang="zh-CN" altLang="en-US"/>
               <a:t>单击此处编辑母版标题样式</a:t>
             </a:r>
             <a:endParaRPr lang="en-US" dirty="0"/>
@@ -9286,7 +9802,7 @@
       </p:sp>
       <p:sp>
         <p:nvSpPr>
-          <p:cNvPr id="3" name="Text Placeholder 2"/>
+          <p:cNvPr id="1048579" name="Text Placeholder 2"/>
           <p:cNvSpPr>
             <a:spLocks noGrp="1"/>
           </p:cNvSpPr>
@@ -9311,35 +9827,35 @@
           <a:p>
             <a:pPr lvl="0"/>
             <a:r>
-              <a:rPr lang="zh-CN" altLang="en-US" smtClean="0"/>
+              <a:rPr lang="zh-CN" altLang="en-US"/>
               <a:t>单击此处编辑母版文本样式</a:t>
             </a:r>
           </a:p>
           <a:p>
             <a:pPr lvl="1"/>
             <a:r>
-              <a:rPr lang="zh-CN" altLang="en-US" smtClean="0"/>
+              <a:rPr lang="zh-CN" altLang="en-US"/>
               <a:t>第二级</a:t>
             </a:r>
           </a:p>
           <a:p>
             <a:pPr lvl="2"/>
             <a:r>
-              <a:rPr lang="zh-CN" altLang="en-US" smtClean="0"/>
+              <a:rPr lang="zh-CN" altLang="en-US"/>
               <a:t>第三级</a:t>
             </a:r>
           </a:p>
           <a:p>
             <a:pPr lvl="3"/>
             <a:r>
-              <a:rPr lang="zh-CN" altLang="en-US" smtClean="0"/>
+              <a:rPr lang="zh-CN" altLang="en-US"/>
               <a:t>第四级</a:t>
             </a:r>
           </a:p>
           <a:p>
             <a:pPr lvl="4"/>
             <a:r>
-              <a:rPr lang="zh-CN" altLang="en-US" smtClean="0"/>
+              <a:rPr lang="zh-CN" altLang="en-US"/>
               <a:t>第五级</a:t>
             </a:r>
             <a:endParaRPr lang="en-US" dirty="0"/>
@@ -9348,7 +9864,7 @@
       </p:sp>
       <p:sp>
         <p:nvSpPr>
-          <p:cNvPr id="4" name="Date Placeholder 3"/>
+          <p:cNvPr id="1048580" name="Date Placeholder 3"/>
           <p:cNvSpPr>
             <a:spLocks noGrp="1"/>
           </p:cNvSpPr>
@@ -9382,7 +9898,7 @@
           <a:p>
             <a:fld id="{4AAD347D-5ACD-4C99-B74B-A9C85AD731AF}" type="datetimeFigureOut">
               <a:rPr lang="en-US" dirty="0"/>
-              <a:t>12/20/2019</a:t>
+              <a:t>12/23/2019</a:t>
             </a:fld>
             <a:endParaRPr lang="en-US" dirty="0"/>
           </a:p>
@@ -9390,7 +9906,7 @@
       </p:sp>
       <p:sp>
         <p:nvSpPr>
-          <p:cNvPr id="5" name="Footer Placeholder 4"/>
+          <p:cNvPr id="1048581" name="Footer Placeholder 4"/>
           <p:cNvSpPr>
             <a:spLocks noGrp="1"/>
           </p:cNvSpPr>
@@ -9428,7 +9944,7 @@
       </p:sp>
       <p:sp>
         <p:nvSpPr>
-          <p:cNvPr id="6" name="Slide Number Placeholder 5"/>
+          <p:cNvPr id="1048582" name="Slide Number Placeholder 5"/>
           <p:cNvSpPr>
             <a:spLocks noGrp="1"/>
           </p:cNvSpPr>
@@ -9479,15 +9995,15 @@
     <p:sldLayoutId id="2147483654" r:id="rId6"/>
     <p:sldLayoutId id="2147483655" r:id="rId7"/>
     <p:sldLayoutId id="2147483656" r:id="rId8"/>
-    <p:sldLayoutId id="2147483668" r:id="rId9"/>
-    <p:sldLayoutId id="2147483667" r:id="rId10"/>
-    <p:sldLayoutId id="2147483661" r:id="rId11"/>
-    <p:sldLayoutId id="2147483664" r:id="rId12"/>
-    <p:sldLayoutId id="2147483662" r:id="rId13"/>
-    <p:sldLayoutId id="2147483669" r:id="rId14"/>
-    <p:sldLayoutId id="2147483670" r:id="rId15"/>
-    <p:sldLayoutId id="2147483658" r:id="rId16"/>
-    <p:sldLayoutId id="2147483659" r:id="rId17"/>
+    <p:sldLayoutId id="2147483657" r:id="rId9"/>
+    <p:sldLayoutId id="2147483658" r:id="rId10"/>
+    <p:sldLayoutId id="2147483659" r:id="rId11"/>
+    <p:sldLayoutId id="2147483660" r:id="rId12"/>
+    <p:sldLayoutId id="2147483661" r:id="rId13"/>
+    <p:sldLayoutId id="2147483662" r:id="rId14"/>
+    <p:sldLayoutId id="2147483663" r:id="rId15"/>
+    <p:sldLayoutId id="2147483664" r:id="rId16"/>
+    <p:sldLayoutId id="2147483665" r:id="rId17"/>
   </p:sldLayoutIdLst>
   <p:transition spd="med">
     <p:push dir="u"/>
@@ -9911,7 +10427,7 @@
       </p:grpSpPr>
       <p:sp>
         <p:nvSpPr>
-          <p:cNvPr id="2" name="标题 1"/>
+          <p:cNvPr id="1048599" name="标题 1"/>
           <p:cNvSpPr>
             <a:spLocks noGrp="1"/>
           </p:cNvSpPr>
@@ -9930,7 +10446,7 @@
           <a:lstStyle/>
           <a:p>
             <a:r>
-              <a:rPr lang="en-US" altLang="zh-CN" dirty="0" smtClean="0"/>
+              <a:rPr lang="en-US" altLang="zh-CN" dirty="0"/>
               <a:t>Privacy</a:t>
             </a:r>
             <a:endParaRPr lang="zh-CN" altLang="en-US" dirty="0"/>
@@ -9939,7 +10455,7 @@
       </p:sp>
       <p:sp>
         <p:nvSpPr>
-          <p:cNvPr id="3" name="副标题 2"/>
+          <p:cNvPr id="1048600" name="副标题 2"/>
           <p:cNvSpPr>
             <a:spLocks noGrp="1"/>
           </p:cNvSpPr>
@@ -9960,11 +10476,15 @@
           <a:lstStyle/>
           <a:p>
             <a:r>
-              <a:rPr lang="en-US" altLang="zh-CN" dirty="0" smtClean="0"/>
+              <a:rPr lang="en-US" altLang="zh-CN" dirty="0"/>
               <a:t>Prat one by </a:t>
             </a:r>
             <a:r>
-              <a:rPr lang="en-US" altLang="zh-CN" i="1" dirty="0"/>
+              <a:rPr lang="en-US" altLang="zh-CN" i="1" dirty="0">
+                <a:solidFill>
+                  <a:schemeClr val="accent3"/>
+                </a:solidFill>
+              </a:rPr>
               <a:t>Xiaobao</a:t>
             </a:r>
             <a:r>
@@ -9972,37 +10492,47 @@
               <a:t> : </a:t>
             </a:r>
             <a:r>
-              <a:rPr lang="en-US" altLang="zh-CN" b="1" dirty="0" smtClean="0"/>
+              <a:rPr lang="en-US" altLang="zh-CN" b="1" dirty="0"/>
               <a:t>privacy &amp; Data </a:t>
             </a:r>
-            <a:endParaRPr lang="en-US" altLang="zh-CN" b="1" dirty="0" smtClean="0"/>
-          </a:p>
-          <a:p>
-            <a:r>
-              <a:rPr lang="en-US" altLang="zh-CN" dirty="0" smtClean="0"/>
-              <a:t>Part two by</a:t>
-            </a:r>
-          </a:p>
-          <a:p>
-            <a:r>
-              <a:rPr lang="en-US" altLang="zh-CN" dirty="0" smtClean="0"/>
+          </a:p>
+          <a:p>
+            <a:r>
+              <a:rPr lang="en-US" altLang="zh-CN" dirty="0"/>
+              <a:t>Part two by </a:t>
+            </a:r>
+            <a:r>
+              <a:rPr lang="en-US" altLang="zh-CN" i="1" dirty="0">
+                <a:solidFill>
+                  <a:schemeClr val="accent3"/>
+                </a:solidFill>
+              </a:rPr>
+              <a:t>langwang</a:t>
+            </a:r>
+            <a:r>
+              <a:rPr lang="en-US" altLang="zh-CN" dirty="0"/>
+              <a:t> </a:t>
+            </a:r>
+            <a:r>
+              <a:rPr lang="en-US" altLang="zh-CN" b="1" dirty="0"/>
+              <a:t>: risk</a:t>
+            </a:r>
+          </a:p>
+          <a:p>
+            <a:r>
+              <a:rPr lang="en-US" altLang="zh-CN" dirty="0"/>
               <a:t>Part three by</a:t>
             </a:r>
           </a:p>
           <a:p>
             <a:r>
-              <a:rPr lang="en-US" altLang="zh-CN" dirty="0" smtClean="0"/>
+              <a:rPr lang="en-US" altLang="zh-CN" dirty="0"/>
               <a:t>Part four by</a:t>
             </a:r>
           </a:p>
         </p:txBody>
       </p:sp>
     </p:spTree>
-    <p:extLst>
-      <p:ext uri="{BB962C8B-B14F-4D97-AF65-F5344CB8AC3E}">
-        <p14:creationId xmlns:p14="http://schemas.microsoft.com/office/powerpoint/2010/main" val="3893383021"/>
-      </p:ext>
-    </p:extLst>
   </p:cSld>
   <p:clrMapOvr>
     <a:masterClrMapping/>
@@ -10010,13 +10540,6 @@
   <p:transition spd="med">
     <p:push dir="u"/>
   </p:transition>
-  <p:timing>
-    <p:tnLst>
-      <p:par>
-        <p:cTn id="1" dur="indefinite" restart="never" nodeType="tmRoot"/>
-      </p:par>
-    </p:tnLst>
-  </p:timing>
 </p:sld>
 </file>
 
@@ -10039,14 +10562,14 @@
       </p:grpSpPr>
       <p:sp>
         <p:nvSpPr>
-          <p:cNvPr id="2" name="文本框 1"/>
+          <p:cNvPr id="1048626" name="文本框 1"/>
           <p:cNvSpPr txBox="1"/>
           <p:nvPr/>
         </p:nvSpPr>
         <p:spPr>
           <a:xfrm>
             <a:off x="955964" y="2766027"/>
-            <a:ext cx="10196945" cy="1200329"/>
+            <a:ext cx="10196945" cy="1158241"/>
           </a:xfrm>
           <a:prstGeom prst="rect">
             <a:avLst/>
@@ -10060,11 +10583,11 @@
           <a:lstStyle/>
           <a:p>
             <a:r>
-              <a:rPr lang="en-US" altLang="zh-CN" sz="3600" dirty="0" smtClean="0"/>
+              <a:rPr lang="en-US" altLang="zh-CN" sz="3600" dirty="0"/>
               <a:t>With so much data in hand, assisted by smarter and smarter AI, </a:t>
             </a:r>
             <a:r>
-              <a:rPr lang="en-US" altLang="zh-CN" sz="3600" dirty="0" smtClean="0">
+              <a:rPr lang="en-US" altLang="zh-CN" sz="3600" dirty="0">
                 <a:solidFill>
                   <a:schemeClr val="accent2">
                     <a:lumMod val="60000"/>
@@ -10078,11 +10601,6 @@
         </p:txBody>
       </p:sp>
     </p:spTree>
-    <p:extLst>
-      <p:ext uri="{BB962C8B-B14F-4D97-AF65-F5344CB8AC3E}">
-        <p14:creationId xmlns:p14="http://schemas.microsoft.com/office/powerpoint/2010/main" val="2027779763"/>
-      </p:ext>
-    </p:extLst>
   </p:cSld>
   <p:clrMapOvr>
     <a:masterClrMapping/>
@@ -10090,13 +10608,6 @@
   <p:transition spd="med">
     <p:push dir="u"/>
   </p:transition>
-  <p:timing>
-    <p:tnLst>
-      <p:par>
-        <p:cTn id="1" dur="indefinite" restart="never" nodeType="tmRoot"/>
-      </p:par>
-    </p:tnLst>
-  </p:timing>
 </p:sld>
 </file>
 
@@ -10119,14 +10630,14 @@
       </p:grpSpPr>
       <p:sp>
         <p:nvSpPr>
-          <p:cNvPr id="3" name="文本框 2"/>
+          <p:cNvPr id="1048627" name="文本框 2"/>
           <p:cNvSpPr txBox="1"/>
           <p:nvPr/>
         </p:nvSpPr>
         <p:spPr>
           <a:xfrm>
             <a:off x="707735" y="1156644"/>
-            <a:ext cx="11221029" cy="830997"/>
+            <a:ext cx="11221029" cy="802640"/>
           </a:xfrm>
           <a:prstGeom prst="rect">
             <a:avLst/>
@@ -10164,20 +10675,20 @@
       </p:sp>
       <p:graphicFrame>
         <p:nvGraphicFramePr>
-          <p:cNvPr id="4" name="图表 3"/>
+          <p:cNvPr id="4194304" name="图表 3"/>
           <p:cNvGraphicFramePr>
             <a:graphicFrameLocks/>
           </p:cNvGraphicFramePr>
           <p:nvPr>
             <p:extLst>
               <p:ext uri="{D42A27DB-BD31-4B8C-83A1-F6EECF244321}">
-                <p14:modId xmlns:p14="http://schemas.microsoft.com/office/powerpoint/2010/main" val="3441248861"/>
+                <p14:modId xmlns:p14="http://schemas.microsoft.com/office/powerpoint/2010/main" val="3508281357"/>
               </p:ext>
             </p:extLst>
           </p:nvPr>
         </p:nvGraphicFramePr>
         <p:xfrm>
-          <a:off x="609599" y="2306782"/>
+          <a:off x="879763" y="2209799"/>
           <a:ext cx="10432474" cy="4038600"/>
         </p:xfrm>
         <a:graphic>
@@ -10188,7 +10699,7 @@
       </p:graphicFrame>
       <p:sp>
         <p:nvSpPr>
-          <p:cNvPr id="5" name="圆角矩形 4"/>
+          <p:cNvPr id="1048628" name="圆角矩形 4"/>
           <p:cNvSpPr/>
           <p:nvPr/>
         </p:nvSpPr>
@@ -10229,11 +10740,11 @@
           <a:p>
             <a:pPr algn="ctr"/>
             <a:r>
-              <a:rPr lang="en-US" altLang="zh-CN" dirty="0" smtClean="0"/>
+              <a:rPr lang="en-US" altLang="zh-CN" dirty="0"/>
               <a:t>Data from </a:t>
             </a:r>
             <a:r>
-              <a:rPr lang="en-US" altLang="zh-CN" dirty="0" smtClean="0">
+              <a:rPr lang="en-US" altLang="zh-CN" dirty="0">
                 <a:hlinkClick r:id="rId3"/>
               </a:rPr>
               <a:t>trend.google.com</a:t>
@@ -10243,11 +10754,6 @@
         </p:txBody>
       </p:sp>
     </p:spTree>
-    <p:extLst>
-      <p:ext uri="{BB962C8B-B14F-4D97-AF65-F5344CB8AC3E}">
-        <p14:creationId xmlns:p14="http://schemas.microsoft.com/office/powerpoint/2010/main" val="2610327533"/>
-      </p:ext>
-    </p:extLst>
   </p:cSld>
   <p:clrMapOvr>
     <a:masterClrMapping/>
@@ -10255,13 +10761,6 @@
   <p:transition spd="med">
     <p:push dir="u"/>
   </p:transition>
-  <p:timing>
-    <p:tnLst>
-      <p:par>
-        <p:cTn id="1" dur="indefinite" restart="never" nodeType="tmRoot"/>
-      </p:par>
-    </p:tnLst>
-  </p:timing>
 </p:sld>
 </file>
 
@@ -10284,14 +10783,14 @@
       </p:grpSpPr>
       <p:sp>
         <p:nvSpPr>
-          <p:cNvPr id="3" name="文本框 2"/>
+          <p:cNvPr id="1048629" name="文本框 2"/>
           <p:cNvSpPr txBox="1"/>
           <p:nvPr/>
         </p:nvSpPr>
         <p:spPr>
           <a:xfrm>
             <a:off x="707735" y="1156644"/>
-            <a:ext cx="11221029" cy="830997"/>
+            <a:ext cx="11221029" cy="802640"/>
           </a:xfrm>
           <a:prstGeom prst="rect">
             <a:avLst/>
@@ -10305,11 +10804,11 @@
           <a:lstStyle/>
           <a:p>
             <a:r>
-              <a:rPr lang="en-US" altLang="zh-CN" sz="2400" dirty="0" smtClean="0"/>
+              <a:rPr lang="en-US" altLang="zh-CN" sz="2400" dirty="0"/>
               <a:t>Ecommerce sites know what you like, and they trick you to add things </a:t>
             </a:r>
             <a:r>
-              <a:rPr lang="en-US" altLang="zh-CN" sz="2400" i="1" dirty="0" smtClean="0">
+              <a:rPr lang="en-US" altLang="zh-CN" sz="2400" i="1" dirty="0">
                 <a:solidFill>
                   <a:schemeClr val="accent2">
                     <a:lumMod val="60000"/>
@@ -10320,7 +10819,7 @@
               <a:t>you think you need</a:t>
             </a:r>
             <a:r>
-              <a:rPr lang="en-US" altLang="zh-CN" sz="2400" dirty="0" smtClean="0">
+              <a:rPr lang="en-US" altLang="zh-CN" sz="2400" dirty="0">
                 <a:solidFill>
                   <a:schemeClr val="accent3">
                     <a:lumMod val="60000"/>
@@ -10331,24 +10830,20 @@
               <a:t>(but actually not) </a:t>
             </a:r>
             <a:r>
-              <a:rPr lang="en-US" altLang="zh-CN" sz="2400" dirty="0" smtClean="0"/>
+              <a:rPr lang="en-US" altLang="zh-CN" sz="2400" dirty="0"/>
               <a:t>to carts filled with ever-growing items.</a:t>
             </a:r>
-            <a:endParaRPr lang="en-US" altLang="zh-CN" sz="2400" i="1" dirty="0" smtClean="0"/>
+            <a:endParaRPr lang="en-US" altLang="zh-CN" sz="2400" i="1" dirty="0"/>
           </a:p>
         </p:txBody>
       </p:sp>
       <p:graphicFrame>
         <p:nvGraphicFramePr>
-          <p:cNvPr id="36" name="图表 35"/>
-          <p:cNvGraphicFramePr/>
-          <p:nvPr>
-            <p:extLst>
-              <p:ext uri="{D42A27DB-BD31-4B8C-83A1-F6EECF244321}">
-                <p14:modId xmlns:p14="http://schemas.microsoft.com/office/powerpoint/2010/main" val="2059934629"/>
-              </p:ext>
-            </p:extLst>
-          </p:nvPr>
+          <p:cNvPr id="4194305" name="图表 35"/>
+          <p:cNvGraphicFramePr>
+            <a:graphicFrameLocks/>
+          </p:cNvGraphicFramePr>
+          <p:nvPr/>
         </p:nvGraphicFramePr>
         <p:xfrm>
           <a:off x="958272" y="2244020"/>
@@ -10362,7 +10857,7 @@
       </p:graphicFrame>
       <p:sp>
         <p:nvSpPr>
-          <p:cNvPr id="37" name="圆角矩形 36"/>
+          <p:cNvPr id="1048630" name="圆角矩形 36"/>
           <p:cNvSpPr/>
           <p:nvPr/>
         </p:nvSpPr>
@@ -10403,11 +10898,11 @@
           <a:p>
             <a:pPr algn="ctr"/>
             <a:r>
-              <a:rPr lang="en-US" altLang="zh-CN" dirty="0" smtClean="0"/>
+              <a:rPr lang="en-US" altLang="zh-CN" dirty="0"/>
               <a:t>Data from </a:t>
             </a:r>
             <a:r>
-              <a:rPr lang="en-US" altLang="zh-CN" dirty="0" smtClean="0">
+              <a:rPr lang="en-US" altLang="zh-CN" dirty="0">
                 <a:hlinkClick r:id="rId3"/>
               </a:rPr>
               <a:t>reuters.com</a:t>
@@ -10418,14 +10913,14 @@
       </p:sp>
       <p:sp>
         <p:nvSpPr>
-          <p:cNvPr id="38" name="文本框 37"/>
+          <p:cNvPr id="1048631" name="文本框 37"/>
           <p:cNvSpPr txBox="1"/>
           <p:nvPr/>
         </p:nvSpPr>
         <p:spPr>
           <a:xfrm>
             <a:off x="6968836" y="2396836"/>
-            <a:ext cx="1704313" cy="369332"/>
+            <a:ext cx="1554480" cy="358141"/>
           </a:xfrm>
           <a:prstGeom prst="rect">
             <a:avLst/>
@@ -10439,7 +10934,7 @@
           <a:lstStyle/>
           <a:p>
             <a:r>
-              <a:rPr lang="en-US" altLang="zh-CN" dirty="0" smtClean="0"/>
+              <a:rPr lang="en-US" altLang="zh-CN" dirty="0"/>
               <a:t>In billion yuan</a:t>
             </a:r>
             <a:endParaRPr lang="zh-CN" altLang="en-US" dirty="0"/>
@@ -10447,11 +10942,6 @@
         </p:txBody>
       </p:sp>
     </p:spTree>
-    <p:extLst>
-      <p:ext uri="{BB962C8B-B14F-4D97-AF65-F5344CB8AC3E}">
-        <p14:creationId xmlns:p14="http://schemas.microsoft.com/office/powerpoint/2010/main" val="1761460102"/>
-      </p:ext>
-    </p:extLst>
   </p:cSld>
   <p:clrMapOvr>
     <a:masterClrMapping/>
@@ -10459,17 +10949,10 @@
   <p:transition spd="med">
     <p:push dir="u"/>
   </p:transition>
-  <p:timing>
-    <p:tnLst>
-      <p:par>
-        <p:cTn id="1" dur="indefinite" restart="never" nodeType="tmRoot"/>
-      </p:par>
-    </p:tnLst>
-  </p:timing>
 </p:sld>
 </file>
 
-<file path=ppt/slides/slide2.xml><?xml version="1.0" encoding="utf-8"?>
+<file path=ppt/slides/slide13.xml><?xml version="1.0" encoding="utf-8"?>
 <p:sld xmlns:a="http://schemas.openxmlformats.org/drawingml/2006/main" xmlns:r="http://schemas.openxmlformats.org/officeDocument/2006/relationships" xmlns:p="http://schemas.openxmlformats.org/presentationml/2006/main">
   <p:cSld>
     <p:spTree>
@@ -10488,316 +10971,48 @@
       </p:grpSpPr>
       <p:sp>
         <p:nvSpPr>
-          <p:cNvPr id="2" name="文本框 1"/>
-          <p:cNvSpPr txBox="1"/>
-          <p:nvPr/>
+          <p:cNvPr id="1048632" name="Title 1048631"/>
+          <p:cNvSpPr>
+            <a:spLocks noGrp="1"/>
+          </p:cNvSpPr>
+          <p:nvPr>
+            <p:ph type="title"/>
+          </p:nvPr>
         </p:nvSpPr>
         <p:spPr>
           <a:xfrm>
-            <a:off x="437321" y="1656522"/>
-            <a:ext cx="11396869" cy="1569660"/>
+            <a:off x="1110478" y="2885960"/>
+            <a:ext cx="10245499" cy="1355114"/>
           </a:xfrm>
-          <a:prstGeom prst="rect">
-            <a:avLst/>
-          </a:prstGeom>
-          <a:noFill/>
         </p:spPr>
         <p:txBody>
-          <a:bodyPr wrap="square" rtlCol="0">
-            <a:spAutoFit/>
-          </a:bodyPr>
+          <a:bodyPr/>
           <a:lstStyle/>
           <a:p>
             <a:r>
-              <a:rPr lang="en-US" altLang="zh-CN" sz="2400" dirty="0"/>
-              <a:t>Privacy is not just something we enjoy. It is something that is </a:t>
-            </a:r>
-            <a:r>
-              <a:rPr lang="en-US" altLang="zh-CN" sz="2400" dirty="0">
-                <a:solidFill>
-                  <a:schemeClr val="accent3">
-                    <a:lumMod val="60000"/>
-                    <a:lumOff val="40000"/>
-                  </a:schemeClr>
-                </a:solidFill>
-              </a:rPr>
-              <a:t>necessary</a:t>
-            </a:r>
-            <a:r>
-              <a:rPr lang="en-US" altLang="zh-CN" sz="2400" dirty="0"/>
-              <a:t> for us to: </a:t>
-            </a:r>
-            <a:r>
-              <a:rPr lang="en-US" altLang="zh-CN" sz="2400" dirty="0">
-                <a:solidFill>
-                  <a:schemeClr val="accent3">
-                    <a:lumMod val="60000"/>
-                    <a:lumOff val="40000"/>
-                  </a:schemeClr>
-                </a:solidFill>
-              </a:rPr>
-              <a:t>develop who we are</a:t>
-            </a:r>
-            <a:r>
-              <a:rPr lang="en-US" altLang="zh-CN" sz="2400" dirty="0"/>
-              <a:t>; </a:t>
-            </a:r>
-            <a:r>
-              <a:rPr lang="en-US" altLang="zh-CN" sz="2400" dirty="0">
-                <a:solidFill>
-                  <a:schemeClr val="accent3">
-                    <a:lumMod val="60000"/>
-                    <a:lumOff val="40000"/>
-                  </a:schemeClr>
-                </a:solidFill>
-              </a:rPr>
-              <a:t>form an identity </a:t>
-            </a:r>
-            <a:r>
-              <a:rPr lang="en-US" altLang="zh-CN" sz="2400" dirty="0"/>
-              <a:t>that is not dictated by the social conditions that directly or indirectly influence our thinking, decisions, and behaviors; and </a:t>
-            </a:r>
-            <a:r>
-              <a:rPr lang="en-US" altLang="zh-CN" sz="2400" dirty="0">
-                <a:solidFill>
-                  <a:schemeClr val="accent3">
-                    <a:lumMod val="60000"/>
-                    <a:lumOff val="40000"/>
-                  </a:schemeClr>
-                </a:solidFill>
-              </a:rPr>
-              <a:t>decide what type of society we want to live in</a:t>
-            </a:r>
-            <a:r>
-              <a:rPr lang="en-US" altLang="zh-CN" sz="2400" dirty="0"/>
-              <a:t>. </a:t>
-            </a:r>
-            <a:endParaRPr lang="en-US" altLang="zh-CN" sz="2400" dirty="0" smtClean="0"/>
-          </a:p>
-        </p:txBody>
-      </p:sp>
-      <p:sp>
-        <p:nvSpPr>
-          <p:cNvPr id="3" name="圆角矩形 2"/>
-          <p:cNvSpPr/>
-          <p:nvPr/>
-        </p:nvSpPr>
-        <p:spPr>
-          <a:xfrm>
-            <a:off x="7176654" y="6248399"/>
-            <a:ext cx="4613563" cy="429491"/>
-          </a:xfrm>
-          <a:prstGeom prst="roundRect">
-            <a:avLst/>
-          </a:prstGeom>
-          <a:noFill/>
-          <a:ln>
-            <a:solidFill>
-              <a:schemeClr val="accent5"/>
-            </a:solidFill>
-          </a:ln>
-        </p:spPr>
-        <p:style>
-          <a:lnRef idx="2">
-            <a:schemeClr val="accent1">
-              <a:shade val="50000"/>
-            </a:schemeClr>
-          </a:lnRef>
-          <a:fillRef idx="1">
-            <a:schemeClr val="accent1"/>
-          </a:fillRef>
-          <a:effectRef idx="0">
-            <a:schemeClr val="accent1"/>
-          </a:effectRef>
-          <a:fontRef idx="minor">
-            <a:schemeClr val="lt1"/>
-          </a:fontRef>
-        </p:style>
-        <p:txBody>
-          <a:bodyPr rtlCol="0" anchor="ctr"/>
-          <a:lstStyle/>
-          <a:p>
-            <a:pPr algn="ctr"/>
-            <a:r>
-              <a:rPr lang="en-US" altLang="zh-CN" dirty="0" smtClean="0"/>
-              <a:t>Quote </a:t>
-            </a:r>
-            <a:r>
-              <a:rPr lang="en-US" altLang="zh-CN" dirty="0" smtClean="0"/>
-              <a:t>from </a:t>
-            </a:r>
-            <a:r>
-              <a:rPr lang="en-US" altLang="zh-CN" dirty="0" smtClean="0">
-                <a:hlinkClick r:id="rId2"/>
-              </a:rPr>
-              <a:t>theAtlantic.com</a:t>
-            </a:r>
-            <a:endParaRPr lang="zh-CN" altLang="en-US" dirty="0"/>
-          </a:p>
-        </p:txBody>
-      </p:sp>
-      <p:sp>
-        <p:nvSpPr>
-          <p:cNvPr id="4" name="矩形 3"/>
-          <p:cNvSpPr/>
-          <p:nvPr/>
-        </p:nvSpPr>
-        <p:spPr>
-          <a:xfrm>
-            <a:off x="437321" y="3332199"/>
-            <a:ext cx="11352896" cy="1569660"/>
-          </a:xfrm>
-          <a:prstGeom prst="rect">
-            <a:avLst/>
-          </a:prstGeom>
-        </p:spPr>
-        <p:txBody>
-          <a:bodyPr wrap="square">
-            <a:spAutoFit/>
-          </a:bodyPr>
-          <a:lstStyle/>
-          <a:p>
-            <a:r>
-              <a:rPr lang="en-US" altLang="zh-CN" sz="2400" dirty="0"/>
-              <a:t>Whether we like it or not constant data collection about everything we do </a:t>
-            </a:r>
-            <a:r>
-              <a:rPr lang="en-US" altLang="zh-CN" sz="2400" dirty="0">
-                <a:solidFill>
-                  <a:schemeClr val="bg2">
-                    <a:lumMod val="60000"/>
-                    <a:lumOff val="40000"/>
-                  </a:schemeClr>
-                </a:solidFill>
-              </a:rPr>
-              <a:t>shapes and produces our actions</a:t>
-            </a:r>
-            <a:r>
-              <a:rPr lang="en-US" altLang="zh-CN" sz="2400" dirty="0"/>
-              <a:t>. We are different people when under surveillance than we are when enjoying some privacy. And the breathing room provided by </a:t>
-            </a:r>
-            <a:r>
-              <a:rPr lang="en-US" altLang="zh-CN" sz="2400" dirty="0">
-                <a:solidFill>
-                  <a:schemeClr val="accent6">
-                    <a:lumMod val="40000"/>
-                    <a:lumOff val="60000"/>
-                  </a:schemeClr>
-                </a:solidFill>
-              </a:rPr>
-              <a:t>privacy is essential to being a complete, fulfilled person</a:t>
-            </a:r>
-            <a:r>
-              <a:rPr lang="en-US" altLang="zh-CN" sz="2400" dirty="0"/>
-              <a:t>.</a:t>
-            </a:r>
-            <a:endParaRPr lang="zh-CN" altLang="en-US" sz="2400" dirty="0"/>
+              <a:rPr lang="zh-CN-#Hans" dirty="0"/>
+              <a:t>So what's the risk of privacy disclosure</a:t>
+            </a:r>
+            <a:r>
+              <a:rPr lang="zh-CN" dirty="0"/>
+              <a:t>？</a:t>
+            </a:r>
+            <a:endParaRPr lang="zh-CN-#Hans" dirty="0"/>
           </a:p>
         </p:txBody>
       </p:sp>
     </p:spTree>
-    <p:extLst>
-      <p:ext uri="{BB962C8B-B14F-4D97-AF65-F5344CB8AC3E}">
-        <p14:creationId xmlns:p14="http://schemas.microsoft.com/office/powerpoint/2010/main" val="1113072920"/>
-      </p:ext>
-    </p:extLst>
   </p:cSld>
   <p:clrMapOvr>
     <a:masterClrMapping/>
   </p:clrMapOvr>
-  <p:transition spd="med">
+  <p:transition spd="slow">
     <p:push dir="u"/>
   </p:transition>
-  <p:timing>
-    <p:tnLst>
-      <p:par>
-        <p:cTn id="1" dur="indefinite" restart="never" nodeType="tmRoot">
-          <p:childTnLst>
-            <p:seq concurrent="1" nextAc="seek">
-              <p:cTn id="2" dur="indefinite" nodeType="mainSeq">
-                <p:childTnLst>
-                  <p:par>
-                    <p:cTn id="3" fill="hold">
-                      <p:stCondLst>
-                        <p:cond delay="indefinite"/>
-                      </p:stCondLst>
-                      <p:childTnLst>
-                        <p:par>
-                          <p:cTn id="4" fill="hold">
-                            <p:stCondLst>
-                              <p:cond delay="0"/>
-                            </p:stCondLst>
-                            <p:childTnLst>
-                              <p:par>
-                                <p:cTn id="5" presetID="10" presetClass="entr" presetSubtype="0" fill="hold" grpId="0" nodeType="clickEffect">
-                                  <p:stCondLst>
-                                    <p:cond delay="0"/>
-                                  </p:stCondLst>
-                                  <p:childTnLst>
-                                    <p:set>
-                                      <p:cBhvr>
-                                        <p:cTn id="6" dur="1" fill="hold">
-                                          <p:stCondLst>
-                                            <p:cond delay="0"/>
-                                          </p:stCondLst>
-                                        </p:cTn>
-                                        <p:tgtEl>
-                                          <p:spTgt spid="4"/>
-                                        </p:tgtEl>
-                                        <p:attrNameLst>
-                                          <p:attrName>style.visibility</p:attrName>
-                                        </p:attrNameLst>
-                                      </p:cBhvr>
-                                      <p:to>
-                                        <p:strVal val="visible"/>
-                                      </p:to>
-                                    </p:set>
-                                    <p:animEffect transition="in" filter="fade">
-                                      <p:cBhvr>
-                                        <p:cTn id="7" dur="500"/>
-                                        <p:tgtEl>
-                                          <p:spTgt spid="4"/>
-                                        </p:tgtEl>
-                                      </p:cBhvr>
-                                    </p:animEffect>
-                                  </p:childTnLst>
-                                </p:cTn>
-                              </p:par>
-                            </p:childTnLst>
-                          </p:cTn>
-                        </p:par>
-                      </p:childTnLst>
-                    </p:cTn>
-                  </p:par>
-                </p:childTnLst>
-              </p:cTn>
-              <p:prevCondLst>
-                <p:cond evt="onPrev" delay="0">
-                  <p:tgtEl>
-                    <p:sldTgt/>
-                  </p:tgtEl>
-                </p:cond>
-              </p:prevCondLst>
-              <p:nextCondLst>
-                <p:cond evt="onNext" delay="0">
-                  <p:tgtEl>
-                    <p:sldTgt/>
-                  </p:tgtEl>
-                </p:cond>
-              </p:nextCondLst>
-            </p:seq>
-          </p:childTnLst>
-        </p:cTn>
-      </p:par>
-    </p:tnLst>
-    <p:bldLst>
-      <p:bldP spid="4" grpId="0"/>
-    </p:bldLst>
-  </p:timing>
 </p:sld>
 </file>
 
-<file path=ppt/slides/slide3.xml><?xml version="1.0" encoding="utf-8"?>
+<file path=ppt/slides/slide14.xml><?xml version="1.0" encoding="utf-8"?>
 <p:sld xmlns:a="http://schemas.openxmlformats.org/drawingml/2006/main" xmlns:r="http://schemas.openxmlformats.org/officeDocument/2006/relationships" xmlns:p="http://schemas.openxmlformats.org/presentationml/2006/main">
   <p:cSld>
     <p:spTree>
@@ -10816,7 +11031,101 @@
       </p:grpSpPr>
       <p:sp>
         <p:nvSpPr>
-          <p:cNvPr id="4" name="标题 1"/>
+          <p:cNvPr id="1048633" name="Content Placeholder 1048632"/>
+          <p:cNvSpPr>
+            <a:spLocks noGrp="1"/>
+          </p:cNvSpPr>
+          <p:nvPr>
+            <p:ph idx="1"/>
+          </p:nvPr>
+        </p:nvSpPr>
+        <p:spPr>
+          <a:xfrm>
+            <a:off x="647370" y="2497056"/>
+            <a:ext cx="11196287" cy="3059012"/>
+          </a:xfrm>
+        </p:spPr>
+        <p:txBody>
+          <a:bodyPr/>
+          <a:lstStyle/>
+          <a:p>
+            <a:r>
+              <a:rPr lang="zh-CN-#Hans" sz="3600" dirty="0"/>
+              <a:t>From a small risk point of view, </a:t>
+            </a:r>
+            <a:r>
+              <a:rPr lang="zh-CN-#Hans" sz="3600" dirty="0">
+                <a:solidFill>
+                  <a:srgbClr val="65FF65"/>
+                </a:solidFill>
+              </a:rPr>
+              <a:t>spam</a:t>
+            </a:r>
+            <a:r>
+              <a:rPr lang="en-US" altLang="zh-CN" sz="3600" dirty="0">
+                <a:solidFill>
+                  <a:srgbClr val="65FF65"/>
+                </a:solidFill>
+              </a:rPr>
+              <a:t> emails</a:t>
+            </a:r>
+            <a:r>
+              <a:rPr lang="zh-CN-#Hans" sz="3600" dirty="0">
+                <a:solidFill>
+                  <a:srgbClr val="65FF65"/>
+                </a:solidFill>
+              </a:rPr>
+              <a:t>, spam messages and harassing phone calls </a:t>
+            </a:r>
+            <a:r>
+              <a:rPr lang="zh-CN-#Hans" sz="3600" dirty="0"/>
+              <a:t>will annoy you</a:t>
+            </a:r>
+            <a:r>
+              <a:rPr lang="en-US" altLang="zh-CN" sz="3600" dirty="0"/>
+              <a:t> a lot.  </a:t>
+            </a:r>
+            <a:endParaRPr lang="zh-CN-#Hans" sz="3600" dirty="0"/>
+          </a:p>
+        </p:txBody>
+      </p:sp>
+    </p:spTree>
+  </p:cSld>
+  <p:clrMapOvr>
+    <a:masterClrMapping/>
+  </p:clrMapOvr>
+  <p:transition spd="slow">
+    <p:push dir="u"/>
+  </p:transition>
+</p:sld>
+</file>
+
+<file path=ppt/slides/slide15.xml><?xml version="1.0" encoding="utf-8"?>
+<p:sld xmlns:a="http://schemas.openxmlformats.org/drawingml/2006/main" xmlns:r="http://schemas.openxmlformats.org/officeDocument/2006/relationships" xmlns:p="http://schemas.openxmlformats.org/presentationml/2006/main">
+  <p:cSld>
+    <p:spTree>
+      <p:nvGrpSpPr>
+        <p:cNvPr id="1" name=""/>
+        <p:cNvGrpSpPr/>
+        <p:nvPr/>
+      </p:nvGrpSpPr>
+      <p:grpSpPr>
+        <a:xfrm>
+          <a:off x="0" y="0"/>
+          <a:ext cx="0" cy="0"/>
+          <a:chOff x="0" y="0"/>
+          <a:chExt cx="0" cy="0"/>
+        </a:xfrm>
+      </p:grpSpPr>
+      <p:sp>
+        <p:nvSpPr>
+          <p:cNvPr id="3" name="Content Placeholder 1048632">
+            <a:extLst>
+              <a:ext uri="{FF2B5EF4-FFF2-40B4-BE49-F238E27FC236}">
+                <a16:creationId xmlns:a16="http://schemas.microsoft.com/office/drawing/2014/main" id="{E1A03C4E-68FD-4A3E-95A2-590F08599095}"/>
+              </a:ext>
+            </a:extLst>
+          </p:cNvPr>
           <p:cNvSpPr txBox="1">
             <a:spLocks/>
           </p:cNvSpPr>
@@ -10824,8 +11133,718 @@
         </p:nvSpPr>
         <p:spPr>
           <a:xfrm>
-            <a:off x="789135" y="1214717"/>
-            <a:ext cx="10668574" cy="1610139"/>
+            <a:off x="647370" y="2497056"/>
+            <a:ext cx="11196287" cy="3059012"/>
+          </a:xfrm>
+          <a:prstGeom prst="rect">
+            <a:avLst/>
+          </a:prstGeom>
+        </p:spPr>
+        <p:txBody>
+          <a:bodyPr vert="horz" lIns="91440" tIns="45720" rIns="91440" bIns="45720" rtlCol="0">
+            <a:normAutofit/>
+          </a:bodyPr>
+          <a:lstStyle>
+            <a:lvl1pPr marL="342900" indent="-342900" algn="l" defTabSz="457200" rtl="0" eaLnBrk="1" latinLnBrk="0" hangingPunct="1">
+              <a:spcBef>
+                <a:spcPts val="1000"/>
+              </a:spcBef>
+              <a:spcAft>
+                <a:spcPts val="0"/>
+              </a:spcAft>
+              <a:buClr>
+                <a:schemeClr val="bg2">
+                  <a:lumMod val="40000"/>
+                  <a:lumOff val="60000"/>
+                </a:schemeClr>
+              </a:buClr>
+              <a:buSzPct val="80000"/>
+              <a:buFont typeface="Wingdings 3" charset="2"/>
+              <a:buChar char=""/>
+              <a:defRPr sz="2000" b="0" i="0" kern="1200">
+                <a:solidFill>
+                  <a:schemeClr val="tx1"/>
+                </a:solidFill>
+                <a:latin typeface="+mj-lt"/>
+                <a:ea typeface="+mj-ea"/>
+                <a:cs typeface="+mj-cs"/>
+              </a:defRPr>
+            </a:lvl1pPr>
+            <a:lvl2pPr marL="742950" indent="-285750" algn="l" defTabSz="457200" rtl="0" eaLnBrk="1" latinLnBrk="0" hangingPunct="1">
+              <a:spcBef>
+                <a:spcPts val="1000"/>
+              </a:spcBef>
+              <a:spcAft>
+                <a:spcPts val="0"/>
+              </a:spcAft>
+              <a:buClr>
+                <a:schemeClr val="bg2">
+                  <a:lumMod val="40000"/>
+                  <a:lumOff val="60000"/>
+                </a:schemeClr>
+              </a:buClr>
+              <a:buSzPct val="80000"/>
+              <a:buFont typeface="Wingdings 3" charset="2"/>
+              <a:buChar char=""/>
+              <a:defRPr sz="1800" b="0" i="0" kern="1200">
+                <a:solidFill>
+                  <a:schemeClr val="tx1"/>
+                </a:solidFill>
+                <a:latin typeface="+mj-lt"/>
+                <a:ea typeface="+mj-ea"/>
+                <a:cs typeface="+mj-cs"/>
+              </a:defRPr>
+            </a:lvl2pPr>
+            <a:lvl3pPr marL="1143000" indent="-228600" algn="l" defTabSz="457200" rtl="0" eaLnBrk="1" latinLnBrk="0" hangingPunct="1">
+              <a:spcBef>
+                <a:spcPts val="1000"/>
+              </a:spcBef>
+              <a:spcAft>
+                <a:spcPts val="0"/>
+              </a:spcAft>
+              <a:buClr>
+                <a:schemeClr val="bg2">
+                  <a:lumMod val="40000"/>
+                  <a:lumOff val="60000"/>
+                </a:schemeClr>
+              </a:buClr>
+              <a:buSzPct val="80000"/>
+              <a:buFont typeface="Wingdings 3" charset="2"/>
+              <a:buChar char=""/>
+              <a:defRPr sz="1600" b="0" i="0" kern="1200">
+                <a:solidFill>
+                  <a:schemeClr val="tx1"/>
+                </a:solidFill>
+                <a:latin typeface="+mj-lt"/>
+                <a:ea typeface="+mj-ea"/>
+                <a:cs typeface="+mj-cs"/>
+              </a:defRPr>
+            </a:lvl3pPr>
+            <a:lvl4pPr marL="1600200" indent="-228600" algn="l" defTabSz="457200" rtl="0" eaLnBrk="1" latinLnBrk="0" hangingPunct="1">
+              <a:spcBef>
+                <a:spcPts val="1000"/>
+              </a:spcBef>
+              <a:spcAft>
+                <a:spcPts val="0"/>
+              </a:spcAft>
+              <a:buClr>
+                <a:schemeClr val="bg2">
+                  <a:lumMod val="40000"/>
+                  <a:lumOff val="60000"/>
+                </a:schemeClr>
+              </a:buClr>
+              <a:buSzPct val="80000"/>
+              <a:buFont typeface="Wingdings 3" charset="2"/>
+              <a:buChar char=""/>
+              <a:defRPr sz="1400" b="0" i="0" kern="1200">
+                <a:solidFill>
+                  <a:schemeClr val="tx1"/>
+                </a:solidFill>
+                <a:latin typeface="+mj-lt"/>
+                <a:ea typeface="+mj-ea"/>
+                <a:cs typeface="+mj-cs"/>
+              </a:defRPr>
+            </a:lvl4pPr>
+            <a:lvl5pPr marL="2057400" indent="-228600" algn="l" defTabSz="457200" rtl="0" eaLnBrk="1" latinLnBrk="0" hangingPunct="1">
+              <a:spcBef>
+                <a:spcPts val="1000"/>
+              </a:spcBef>
+              <a:spcAft>
+                <a:spcPts val="0"/>
+              </a:spcAft>
+              <a:buClr>
+                <a:schemeClr val="bg2">
+                  <a:lumMod val="40000"/>
+                  <a:lumOff val="60000"/>
+                </a:schemeClr>
+              </a:buClr>
+              <a:buSzPct val="80000"/>
+              <a:buFont typeface="Wingdings 3" charset="2"/>
+              <a:buChar char=""/>
+              <a:defRPr sz="1400" b="0" i="0" kern="1200">
+                <a:solidFill>
+                  <a:schemeClr val="tx1"/>
+                </a:solidFill>
+                <a:latin typeface="+mj-lt"/>
+                <a:ea typeface="+mj-ea"/>
+                <a:cs typeface="+mj-cs"/>
+              </a:defRPr>
+            </a:lvl5pPr>
+            <a:lvl6pPr marL="2506000" indent="-228600" algn="l" defTabSz="457200" rtl="0" eaLnBrk="1" latinLnBrk="0" hangingPunct="1">
+              <a:spcBef>
+                <a:spcPts val="1000"/>
+              </a:spcBef>
+              <a:spcAft>
+                <a:spcPts val="0"/>
+              </a:spcAft>
+              <a:buClr>
+                <a:schemeClr val="bg2">
+                  <a:lumMod val="40000"/>
+                  <a:lumOff val="60000"/>
+                </a:schemeClr>
+              </a:buClr>
+              <a:buSzPct val="80000"/>
+              <a:buFont typeface="Wingdings 3" charset="2"/>
+              <a:buChar char=""/>
+              <a:defRPr sz="1400" b="0" i="0" kern="1200">
+                <a:solidFill>
+                  <a:schemeClr val="tx1"/>
+                </a:solidFill>
+                <a:latin typeface="+mj-lt"/>
+                <a:ea typeface="+mj-ea"/>
+                <a:cs typeface="+mj-cs"/>
+              </a:defRPr>
+            </a:lvl6pPr>
+            <a:lvl7pPr marL="2971800" indent="-228600" algn="l" defTabSz="457200" rtl="0" eaLnBrk="1" latinLnBrk="0" hangingPunct="1">
+              <a:spcBef>
+                <a:spcPts val="1000"/>
+              </a:spcBef>
+              <a:spcAft>
+                <a:spcPts val="0"/>
+              </a:spcAft>
+              <a:buClr>
+                <a:schemeClr val="bg2">
+                  <a:lumMod val="40000"/>
+                  <a:lumOff val="60000"/>
+                </a:schemeClr>
+              </a:buClr>
+              <a:buSzPct val="80000"/>
+              <a:buFont typeface="Wingdings 3" charset="2"/>
+              <a:buChar char=""/>
+              <a:defRPr sz="1400" b="0" i="0" kern="1200">
+                <a:solidFill>
+                  <a:schemeClr val="tx1"/>
+                </a:solidFill>
+                <a:latin typeface="+mj-lt"/>
+                <a:ea typeface="+mj-ea"/>
+                <a:cs typeface="+mj-cs"/>
+              </a:defRPr>
+            </a:lvl7pPr>
+            <a:lvl8pPr marL="3429000" indent="-228600" algn="l" defTabSz="457200" rtl="0" eaLnBrk="1" latinLnBrk="0" hangingPunct="1">
+              <a:spcBef>
+                <a:spcPts val="1000"/>
+              </a:spcBef>
+              <a:spcAft>
+                <a:spcPts val="0"/>
+              </a:spcAft>
+              <a:buClr>
+                <a:schemeClr val="bg2">
+                  <a:lumMod val="40000"/>
+                  <a:lumOff val="60000"/>
+                </a:schemeClr>
+              </a:buClr>
+              <a:buSzPct val="80000"/>
+              <a:buFont typeface="Wingdings 3" charset="2"/>
+              <a:buChar char=""/>
+              <a:defRPr sz="1400" b="0" i="0" kern="1200">
+                <a:solidFill>
+                  <a:schemeClr val="tx1"/>
+                </a:solidFill>
+                <a:latin typeface="+mj-lt"/>
+                <a:ea typeface="+mj-ea"/>
+                <a:cs typeface="+mj-cs"/>
+              </a:defRPr>
+            </a:lvl8pPr>
+            <a:lvl9pPr marL="3886200" indent="-228600" algn="l" defTabSz="457200" rtl="0" eaLnBrk="1" latinLnBrk="0" hangingPunct="1">
+              <a:spcBef>
+                <a:spcPts val="1000"/>
+              </a:spcBef>
+              <a:spcAft>
+                <a:spcPts val="0"/>
+              </a:spcAft>
+              <a:buClr>
+                <a:schemeClr val="bg2">
+                  <a:lumMod val="40000"/>
+                  <a:lumOff val="60000"/>
+                </a:schemeClr>
+              </a:buClr>
+              <a:buSzPct val="80000"/>
+              <a:buFont typeface="Wingdings 3" charset="2"/>
+              <a:buChar char=""/>
+              <a:defRPr sz="1400" b="0" i="0" kern="1200">
+                <a:solidFill>
+                  <a:schemeClr val="tx1"/>
+                </a:solidFill>
+                <a:latin typeface="+mj-lt"/>
+                <a:ea typeface="+mj-ea"/>
+                <a:cs typeface="+mj-cs"/>
+              </a:defRPr>
+            </a:lvl9pPr>
+          </a:lstStyle>
+          <a:p>
+            <a:r>
+              <a:rPr lang="en-US" altLang="zh-CN" sz="3600" dirty="0"/>
+              <a:t>In these events, your property, your life, is not threatened, it's just that your time has been wasted to some extent.</a:t>
+            </a:r>
+            <a:endParaRPr lang="zh-CN-#Hans" altLang="zh-CN" sz="3600" dirty="0"/>
+          </a:p>
+        </p:txBody>
+      </p:sp>
+    </p:spTree>
+  </p:cSld>
+  <p:clrMapOvr>
+    <a:masterClrMapping/>
+  </p:clrMapOvr>
+  <p:transition spd="slow">
+    <p:push dir="u"/>
+  </p:transition>
+</p:sld>
+</file>
+
+<file path=ppt/slides/slide16.xml><?xml version="1.0" encoding="utf-8"?>
+<p:sld xmlns:a="http://schemas.openxmlformats.org/drawingml/2006/main" xmlns:r="http://schemas.openxmlformats.org/officeDocument/2006/relationships" xmlns:p="http://schemas.openxmlformats.org/presentationml/2006/main">
+  <p:cSld>
+    <p:spTree>
+      <p:nvGrpSpPr>
+        <p:cNvPr id="1" name=""/>
+        <p:cNvGrpSpPr/>
+        <p:nvPr/>
+      </p:nvGrpSpPr>
+      <p:grpSpPr>
+        <a:xfrm>
+          <a:off x="0" y="0"/>
+          <a:ext cx="0" cy="0"/>
+          <a:chOff x="0" y="0"/>
+          <a:chExt cx="0" cy="0"/>
+        </a:xfrm>
+      </p:grpSpPr>
+      <p:sp>
+        <p:nvSpPr>
+          <p:cNvPr id="4" name="Content Placeholder 1048632">
+            <a:extLst>
+              <a:ext uri="{FF2B5EF4-FFF2-40B4-BE49-F238E27FC236}">
+                <a16:creationId xmlns:a16="http://schemas.microsoft.com/office/drawing/2014/main" id="{4F8AF306-71B2-4180-B1EF-6414C3DBE216}"/>
+              </a:ext>
+            </a:extLst>
+          </p:cNvPr>
+          <p:cNvSpPr txBox="1">
+            <a:spLocks/>
+          </p:cNvSpPr>
+          <p:nvPr/>
+        </p:nvSpPr>
+        <p:spPr>
+          <a:xfrm>
+            <a:off x="647370" y="2497056"/>
+            <a:ext cx="11196287" cy="3059012"/>
+          </a:xfrm>
+          <a:prstGeom prst="rect">
+            <a:avLst/>
+          </a:prstGeom>
+        </p:spPr>
+        <p:txBody>
+          <a:bodyPr vert="horz" lIns="91440" tIns="45720" rIns="91440" bIns="45720" rtlCol="0">
+            <a:normAutofit/>
+          </a:bodyPr>
+          <a:lstStyle>
+            <a:lvl1pPr marL="342900" indent="-342900" algn="l" defTabSz="457200" rtl="0" eaLnBrk="1" latinLnBrk="0" hangingPunct="1">
+              <a:spcBef>
+                <a:spcPts val="1000"/>
+              </a:spcBef>
+              <a:spcAft>
+                <a:spcPts val="0"/>
+              </a:spcAft>
+              <a:buClr>
+                <a:schemeClr val="bg2">
+                  <a:lumMod val="40000"/>
+                  <a:lumOff val="60000"/>
+                </a:schemeClr>
+              </a:buClr>
+              <a:buSzPct val="80000"/>
+              <a:buFont typeface="Wingdings 3" charset="2"/>
+              <a:buChar char=""/>
+              <a:defRPr sz="2000" b="0" i="0" kern="1200">
+                <a:solidFill>
+                  <a:schemeClr val="tx1"/>
+                </a:solidFill>
+                <a:latin typeface="+mj-lt"/>
+                <a:ea typeface="+mj-ea"/>
+                <a:cs typeface="+mj-cs"/>
+              </a:defRPr>
+            </a:lvl1pPr>
+            <a:lvl2pPr marL="742950" indent="-285750" algn="l" defTabSz="457200" rtl="0" eaLnBrk="1" latinLnBrk="0" hangingPunct="1">
+              <a:spcBef>
+                <a:spcPts val="1000"/>
+              </a:spcBef>
+              <a:spcAft>
+                <a:spcPts val="0"/>
+              </a:spcAft>
+              <a:buClr>
+                <a:schemeClr val="bg2">
+                  <a:lumMod val="40000"/>
+                  <a:lumOff val="60000"/>
+                </a:schemeClr>
+              </a:buClr>
+              <a:buSzPct val="80000"/>
+              <a:buFont typeface="Wingdings 3" charset="2"/>
+              <a:buChar char=""/>
+              <a:defRPr sz="1800" b="0" i="0" kern="1200">
+                <a:solidFill>
+                  <a:schemeClr val="tx1"/>
+                </a:solidFill>
+                <a:latin typeface="+mj-lt"/>
+                <a:ea typeface="+mj-ea"/>
+                <a:cs typeface="+mj-cs"/>
+              </a:defRPr>
+            </a:lvl2pPr>
+            <a:lvl3pPr marL="1143000" indent="-228600" algn="l" defTabSz="457200" rtl="0" eaLnBrk="1" latinLnBrk="0" hangingPunct="1">
+              <a:spcBef>
+                <a:spcPts val="1000"/>
+              </a:spcBef>
+              <a:spcAft>
+                <a:spcPts val="0"/>
+              </a:spcAft>
+              <a:buClr>
+                <a:schemeClr val="bg2">
+                  <a:lumMod val="40000"/>
+                  <a:lumOff val="60000"/>
+                </a:schemeClr>
+              </a:buClr>
+              <a:buSzPct val="80000"/>
+              <a:buFont typeface="Wingdings 3" charset="2"/>
+              <a:buChar char=""/>
+              <a:defRPr sz="1600" b="0" i="0" kern="1200">
+                <a:solidFill>
+                  <a:schemeClr val="tx1"/>
+                </a:solidFill>
+                <a:latin typeface="+mj-lt"/>
+                <a:ea typeface="+mj-ea"/>
+                <a:cs typeface="+mj-cs"/>
+              </a:defRPr>
+            </a:lvl3pPr>
+            <a:lvl4pPr marL="1600200" indent="-228600" algn="l" defTabSz="457200" rtl="0" eaLnBrk="1" latinLnBrk="0" hangingPunct="1">
+              <a:spcBef>
+                <a:spcPts val="1000"/>
+              </a:spcBef>
+              <a:spcAft>
+                <a:spcPts val="0"/>
+              </a:spcAft>
+              <a:buClr>
+                <a:schemeClr val="bg2">
+                  <a:lumMod val="40000"/>
+                  <a:lumOff val="60000"/>
+                </a:schemeClr>
+              </a:buClr>
+              <a:buSzPct val="80000"/>
+              <a:buFont typeface="Wingdings 3" charset="2"/>
+              <a:buChar char=""/>
+              <a:defRPr sz="1400" b="0" i="0" kern="1200">
+                <a:solidFill>
+                  <a:schemeClr val="tx1"/>
+                </a:solidFill>
+                <a:latin typeface="+mj-lt"/>
+                <a:ea typeface="+mj-ea"/>
+                <a:cs typeface="+mj-cs"/>
+              </a:defRPr>
+            </a:lvl4pPr>
+            <a:lvl5pPr marL="2057400" indent="-228600" algn="l" defTabSz="457200" rtl="0" eaLnBrk="1" latinLnBrk="0" hangingPunct="1">
+              <a:spcBef>
+                <a:spcPts val="1000"/>
+              </a:spcBef>
+              <a:spcAft>
+                <a:spcPts val="0"/>
+              </a:spcAft>
+              <a:buClr>
+                <a:schemeClr val="bg2">
+                  <a:lumMod val="40000"/>
+                  <a:lumOff val="60000"/>
+                </a:schemeClr>
+              </a:buClr>
+              <a:buSzPct val="80000"/>
+              <a:buFont typeface="Wingdings 3" charset="2"/>
+              <a:buChar char=""/>
+              <a:defRPr sz="1400" b="0" i="0" kern="1200">
+                <a:solidFill>
+                  <a:schemeClr val="tx1"/>
+                </a:solidFill>
+                <a:latin typeface="+mj-lt"/>
+                <a:ea typeface="+mj-ea"/>
+                <a:cs typeface="+mj-cs"/>
+              </a:defRPr>
+            </a:lvl5pPr>
+            <a:lvl6pPr marL="2506000" indent="-228600" algn="l" defTabSz="457200" rtl="0" eaLnBrk="1" latinLnBrk="0" hangingPunct="1">
+              <a:spcBef>
+                <a:spcPts val="1000"/>
+              </a:spcBef>
+              <a:spcAft>
+                <a:spcPts val="0"/>
+              </a:spcAft>
+              <a:buClr>
+                <a:schemeClr val="bg2">
+                  <a:lumMod val="40000"/>
+                  <a:lumOff val="60000"/>
+                </a:schemeClr>
+              </a:buClr>
+              <a:buSzPct val="80000"/>
+              <a:buFont typeface="Wingdings 3" charset="2"/>
+              <a:buChar char=""/>
+              <a:defRPr sz="1400" b="0" i="0" kern="1200">
+                <a:solidFill>
+                  <a:schemeClr val="tx1"/>
+                </a:solidFill>
+                <a:latin typeface="+mj-lt"/>
+                <a:ea typeface="+mj-ea"/>
+                <a:cs typeface="+mj-cs"/>
+              </a:defRPr>
+            </a:lvl6pPr>
+            <a:lvl7pPr marL="2971800" indent="-228600" algn="l" defTabSz="457200" rtl="0" eaLnBrk="1" latinLnBrk="0" hangingPunct="1">
+              <a:spcBef>
+                <a:spcPts val="1000"/>
+              </a:spcBef>
+              <a:spcAft>
+                <a:spcPts val="0"/>
+              </a:spcAft>
+              <a:buClr>
+                <a:schemeClr val="bg2">
+                  <a:lumMod val="40000"/>
+                  <a:lumOff val="60000"/>
+                </a:schemeClr>
+              </a:buClr>
+              <a:buSzPct val="80000"/>
+              <a:buFont typeface="Wingdings 3" charset="2"/>
+              <a:buChar char=""/>
+              <a:defRPr sz="1400" b="0" i="0" kern="1200">
+                <a:solidFill>
+                  <a:schemeClr val="tx1"/>
+                </a:solidFill>
+                <a:latin typeface="+mj-lt"/>
+                <a:ea typeface="+mj-ea"/>
+                <a:cs typeface="+mj-cs"/>
+              </a:defRPr>
+            </a:lvl7pPr>
+            <a:lvl8pPr marL="3429000" indent="-228600" algn="l" defTabSz="457200" rtl="0" eaLnBrk="1" latinLnBrk="0" hangingPunct="1">
+              <a:spcBef>
+                <a:spcPts val="1000"/>
+              </a:spcBef>
+              <a:spcAft>
+                <a:spcPts val="0"/>
+              </a:spcAft>
+              <a:buClr>
+                <a:schemeClr val="bg2">
+                  <a:lumMod val="40000"/>
+                  <a:lumOff val="60000"/>
+                </a:schemeClr>
+              </a:buClr>
+              <a:buSzPct val="80000"/>
+              <a:buFont typeface="Wingdings 3" charset="2"/>
+              <a:buChar char=""/>
+              <a:defRPr sz="1400" b="0" i="0" kern="1200">
+                <a:solidFill>
+                  <a:schemeClr val="tx1"/>
+                </a:solidFill>
+                <a:latin typeface="+mj-lt"/>
+                <a:ea typeface="+mj-ea"/>
+                <a:cs typeface="+mj-cs"/>
+              </a:defRPr>
+            </a:lvl8pPr>
+            <a:lvl9pPr marL="3886200" indent="-228600" algn="l" defTabSz="457200" rtl="0" eaLnBrk="1" latinLnBrk="0" hangingPunct="1">
+              <a:spcBef>
+                <a:spcPts val="1000"/>
+              </a:spcBef>
+              <a:spcAft>
+                <a:spcPts val="0"/>
+              </a:spcAft>
+              <a:buClr>
+                <a:schemeClr val="bg2">
+                  <a:lumMod val="40000"/>
+                  <a:lumOff val="60000"/>
+                </a:schemeClr>
+              </a:buClr>
+              <a:buSzPct val="80000"/>
+              <a:buFont typeface="Wingdings 3" charset="2"/>
+              <a:buChar char=""/>
+              <a:defRPr sz="1400" b="0" i="0" kern="1200">
+                <a:solidFill>
+                  <a:schemeClr val="tx1"/>
+                </a:solidFill>
+                <a:latin typeface="+mj-lt"/>
+                <a:ea typeface="+mj-ea"/>
+                <a:cs typeface="+mj-cs"/>
+              </a:defRPr>
+            </a:lvl9pPr>
+          </a:lstStyle>
+          <a:p>
+            <a:r>
+              <a:rPr lang="en-US" altLang="zh-CN" sz="3600" dirty="0"/>
+              <a:t>But there are something more harmful than those.</a:t>
+            </a:r>
+            <a:endParaRPr lang="zh-CN-#Hans" altLang="zh-CN" sz="3600" dirty="0"/>
+          </a:p>
+        </p:txBody>
+      </p:sp>
+    </p:spTree>
+  </p:cSld>
+  <p:clrMapOvr>
+    <a:masterClrMapping/>
+  </p:clrMapOvr>
+  <p:transition spd="slow">
+    <p:push dir="u"/>
+  </p:transition>
+</p:sld>
+</file>
+
+<file path=ppt/slides/slide17.xml><?xml version="1.0" encoding="utf-8"?>
+<p:sld xmlns:a="http://schemas.openxmlformats.org/drawingml/2006/main" xmlns:r="http://schemas.openxmlformats.org/officeDocument/2006/relationships" xmlns:p="http://schemas.openxmlformats.org/presentationml/2006/main">
+  <p:cSld>
+    <p:spTree>
+      <p:nvGrpSpPr>
+        <p:cNvPr id="1" name=""/>
+        <p:cNvGrpSpPr/>
+        <p:nvPr/>
+      </p:nvGrpSpPr>
+      <p:grpSpPr>
+        <a:xfrm>
+          <a:off x="0" y="0"/>
+          <a:ext cx="0" cy="0"/>
+          <a:chOff x="0" y="0"/>
+          <a:chExt cx="0" cy="0"/>
+        </a:xfrm>
+      </p:grpSpPr>
+      <p:sp>
+        <p:nvSpPr>
+          <p:cNvPr id="1048590" name="Title 1048589"/>
+          <p:cNvSpPr>
+            <a:spLocks noGrp="1"/>
+          </p:cNvSpPr>
+          <p:nvPr>
+            <p:ph type="title"/>
+          </p:nvPr>
+        </p:nvSpPr>
+        <p:spPr>
+          <a:xfrm>
+            <a:off x="510279" y="1023049"/>
+            <a:ext cx="11185331" cy="1630761"/>
+          </a:xfrm>
+        </p:spPr>
+        <p:txBody>
+          <a:bodyPr/>
+          <a:lstStyle/>
+          <a:p>
+            <a:r>
+              <a:rPr lang="zh-CN-#Hans" sz="4900" dirty="0">
+                <a:solidFill>
+                  <a:schemeClr val="accent2">
+                    <a:lumMod val="60000"/>
+                    <a:lumOff val="40000"/>
+                  </a:schemeClr>
+                </a:solidFill>
+              </a:rPr>
+              <a:t>A malicious overdraft of a fake card. </a:t>
+            </a:r>
+          </a:p>
+        </p:txBody>
+      </p:sp>
+      <p:sp>
+        <p:nvSpPr>
+          <p:cNvPr id="1048591" name="Content Placeholder 1048590"/>
+          <p:cNvSpPr>
+            <a:spLocks noGrp="1"/>
+          </p:cNvSpPr>
+          <p:nvPr>
+            <p:ph idx="1"/>
+          </p:nvPr>
+        </p:nvSpPr>
+        <p:spPr>
+          <a:xfrm>
+            <a:off x="680117" y="2392553"/>
+            <a:ext cx="11015493" cy="4226170"/>
+          </a:xfrm>
+        </p:spPr>
+        <p:txBody>
+          <a:bodyPr>
+            <a:normAutofit/>
+          </a:bodyPr>
+          <a:lstStyle/>
+          <a:p>
+            <a:pPr marL="0" indent="0">
+              <a:buNone/>
+            </a:pPr>
+            <a:r>
+              <a:rPr lang="zh-CN-#Hans" sz="3000" dirty="0">
+                <a:solidFill>
+                  <a:srgbClr val="FFFFFF"/>
+                </a:solidFill>
+              </a:rPr>
+              <a:t> Through the underground black market, your personally identifiable information is sold in large quantities to those who maliciously handle cards, defraud the bank credit after processing a variety of credit cards for malicious overdraft consumption, and then the bank directly to the owner of the default collection letter, let you pay for someone else's malicious consumption</a:t>
+            </a:r>
+          </a:p>
+        </p:txBody>
+      </p:sp>
+    </p:spTree>
+  </p:cSld>
+  <p:clrMapOvr>
+    <a:masterClrMapping/>
+  </p:clrMapOvr>
+  <p:transition spd="slow">
+    <p:push dir="u"/>
+  </p:transition>
+</p:sld>
+</file>
+
+<file path=ppt/slides/slide18.xml><?xml version="1.0" encoding="utf-8"?>
+<p:sld xmlns:a="http://schemas.openxmlformats.org/drawingml/2006/main" xmlns:r="http://schemas.openxmlformats.org/officeDocument/2006/relationships" xmlns:p="http://schemas.openxmlformats.org/presentationml/2006/main">
+  <p:cSld>
+    <p:spTree>
+      <p:nvGrpSpPr>
+        <p:cNvPr id="1" name=""/>
+        <p:cNvGrpSpPr/>
+        <p:nvPr/>
+      </p:nvGrpSpPr>
+      <p:grpSpPr>
+        <a:xfrm>
+          <a:off x="0" y="0"/>
+          <a:ext cx="0" cy="0"/>
+          <a:chOff x="0" y="0"/>
+          <a:chExt cx="0" cy="0"/>
+        </a:xfrm>
+      </p:grpSpPr>
+      <p:sp>
+        <p:nvSpPr>
+          <p:cNvPr id="1048589" name="Content Placeholder 1048588"/>
+          <p:cNvSpPr>
+            <a:spLocks noGrp="1"/>
+          </p:cNvSpPr>
+          <p:nvPr>
+            <p:ph idx="1"/>
+          </p:nvPr>
+        </p:nvSpPr>
+        <p:spPr>
+          <a:xfrm>
+            <a:off x="464570" y="3191772"/>
+            <a:ext cx="11454448" cy="2954511"/>
+          </a:xfrm>
+        </p:spPr>
+        <p:txBody>
+          <a:bodyPr/>
+          <a:lstStyle/>
+          <a:p>
+            <a:pPr marL="0" indent="0">
+              <a:buNone/>
+            </a:pPr>
+            <a:r>
+              <a:rPr lang="zh-CN-#Hans" sz="3000" dirty="0"/>
+              <a:t> Unlawful elements use these personal privacy, especially the specific opening information, hotel video theft, tracking and stealing, financial lure, PS yellow photos, design traps and other illegal means to seize, extort money, to personal safety and family stability bring great hidden dangers</a:t>
+            </a:r>
+          </a:p>
+        </p:txBody>
+      </p:sp>
+      <p:sp>
+        <p:nvSpPr>
+          <p:cNvPr id="4" name="Title 1048589">
+            <a:extLst>
+              <a:ext uri="{FF2B5EF4-FFF2-40B4-BE49-F238E27FC236}">
+                <a16:creationId xmlns:a16="http://schemas.microsoft.com/office/drawing/2014/main" id="{94281296-D944-448F-883E-DAB6BC5C6065}"/>
+              </a:ext>
+            </a:extLst>
+          </p:cNvPr>
+          <p:cNvSpPr txBox="1">
+            <a:spLocks/>
+          </p:cNvSpPr>
+          <p:nvPr/>
+        </p:nvSpPr>
+        <p:spPr>
+          <a:xfrm>
+            <a:off x="823787" y="665997"/>
+            <a:ext cx="11185331" cy="1630761"/>
           </a:xfrm>
           <a:prstGeom prst="rect">
             <a:avLst/>
@@ -10909,27 +11928,89 @@
           </a:lstStyle>
           <a:p>
             <a:r>
-              <a:rPr lang="en-US" altLang="zh-CN" dirty="0" smtClean="0">
+              <a:rPr lang="en-US" altLang="zh-CN" sz="5400" dirty="0">
                 <a:solidFill>
-                  <a:schemeClr val="bg2">
-                    <a:lumMod val="60000"/>
-                    <a:lumOff val="40000"/>
-                  </a:schemeClr>
+                  <a:srgbClr val="CC99FF"/>
                 </a:solidFill>
               </a:rPr>
-              <a:t>How much </a:t>
-            </a:r>
-            <a:r>
-              <a:rPr lang="en-US" altLang="zh-CN" dirty="0" smtClean="0"/>
-              <a:t>data has been generated by you so far?</a:t>
-            </a:r>
-            <a:endParaRPr lang="zh-CN" altLang="en-US" dirty="0"/>
-          </a:p>
-        </p:txBody>
-      </p:sp>
-      <p:sp>
-        <p:nvSpPr>
-          <p:cNvPr id="7" name="标题 1"/>
+              <a:t>Personal safety can not be guaranteed. </a:t>
+            </a:r>
+            <a:endParaRPr lang="zh-CN-#Hans" sz="4900" dirty="0">
+              <a:solidFill>
+                <a:schemeClr val="accent2">
+                  <a:lumMod val="60000"/>
+                  <a:lumOff val="40000"/>
+                </a:schemeClr>
+              </a:solidFill>
+            </a:endParaRPr>
+          </a:p>
+        </p:txBody>
+      </p:sp>
+    </p:spTree>
+  </p:cSld>
+  <p:clrMapOvr>
+    <a:masterClrMapping/>
+  </p:clrMapOvr>
+  <p:transition spd="slow">
+    <p:push dir="u"/>
+  </p:transition>
+</p:sld>
+</file>
+
+<file path=ppt/slides/slide19.xml><?xml version="1.0" encoding="utf-8"?>
+<p:sld xmlns:a="http://schemas.openxmlformats.org/drawingml/2006/main" xmlns:r="http://schemas.openxmlformats.org/officeDocument/2006/relationships" xmlns:p="http://schemas.openxmlformats.org/presentationml/2006/main">
+  <p:cSld>
+    <p:spTree>
+      <p:nvGrpSpPr>
+        <p:cNvPr id="1" name=""/>
+        <p:cNvGrpSpPr/>
+        <p:nvPr/>
+      </p:nvGrpSpPr>
+      <p:grpSpPr>
+        <a:xfrm>
+          <a:off x="0" y="0"/>
+          <a:ext cx="0" cy="0"/>
+          <a:chOff x="0" y="0"/>
+          <a:chExt cx="0" cy="0"/>
+        </a:xfrm>
+      </p:grpSpPr>
+      <p:sp>
+        <p:nvSpPr>
+          <p:cNvPr id="1048733" name="Content Placeholder 1048732"/>
+          <p:cNvSpPr>
+            <a:spLocks noGrp="1"/>
+          </p:cNvSpPr>
+          <p:nvPr>
+            <p:ph idx="1"/>
+          </p:nvPr>
+        </p:nvSpPr>
+        <p:spPr>
+          <a:xfrm>
+            <a:off x="441460" y="2453513"/>
+            <a:ext cx="11524117" cy="4019469"/>
+          </a:xfrm>
+        </p:spPr>
+        <p:txBody>
+          <a:bodyPr/>
+          <a:lstStyle/>
+          <a:p>
+            <a:r>
+              <a:rPr lang="en-US" altLang="zh-CN" sz="3300" dirty="0"/>
+              <a:t>By collecting your information, documenting your habits, and using it as a basis to recommend certain articles and videos to guide and even control your thoughts, the consequences are unimaginable</a:t>
+            </a:r>
+            <a:endParaRPr lang="zh-CN-#Hans" sz="3300" dirty="0"/>
+          </a:p>
+        </p:txBody>
+      </p:sp>
+      <p:sp>
+        <p:nvSpPr>
+          <p:cNvPr id="4" name="Title 1048589">
+            <a:extLst>
+              <a:ext uri="{FF2B5EF4-FFF2-40B4-BE49-F238E27FC236}">
+                <a16:creationId xmlns:a16="http://schemas.microsoft.com/office/drawing/2014/main" id="{6B6470CB-127A-4DD9-A69D-74051AC57989}"/>
+              </a:ext>
+            </a:extLst>
+          </p:cNvPr>
           <p:cNvSpPr txBox="1">
             <a:spLocks/>
           </p:cNvSpPr>
@@ -10937,8 +12018,8 @@
         </p:nvSpPr>
         <p:spPr>
           <a:xfrm>
-            <a:off x="789135" y="2824856"/>
-            <a:ext cx="10668574" cy="1610139"/>
+            <a:off x="2556793" y="907533"/>
+            <a:ext cx="9757127" cy="1267305"/>
           </a:xfrm>
           <a:prstGeom prst="rect">
             <a:avLst/>
@@ -11022,36 +12103,729 @@
           </a:lstStyle>
           <a:p>
             <a:r>
-              <a:rPr lang="en-US" altLang="zh-CN" dirty="0" smtClean="0"/>
-              <a:t>What </a:t>
-            </a:r>
-            <a:r>
-              <a:rPr lang="en-US" altLang="zh-CN" dirty="0" smtClean="0">
+              <a:rPr lang="en-US" altLang="zh-CN" sz="5400" dirty="0">
                 <a:solidFill>
-                  <a:schemeClr val="accent3"/>
+                  <a:srgbClr val="FF9900"/>
                 </a:solidFill>
               </a:rPr>
-              <a:t>kind of data </a:t>
-            </a:r>
-            <a:r>
-              <a:rPr lang="en-US" altLang="zh-CN" dirty="0" smtClean="0"/>
-              <a:t>do tech giants take from you?</a:t>
-            </a:r>
-            <a:endParaRPr lang="zh-CN" altLang="en-US" dirty="0"/>
-          </a:p>
-        </p:txBody>
-      </p:sp>
-      <p:sp>
-        <p:nvSpPr>
-          <p:cNvPr id="8" name="标题 1"/>
-          <p:cNvSpPr txBox="1">
-            <a:spLocks/>
-          </p:cNvSpPr>
+              <a:t>Control your mind. </a:t>
+            </a:r>
+            <a:endParaRPr lang="zh-CN-#Hans" sz="4900" dirty="0">
+              <a:solidFill>
+                <a:schemeClr val="accent2">
+                  <a:lumMod val="60000"/>
+                  <a:lumOff val="40000"/>
+                </a:schemeClr>
+              </a:solidFill>
+            </a:endParaRPr>
+          </a:p>
+        </p:txBody>
+      </p:sp>
+    </p:spTree>
+  </p:cSld>
+  <p:clrMapOvr>
+    <a:masterClrMapping/>
+  </p:clrMapOvr>
+  <p:transition spd="slow">
+    <p:push dir="u"/>
+  </p:transition>
+</p:sld>
+</file>
+
+<file path=ppt/slides/slide2.xml><?xml version="1.0" encoding="utf-8"?>
+<p:sld xmlns:a="http://schemas.openxmlformats.org/drawingml/2006/main" xmlns:r="http://schemas.openxmlformats.org/officeDocument/2006/relationships" xmlns:p="http://schemas.openxmlformats.org/presentationml/2006/main">
+  <p:cSld>
+    <p:spTree>
+      <p:nvGrpSpPr>
+        <p:cNvPr id="1" name=""/>
+        <p:cNvGrpSpPr/>
+        <p:nvPr/>
+      </p:nvGrpSpPr>
+      <p:grpSpPr>
+        <a:xfrm>
+          <a:off x="0" y="0"/>
+          <a:ext cx="0" cy="0"/>
+          <a:chOff x="0" y="0"/>
+          <a:chExt cx="0" cy="0"/>
+        </a:xfrm>
+      </p:grpSpPr>
+      <p:sp>
+        <p:nvSpPr>
+          <p:cNvPr id="1048604" name="文本框 1"/>
+          <p:cNvSpPr txBox="1"/>
           <p:nvPr/>
         </p:nvSpPr>
         <p:spPr>
           <a:xfrm>
-            <a:off x="789135" y="4434995"/>
+            <a:off x="437321" y="1656522"/>
+            <a:ext cx="11396869" cy="1513840"/>
+          </a:xfrm>
+          <a:prstGeom prst="rect">
+            <a:avLst/>
+          </a:prstGeom>
+          <a:noFill/>
+        </p:spPr>
+        <p:txBody>
+          <a:bodyPr wrap="square" rtlCol="0">
+            <a:spAutoFit/>
+          </a:bodyPr>
+          <a:lstStyle/>
+          <a:p>
+            <a:r>
+              <a:rPr lang="en-US" altLang="zh-CN" sz="2400" dirty="0"/>
+              <a:t>Privacy is not just something we enjoy. It is something that is </a:t>
+            </a:r>
+            <a:r>
+              <a:rPr lang="en-US" altLang="zh-CN" sz="2400" dirty="0">
+                <a:solidFill>
+                  <a:schemeClr val="accent3">
+                    <a:lumMod val="60000"/>
+                    <a:lumOff val="40000"/>
+                  </a:schemeClr>
+                </a:solidFill>
+              </a:rPr>
+              <a:t>necessary</a:t>
+            </a:r>
+            <a:r>
+              <a:rPr lang="en-US" altLang="zh-CN" sz="2400" dirty="0"/>
+              <a:t> for us to: </a:t>
+            </a:r>
+            <a:r>
+              <a:rPr lang="en-US" altLang="zh-CN" sz="2400" dirty="0">
+                <a:solidFill>
+                  <a:schemeClr val="accent3">
+                    <a:lumMod val="60000"/>
+                    <a:lumOff val="40000"/>
+                  </a:schemeClr>
+                </a:solidFill>
+              </a:rPr>
+              <a:t>develop who we are</a:t>
+            </a:r>
+            <a:r>
+              <a:rPr lang="en-US" altLang="zh-CN" sz="2400" dirty="0"/>
+              <a:t>; </a:t>
+            </a:r>
+            <a:r>
+              <a:rPr lang="en-US" altLang="zh-CN" sz="2400" dirty="0">
+                <a:solidFill>
+                  <a:schemeClr val="accent3">
+                    <a:lumMod val="60000"/>
+                    <a:lumOff val="40000"/>
+                  </a:schemeClr>
+                </a:solidFill>
+              </a:rPr>
+              <a:t>form an identity </a:t>
+            </a:r>
+            <a:r>
+              <a:rPr lang="en-US" altLang="zh-CN" sz="2400" dirty="0"/>
+              <a:t>that is not dictated by the social conditions that directly or indirectly influence our thinking, decisions, and behaviors; and </a:t>
+            </a:r>
+            <a:r>
+              <a:rPr lang="en-US" altLang="zh-CN" sz="2400" dirty="0">
+                <a:solidFill>
+                  <a:schemeClr val="accent3">
+                    <a:lumMod val="60000"/>
+                    <a:lumOff val="40000"/>
+                  </a:schemeClr>
+                </a:solidFill>
+              </a:rPr>
+              <a:t>decide what type of society we want to live in</a:t>
+            </a:r>
+            <a:r>
+              <a:rPr lang="en-US" altLang="zh-CN" sz="2400" dirty="0"/>
+              <a:t>. </a:t>
+            </a:r>
+          </a:p>
+        </p:txBody>
+      </p:sp>
+      <p:sp>
+        <p:nvSpPr>
+          <p:cNvPr id="1048605" name="圆角矩形 2"/>
+          <p:cNvSpPr/>
+          <p:nvPr/>
+        </p:nvSpPr>
+        <p:spPr>
+          <a:xfrm>
+            <a:off x="7176654" y="6248399"/>
+            <a:ext cx="4613563" cy="429491"/>
+          </a:xfrm>
+          <a:prstGeom prst="roundRect">
+            <a:avLst/>
+          </a:prstGeom>
+          <a:noFill/>
+          <a:ln>
+            <a:solidFill>
+              <a:schemeClr val="accent5"/>
+            </a:solidFill>
+          </a:ln>
+        </p:spPr>
+        <p:style>
+          <a:lnRef idx="2">
+            <a:schemeClr val="accent1">
+              <a:shade val="50000"/>
+            </a:schemeClr>
+          </a:lnRef>
+          <a:fillRef idx="1">
+            <a:schemeClr val="accent1"/>
+          </a:fillRef>
+          <a:effectRef idx="0">
+            <a:schemeClr val="accent1"/>
+          </a:effectRef>
+          <a:fontRef idx="minor">
+            <a:schemeClr val="lt1"/>
+          </a:fontRef>
+        </p:style>
+        <p:txBody>
+          <a:bodyPr rtlCol="0" anchor="ctr"/>
+          <a:lstStyle/>
+          <a:p>
+            <a:pPr algn="ctr"/>
+            <a:r>
+              <a:rPr lang="en-US" altLang="zh-CN" dirty="0"/>
+              <a:t>Quote from </a:t>
+            </a:r>
+            <a:r>
+              <a:rPr lang="en-US" altLang="zh-CN" dirty="0">
+                <a:hlinkClick r:id="rId2"/>
+              </a:rPr>
+              <a:t>theAtlantic.com</a:t>
+            </a:r>
+            <a:endParaRPr lang="zh-CN" altLang="en-US" dirty="0"/>
+          </a:p>
+        </p:txBody>
+      </p:sp>
+      <p:sp>
+        <p:nvSpPr>
+          <p:cNvPr id="1048606" name="矩形 3"/>
+          <p:cNvSpPr/>
+          <p:nvPr/>
+        </p:nvSpPr>
+        <p:spPr>
+          <a:xfrm>
+            <a:off x="437321" y="3332199"/>
+            <a:ext cx="11352896" cy="1513840"/>
+          </a:xfrm>
+          <a:prstGeom prst="rect">
+            <a:avLst/>
+          </a:prstGeom>
+        </p:spPr>
+        <p:txBody>
+          <a:bodyPr wrap="square">
+            <a:spAutoFit/>
+          </a:bodyPr>
+          <a:lstStyle/>
+          <a:p>
+            <a:r>
+              <a:rPr lang="en-US" altLang="zh-CN" sz="2400" dirty="0"/>
+              <a:t>Whether we like it or not constant data collection about everything we do </a:t>
+            </a:r>
+            <a:r>
+              <a:rPr lang="en-US" altLang="zh-CN" sz="2400" dirty="0">
+                <a:solidFill>
+                  <a:schemeClr val="bg2">
+                    <a:lumMod val="60000"/>
+                    <a:lumOff val="40000"/>
+                  </a:schemeClr>
+                </a:solidFill>
+              </a:rPr>
+              <a:t>shapes and produces our actions</a:t>
+            </a:r>
+            <a:r>
+              <a:rPr lang="en-US" altLang="zh-CN" sz="2400" dirty="0"/>
+              <a:t>. We are different people when under surveillance than we are when enjoying some privacy. And the breathing room provided by </a:t>
+            </a:r>
+            <a:r>
+              <a:rPr lang="en-US" altLang="zh-CN" sz="2400" dirty="0">
+                <a:solidFill>
+                  <a:schemeClr val="accent6">
+                    <a:lumMod val="40000"/>
+                    <a:lumOff val="60000"/>
+                  </a:schemeClr>
+                </a:solidFill>
+              </a:rPr>
+              <a:t>privacy is essential to being a complete, fulfilled person</a:t>
+            </a:r>
+            <a:r>
+              <a:rPr lang="en-US" altLang="zh-CN" sz="2400" dirty="0"/>
+              <a:t>.</a:t>
+            </a:r>
+            <a:endParaRPr lang="zh-CN" altLang="en-US" sz="2400" dirty="0"/>
+          </a:p>
+        </p:txBody>
+      </p:sp>
+    </p:spTree>
+  </p:cSld>
+  <p:clrMapOvr>
+    <a:masterClrMapping/>
+  </p:clrMapOvr>
+  <p:transition spd="med">
+    <p:push dir="u"/>
+  </p:transition>
+  <p:timing>
+    <p:tnLst>
+      <p:par>
+        <p:cTn id="1" dur="indefinite" restart="never" nodeType="tmRoot">
+          <p:childTnLst>
+            <p:seq concurrent="1" nextAc="seek">
+              <p:cTn id="2" dur="indefinite" nodeType="mainSeq">
+                <p:childTnLst>
+                  <p:par>
+                    <p:cTn id="3" fill="hold">
+                      <p:stCondLst>
+                        <p:cond delay="indefinite"/>
+                      </p:stCondLst>
+                      <p:childTnLst>
+                        <p:par>
+                          <p:cTn id="4" fill="hold">
+                            <p:stCondLst>
+                              <p:cond delay="0"/>
+                            </p:stCondLst>
+                            <p:childTnLst>
+                              <p:par>
+                                <p:cTn id="5" presetID="10" presetClass="entr" presetSubtype="0" fill="hold" grpId="0" nodeType="clickEffect">
+                                  <p:stCondLst>
+                                    <p:cond delay="0"/>
+                                  </p:stCondLst>
+                                  <p:childTnLst>
+                                    <p:set>
+                                      <p:cBhvr>
+                                        <p:cTn id="6" dur="1" fill="hold">
+                                          <p:stCondLst>
+                                            <p:cond delay="0"/>
+                                          </p:stCondLst>
+                                        </p:cTn>
+                                        <p:tgtEl>
+                                          <p:spTgt spid="1048606"/>
+                                        </p:tgtEl>
+                                        <p:attrNameLst>
+                                          <p:attrName>style.visibility</p:attrName>
+                                        </p:attrNameLst>
+                                      </p:cBhvr>
+                                      <p:to>
+                                        <p:strVal val="visible"/>
+                                      </p:to>
+                                    </p:set>
+                                    <p:animEffect transition="in" filter="fade">
+                                      <p:cBhvr>
+                                        <p:cTn id="7" dur="500"/>
+                                        <p:tgtEl>
+                                          <p:spTgt spid="1048606"/>
+                                        </p:tgtEl>
+                                      </p:cBhvr>
+                                    </p:animEffect>
+                                  </p:childTnLst>
+                                </p:cTn>
+                              </p:par>
+                            </p:childTnLst>
+                          </p:cTn>
+                        </p:par>
+                      </p:childTnLst>
+                    </p:cTn>
+                  </p:par>
+                </p:childTnLst>
+              </p:cTn>
+              <p:prevCondLst>
+                <p:cond evt="onPrev" delay="0">
+                  <p:tgtEl>
+                    <p:sldTgt/>
+                  </p:tgtEl>
+                </p:cond>
+              </p:prevCondLst>
+              <p:nextCondLst>
+                <p:cond evt="onNext" delay="0">
+                  <p:tgtEl>
+                    <p:sldTgt/>
+                  </p:tgtEl>
+                </p:cond>
+              </p:nextCondLst>
+            </p:seq>
+          </p:childTnLst>
+        </p:cTn>
+      </p:par>
+    </p:tnLst>
+    <p:bldLst>
+      <p:bldP spid="1048606" grpId="0"/>
+    </p:bldLst>
+  </p:timing>
+</p:sld>
+</file>
+
+<file path=ppt/slides/slide20.xml><?xml version="1.0" encoding="utf-8"?>
+<p:sld xmlns:a="http://schemas.openxmlformats.org/drawingml/2006/main" xmlns:r="http://schemas.openxmlformats.org/officeDocument/2006/relationships" xmlns:p="http://schemas.openxmlformats.org/presentationml/2006/main">
+  <p:cSld>
+    <p:spTree>
+      <p:nvGrpSpPr>
+        <p:cNvPr id="1" name=""/>
+        <p:cNvGrpSpPr/>
+        <p:nvPr/>
+      </p:nvGrpSpPr>
+      <p:grpSpPr>
+        <a:xfrm>
+          <a:off x="0" y="0"/>
+          <a:ext cx="0" cy="0"/>
+          <a:chOff x="0" y="0"/>
+          <a:chExt cx="0" cy="0"/>
+        </a:xfrm>
+      </p:grpSpPr>
+      <p:sp>
+        <p:nvSpPr>
+          <p:cNvPr id="1048736" name="Content Placeholder 1048735"/>
+          <p:cNvSpPr>
+            <a:spLocks noGrp="1"/>
+          </p:cNvSpPr>
+          <p:nvPr>
+            <p:ph idx="1"/>
+          </p:nvPr>
+        </p:nvSpPr>
+        <p:spPr>
+          <a:xfrm>
+            <a:off x="389209" y="2140003"/>
+            <a:ext cx="11646037" cy="4034373"/>
+          </a:xfrm>
+        </p:spPr>
+        <p:txBody>
+          <a:bodyPr/>
+          <a:lstStyle/>
+          <a:p>
+            <a:r>
+              <a:rPr lang="en-US" altLang="zh-CN" sz="4700" dirty="0"/>
+              <a:t>There are many other big and small harms, time relationship, no longer one to repeat.</a:t>
+            </a:r>
+            <a:endParaRPr lang="zh-CN-#Hans" sz="4700" dirty="0"/>
+          </a:p>
+        </p:txBody>
+      </p:sp>
+    </p:spTree>
+  </p:cSld>
+  <p:clrMapOvr>
+    <a:masterClrMapping/>
+  </p:clrMapOvr>
+  <p:transition spd="slow">
+    <p:push dir="u"/>
+  </p:transition>
+</p:sld>
+</file>
+
+<file path=ppt/slides/slide21.xml><?xml version="1.0" encoding="utf-8"?>
+<p:sld xmlns:a="http://schemas.openxmlformats.org/drawingml/2006/main" xmlns:r="http://schemas.openxmlformats.org/officeDocument/2006/relationships" xmlns:p="http://schemas.openxmlformats.org/presentationml/2006/main" show="0">
+  <p:cSld>
+    <p:spTree>
+      <p:nvGrpSpPr>
+        <p:cNvPr id="1" name=""/>
+        <p:cNvGrpSpPr/>
+        <p:nvPr/>
+      </p:nvGrpSpPr>
+      <p:grpSpPr>
+        <a:xfrm>
+          <a:off x="0" y="0"/>
+          <a:ext cx="0" cy="0"/>
+          <a:chOff x="0" y="0"/>
+          <a:chExt cx="0" cy="0"/>
+        </a:xfrm>
+      </p:grpSpPr>
+      <p:pic>
+        <p:nvPicPr>
+          <p:cNvPr id="3" name="Picture 2">
+            <a:extLst>
+              <a:ext uri="{FF2B5EF4-FFF2-40B4-BE49-F238E27FC236}">
+                <a16:creationId xmlns:a16="http://schemas.microsoft.com/office/drawing/2014/main" id="{B36C6258-ED83-44D9-82C4-901CB3A22F35}"/>
+              </a:ext>
+            </a:extLst>
+          </p:cNvPr>
+          <p:cNvPicPr>
+            <a:picLocks noChangeAspect="1"/>
+          </p:cNvPicPr>
+          <p:nvPr/>
+        </p:nvPicPr>
+        <p:blipFill>
+          <a:blip r:embed="rId2"/>
+          <a:stretch>
+            <a:fillRect/>
+          </a:stretch>
+        </p:blipFill>
+        <p:spPr>
+          <a:xfrm>
+            <a:off x="0" y="0"/>
+            <a:ext cx="12192000" cy="6858000"/>
+          </a:xfrm>
+          <a:prstGeom prst="rect">
+            <a:avLst/>
+          </a:prstGeom>
+        </p:spPr>
+      </p:pic>
+    </p:spTree>
+    <p:extLst>
+      <p:ext uri="{BB962C8B-B14F-4D97-AF65-F5344CB8AC3E}">
+        <p14:creationId xmlns:p14="http://schemas.microsoft.com/office/powerpoint/2010/main" val="3551204622"/>
+      </p:ext>
+    </p:extLst>
+  </p:cSld>
+  <p:clrMapOvr>
+    <a:masterClrMapping/>
+  </p:clrMapOvr>
+  <mc:AlternateContent xmlns:mc="http://schemas.openxmlformats.org/markup-compatibility/2006">
+    <mc:Choice xmlns:p14="http://schemas.microsoft.com/office/powerpoint/2010/main" Requires="p14">
+      <p:transition spd="slow" p14:dur="2000">
+        <p14:reveal/>
+      </p:transition>
+    </mc:Choice>
+    <mc:Fallback>
+      <p:transition spd="slow">
+        <p:fade/>
+      </p:transition>
+    </mc:Fallback>
+  </mc:AlternateContent>
+</p:sld>
+</file>
+
+<file path=ppt/slides/slide22.xml><?xml version="1.0" encoding="utf-8"?>
+<p:sld xmlns:a="http://schemas.openxmlformats.org/drawingml/2006/main" xmlns:r="http://schemas.openxmlformats.org/officeDocument/2006/relationships" xmlns:p="http://schemas.openxmlformats.org/presentationml/2006/main">
+  <p:cSld>
+    <p:spTree>
+      <p:nvGrpSpPr>
+        <p:cNvPr id="1" name=""/>
+        <p:cNvGrpSpPr/>
+        <p:nvPr/>
+      </p:nvGrpSpPr>
+      <p:grpSpPr>
+        <a:xfrm>
+          <a:off x="0" y="0"/>
+          <a:ext cx="0" cy="0"/>
+          <a:chOff x="0" y="0"/>
+          <a:chExt cx="0" cy="0"/>
+        </a:xfrm>
+      </p:grpSpPr>
+      <p:sp>
+        <p:nvSpPr>
+          <p:cNvPr id="2" name="TextBox 1">
+            <a:extLst>
+              <a:ext uri="{FF2B5EF4-FFF2-40B4-BE49-F238E27FC236}">
+                <a16:creationId xmlns:a16="http://schemas.microsoft.com/office/drawing/2014/main" id="{079EEB0E-1FA7-4F7D-B68D-DA85EF8D2B41}"/>
+              </a:ext>
+            </a:extLst>
+          </p:cNvPr>
+          <p:cNvSpPr txBox="1"/>
+          <p:nvPr/>
+        </p:nvSpPr>
+        <p:spPr>
+          <a:xfrm>
+            <a:off x="805542" y="1227910"/>
+            <a:ext cx="10232571" cy="769441"/>
+          </a:xfrm>
+          <a:prstGeom prst="rect">
+            <a:avLst/>
+          </a:prstGeom>
+          <a:noFill/>
+        </p:spPr>
+        <p:txBody>
+          <a:bodyPr wrap="square" rtlCol="0">
+            <a:spAutoFit/>
+          </a:bodyPr>
+          <a:lstStyle/>
+          <a:p>
+            <a:pPr algn="ctr"/>
+            <a:r>
+              <a:rPr lang="en-US" altLang="zh-CN" sz="4400" dirty="0"/>
+              <a:t>Thank you!</a:t>
+            </a:r>
+          </a:p>
+        </p:txBody>
+      </p:sp>
+      <p:sp>
+        <p:nvSpPr>
+          <p:cNvPr id="3" name="TextBox 2">
+            <a:extLst>
+              <a:ext uri="{FF2B5EF4-FFF2-40B4-BE49-F238E27FC236}">
+                <a16:creationId xmlns:a16="http://schemas.microsoft.com/office/drawing/2014/main" id="{2B166647-C6C5-45AD-B4A5-3CD2BA1B6646}"/>
+              </a:ext>
+            </a:extLst>
+          </p:cNvPr>
+          <p:cNvSpPr txBox="1"/>
+          <p:nvPr/>
+        </p:nvSpPr>
+        <p:spPr>
+          <a:xfrm>
+            <a:off x="1132112" y="3752333"/>
+            <a:ext cx="5599612" cy="1569660"/>
+          </a:xfrm>
+          <a:prstGeom prst="rect">
+            <a:avLst/>
+          </a:prstGeom>
+          <a:noFill/>
+        </p:spPr>
+        <p:txBody>
+          <a:bodyPr wrap="square" rtlCol="0">
+            <a:spAutoFit/>
+          </a:bodyPr>
+          <a:lstStyle/>
+          <a:p>
+            <a:r>
+              <a:rPr lang="en-US" altLang="zh-CN" sz="2400" dirty="0">
+                <a:solidFill>
+                  <a:schemeClr val="bg2">
+                    <a:lumMod val="20000"/>
+                    <a:lumOff val="80000"/>
+                  </a:schemeClr>
+                </a:solidFill>
+              </a:rPr>
+              <a:t>Privacy.pptx </a:t>
+            </a:r>
+            <a:r>
+              <a:rPr lang="en-US" altLang="zh-CN" sz="2400" dirty="0"/>
+              <a:t>made in collaboration with</a:t>
+            </a:r>
+          </a:p>
+          <a:p>
+            <a:endParaRPr lang="en-US" altLang="zh-CN" sz="2400" dirty="0"/>
+          </a:p>
+          <a:p>
+            <a:r>
+              <a:rPr lang="zh-CN" altLang="en-US" sz="2400" dirty="0"/>
+              <a:t>郎旺，杨则昕，郑语初</a:t>
+            </a:r>
+            <a:r>
+              <a:rPr lang="en-US" altLang="zh-CN" sz="2400" dirty="0"/>
+              <a:t>.</a:t>
+            </a:r>
+            <a:endParaRPr lang="zh-CN" altLang="en-US" sz="2400" dirty="0"/>
+          </a:p>
+        </p:txBody>
+      </p:sp>
+      <p:sp>
+        <p:nvSpPr>
+          <p:cNvPr id="6" name="TextBox 5">
+            <a:extLst>
+              <a:ext uri="{FF2B5EF4-FFF2-40B4-BE49-F238E27FC236}">
+                <a16:creationId xmlns:a16="http://schemas.microsoft.com/office/drawing/2014/main" id="{90631777-952B-4622-807B-416219CDAAFF}"/>
+              </a:ext>
+            </a:extLst>
+          </p:cNvPr>
+          <p:cNvSpPr txBox="1"/>
+          <p:nvPr/>
+        </p:nvSpPr>
+        <p:spPr>
+          <a:xfrm>
+            <a:off x="7741919" y="4306332"/>
+            <a:ext cx="3735977" cy="461665"/>
+          </a:xfrm>
+          <a:prstGeom prst="rect">
+            <a:avLst/>
+          </a:prstGeom>
+          <a:noFill/>
+        </p:spPr>
+        <p:txBody>
+          <a:bodyPr wrap="square" rtlCol="0">
+            <a:spAutoFit/>
+          </a:bodyPr>
+          <a:lstStyle/>
+          <a:p>
+            <a:r>
+              <a:rPr lang="en-US" altLang="zh-CN" sz="2400" dirty="0">
+                <a:hlinkClick r:id="rId2" action="ppaction://hlinksldjump"/>
+              </a:rPr>
+              <a:t>Bonus content here</a:t>
+            </a:r>
+            <a:endParaRPr lang="zh-CN" altLang="en-US" sz="2400" dirty="0"/>
+          </a:p>
+        </p:txBody>
+      </p:sp>
+      <p:cxnSp>
+        <p:nvCxnSpPr>
+          <p:cNvPr id="8" name="Straight Connector 7">
+            <a:extLst>
+              <a:ext uri="{FF2B5EF4-FFF2-40B4-BE49-F238E27FC236}">
+                <a16:creationId xmlns:a16="http://schemas.microsoft.com/office/drawing/2014/main" id="{0545C4F5-32E2-4874-BBDB-573C30A736D0}"/>
+              </a:ext>
+            </a:extLst>
+          </p:cNvPr>
+          <p:cNvCxnSpPr>
+            <a:cxnSpLocks/>
+          </p:cNvCxnSpPr>
+          <p:nvPr/>
+        </p:nvCxnSpPr>
+        <p:spPr>
+          <a:xfrm>
+            <a:off x="6801394" y="3248295"/>
+            <a:ext cx="0" cy="2577737"/>
+          </a:xfrm>
+          <a:prstGeom prst="line">
+            <a:avLst/>
+          </a:prstGeom>
+          <a:ln w="76200">
+            <a:solidFill>
+              <a:schemeClr val="accent6">
+                <a:lumMod val="60000"/>
+                <a:lumOff val="40000"/>
+              </a:schemeClr>
+            </a:solidFill>
+          </a:ln>
+        </p:spPr>
+        <p:style>
+          <a:lnRef idx="1">
+            <a:schemeClr val="accent1"/>
+          </a:lnRef>
+          <a:fillRef idx="0">
+            <a:schemeClr val="accent1"/>
+          </a:fillRef>
+          <a:effectRef idx="0">
+            <a:schemeClr val="accent1"/>
+          </a:effectRef>
+          <a:fontRef idx="minor">
+            <a:schemeClr val="tx1"/>
+          </a:fontRef>
+        </p:style>
+      </p:cxnSp>
+    </p:spTree>
+    <p:extLst>
+      <p:ext uri="{BB962C8B-B14F-4D97-AF65-F5344CB8AC3E}">
+        <p14:creationId xmlns:p14="http://schemas.microsoft.com/office/powerpoint/2010/main" val="3284122594"/>
+      </p:ext>
+    </p:extLst>
+  </p:cSld>
+  <p:clrMapOvr>
+    <a:masterClrMapping/>
+  </p:clrMapOvr>
+  <mc:AlternateContent xmlns:mc="http://schemas.openxmlformats.org/markup-compatibility/2006">
+    <mc:Choice xmlns:p14="http://schemas.microsoft.com/office/powerpoint/2010/main" Requires="p14">
+      <p:transition spd="slow" p14:dur="1500">
+        <p:split orient="vert"/>
+      </p:transition>
+    </mc:Choice>
+    <mc:Fallback>
+      <p:transition spd="slow">
+        <p:split orient="vert"/>
+      </p:transition>
+    </mc:Fallback>
+  </mc:AlternateContent>
+</p:sld>
+</file>
+
+<file path=ppt/slides/slide3.xml><?xml version="1.0" encoding="utf-8"?>
+<p:sld xmlns:a="http://schemas.openxmlformats.org/drawingml/2006/main" xmlns:r="http://schemas.openxmlformats.org/officeDocument/2006/relationships" xmlns:p="http://schemas.openxmlformats.org/presentationml/2006/main">
+  <p:cSld>
+    <p:spTree>
+      <p:nvGrpSpPr>
+        <p:cNvPr id="1" name=""/>
+        <p:cNvGrpSpPr/>
+        <p:nvPr/>
+      </p:nvGrpSpPr>
+      <p:grpSpPr>
+        <a:xfrm>
+          <a:off x="0" y="0"/>
+          <a:ext cx="0" cy="0"/>
+          <a:chOff x="0" y="0"/>
+          <a:chExt cx="0" cy="0"/>
+        </a:xfrm>
+      </p:grpSpPr>
+      <p:sp>
+        <p:nvSpPr>
+          <p:cNvPr id="1048607" name="标题 1"/>
+          <p:cNvSpPr txBox="1"/>
+          <p:nvPr/>
+        </p:nvSpPr>
+        <p:spPr>
+          <a:xfrm>
+            <a:off x="789135" y="1214717"/>
             <a:ext cx="10668574" cy="1610139"/>
           </a:xfrm>
           <a:prstGeom prst="rect">
@@ -11136,15 +12910,234 @@
           </a:lstStyle>
           <a:p>
             <a:r>
-              <a:rPr lang="en-US" altLang="zh-CN" dirty="0" smtClean="0"/>
-              <a:t>And what does anything </a:t>
+              <a:rPr lang="en-US" altLang="zh-CN" dirty="0">
+                <a:solidFill>
+                  <a:schemeClr val="bg2">
+                    <a:lumMod val="60000"/>
+                    <a:lumOff val="40000"/>
+                  </a:schemeClr>
+                </a:solidFill>
+              </a:rPr>
+              <a:t>How much </a:t>
             </a:r>
             <a:r>
               <a:rPr lang="en-US" altLang="zh-CN" dirty="0"/>
-              <a:t>above </a:t>
-            </a:r>
-            <a:r>
-              <a:rPr lang="en-US" altLang="zh-CN" dirty="0" smtClean="0">
+              <a:t>data has been generated by you so far?</a:t>
+            </a:r>
+            <a:endParaRPr lang="zh-CN" altLang="en-US" dirty="0"/>
+          </a:p>
+        </p:txBody>
+      </p:sp>
+      <p:sp>
+        <p:nvSpPr>
+          <p:cNvPr id="1048608" name="标题 1"/>
+          <p:cNvSpPr txBox="1"/>
+          <p:nvPr/>
+        </p:nvSpPr>
+        <p:spPr>
+          <a:xfrm>
+            <a:off x="789135" y="2824856"/>
+            <a:ext cx="10668574" cy="1610139"/>
+          </a:xfrm>
+          <a:prstGeom prst="rect">
+            <a:avLst/>
+          </a:prstGeom>
+        </p:spPr>
+        <p:txBody>
+          <a:bodyPr vert="horz" lIns="91440" tIns="45720" rIns="91440" bIns="45720" rtlCol="0" anchor="t">
+            <a:noAutofit/>
+          </a:bodyPr>
+          <a:lstStyle>
+            <a:lvl1pPr algn="l" defTabSz="457200" rtl="0" eaLnBrk="1" latinLnBrk="0" hangingPunct="1">
+              <a:spcBef>
+                <a:spcPct val="0"/>
+              </a:spcBef>
+              <a:buNone/>
+              <a:defRPr sz="4200" b="0" i="0" kern="1200">
+                <a:solidFill>
+                  <a:schemeClr val="tx2"/>
+                </a:solidFill>
+                <a:latin typeface="+mj-lt"/>
+                <a:ea typeface="+mj-ea"/>
+                <a:cs typeface="+mj-cs"/>
+              </a:defRPr>
+            </a:lvl1pPr>
+            <a:lvl2pPr eaLnBrk="1" hangingPunct="1">
+              <a:defRPr>
+                <a:solidFill>
+                  <a:schemeClr val="tx2"/>
+                </a:solidFill>
+              </a:defRPr>
+            </a:lvl2pPr>
+            <a:lvl3pPr eaLnBrk="1" hangingPunct="1">
+              <a:defRPr>
+                <a:solidFill>
+                  <a:schemeClr val="tx2"/>
+                </a:solidFill>
+              </a:defRPr>
+            </a:lvl3pPr>
+            <a:lvl4pPr eaLnBrk="1" hangingPunct="1">
+              <a:defRPr>
+                <a:solidFill>
+                  <a:schemeClr val="tx2"/>
+                </a:solidFill>
+              </a:defRPr>
+            </a:lvl4pPr>
+            <a:lvl5pPr eaLnBrk="1" hangingPunct="1">
+              <a:defRPr>
+                <a:solidFill>
+                  <a:schemeClr val="tx2"/>
+                </a:solidFill>
+              </a:defRPr>
+            </a:lvl5pPr>
+            <a:lvl6pPr eaLnBrk="1" hangingPunct="1">
+              <a:defRPr>
+                <a:solidFill>
+                  <a:schemeClr val="tx2"/>
+                </a:solidFill>
+              </a:defRPr>
+            </a:lvl6pPr>
+            <a:lvl7pPr eaLnBrk="1" hangingPunct="1">
+              <a:defRPr>
+                <a:solidFill>
+                  <a:schemeClr val="tx2"/>
+                </a:solidFill>
+              </a:defRPr>
+            </a:lvl7pPr>
+            <a:lvl8pPr eaLnBrk="1" hangingPunct="1">
+              <a:defRPr>
+                <a:solidFill>
+                  <a:schemeClr val="tx2"/>
+                </a:solidFill>
+              </a:defRPr>
+            </a:lvl8pPr>
+            <a:lvl9pPr eaLnBrk="1" hangingPunct="1">
+              <a:defRPr>
+                <a:solidFill>
+                  <a:schemeClr val="tx2"/>
+                </a:solidFill>
+              </a:defRPr>
+            </a:lvl9pPr>
+          </a:lstStyle>
+          <a:p>
+            <a:r>
+              <a:rPr lang="en-US" altLang="zh-CN" dirty="0"/>
+              <a:t>What </a:t>
+            </a:r>
+            <a:r>
+              <a:rPr lang="en-US" altLang="zh-CN" dirty="0">
+                <a:solidFill>
+                  <a:schemeClr val="accent3"/>
+                </a:solidFill>
+              </a:rPr>
+              <a:t>kind of data </a:t>
+            </a:r>
+            <a:r>
+              <a:rPr lang="en-US" altLang="zh-CN" dirty="0"/>
+              <a:t>do tech giants take from you?</a:t>
+            </a:r>
+            <a:endParaRPr lang="zh-CN" altLang="en-US" dirty="0"/>
+          </a:p>
+        </p:txBody>
+      </p:sp>
+      <p:sp>
+        <p:nvSpPr>
+          <p:cNvPr id="1048609" name="标题 1"/>
+          <p:cNvSpPr txBox="1"/>
+          <p:nvPr/>
+        </p:nvSpPr>
+        <p:spPr>
+          <a:xfrm>
+            <a:off x="789135" y="4434995"/>
+            <a:ext cx="10668574" cy="1610139"/>
+          </a:xfrm>
+          <a:prstGeom prst="rect">
+            <a:avLst/>
+          </a:prstGeom>
+        </p:spPr>
+        <p:txBody>
+          <a:bodyPr vert="horz" lIns="91440" tIns="45720" rIns="91440" bIns="45720" rtlCol="0" anchor="t">
+            <a:noAutofit/>
+          </a:bodyPr>
+          <a:lstStyle>
+            <a:lvl1pPr algn="l" defTabSz="457200" rtl="0" eaLnBrk="1" latinLnBrk="0" hangingPunct="1">
+              <a:spcBef>
+                <a:spcPct val="0"/>
+              </a:spcBef>
+              <a:buNone/>
+              <a:defRPr sz="4200" b="0" i="0" kern="1200">
+                <a:solidFill>
+                  <a:schemeClr val="tx2"/>
+                </a:solidFill>
+                <a:latin typeface="+mj-lt"/>
+                <a:ea typeface="+mj-ea"/>
+                <a:cs typeface="+mj-cs"/>
+              </a:defRPr>
+            </a:lvl1pPr>
+            <a:lvl2pPr eaLnBrk="1" hangingPunct="1">
+              <a:defRPr>
+                <a:solidFill>
+                  <a:schemeClr val="tx2"/>
+                </a:solidFill>
+              </a:defRPr>
+            </a:lvl2pPr>
+            <a:lvl3pPr eaLnBrk="1" hangingPunct="1">
+              <a:defRPr>
+                <a:solidFill>
+                  <a:schemeClr val="tx2"/>
+                </a:solidFill>
+              </a:defRPr>
+            </a:lvl3pPr>
+            <a:lvl4pPr eaLnBrk="1" hangingPunct="1">
+              <a:defRPr>
+                <a:solidFill>
+                  <a:schemeClr val="tx2"/>
+                </a:solidFill>
+              </a:defRPr>
+            </a:lvl4pPr>
+            <a:lvl5pPr eaLnBrk="1" hangingPunct="1">
+              <a:defRPr>
+                <a:solidFill>
+                  <a:schemeClr val="tx2"/>
+                </a:solidFill>
+              </a:defRPr>
+            </a:lvl5pPr>
+            <a:lvl6pPr eaLnBrk="1" hangingPunct="1">
+              <a:defRPr>
+                <a:solidFill>
+                  <a:schemeClr val="tx2"/>
+                </a:solidFill>
+              </a:defRPr>
+            </a:lvl6pPr>
+            <a:lvl7pPr eaLnBrk="1" hangingPunct="1">
+              <a:defRPr>
+                <a:solidFill>
+                  <a:schemeClr val="tx2"/>
+                </a:solidFill>
+              </a:defRPr>
+            </a:lvl7pPr>
+            <a:lvl8pPr eaLnBrk="1" hangingPunct="1">
+              <a:defRPr>
+                <a:solidFill>
+                  <a:schemeClr val="tx2"/>
+                </a:solidFill>
+              </a:defRPr>
+            </a:lvl8pPr>
+            <a:lvl9pPr eaLnBrk="1" hangingPunct="1">
+              <a:defRPr>
+                <a:solidFill>
+                  <a:schemeClr val="tx2"/>
+                </a:solidFill>
+              </a:defRPr>
+            </a:lvl9pPr>
+          </a:lstStyle>
+          <a:p>
+            <a:r>
+              <a:rPr lang="en-US" altLang="zh-CN" dirty="0"/>
+              <a:t>And what does anything above </a:t>
+            </a:r>
+            <a:r>
+              <a:rPr lang="en-US" altLang="zh-CN" dirty="0">
                 <a:solidFill>
                   <a:schemeClr val="accent6">
                     <a:lumMod val="60000"/>
@@ -11155,7 +13148,7 @@
               <a:t>have to do </a:t>
             </a:r>
             <a:r>
-              <a:rPr lang="en-US" altLang="zh-CN" dirty="0" smtClean="0"/>
+              <a:rPr lang="en-US" altLang="zh-CN" dirty="0"/>
               <a:t>with me?</a:t>
             </a:r>
             <a:endParaRPr lang="zh-CN" altLang="en-US" dirty="0"/>
@@ -11163,11 +13156,6 @@
         </p:txBody>
       </p:sp>
     </p:spTree>
-    <p:extLst>
-      <p:ext uri="{BB962C8B-B14F-4D97-AF65-F5344CB8AC3E}">
-        <p14:creationId xmlns:p14="http://schemas.microsoft.com/office/powerpoint/2010/main" val="3779543194"/>
-      </p:ext>
-    </p:extLst>
   </p:cSld>
   <p:clrMapOvr>
     <a:masterClrMapping/>
@@ -11175,13 +13163,6 @@
   <p:transition spd="med">
     <p:push dir="u"/>
   </p:transition>
-  <p:timing>
-    <p:tnLst>
-      <p:par>
-        <p:cTn id="1" dur="indefinite" restart="never" nodeType="tmRoot"/>
-      </p:par>
-    </p:tnLst>
-  </p:timing>
 </p:sld>
 </file>
 
@@ -11204,14 +13185,14 @@
       </p:grpSpPr>
       <p:sp>
         <p:nvSpPr>
-          <p:cNvPr id="2" name="文本框 1"/>
+          <p:cNvPr id="1048610" name="文本框 1"/>
           <p:cNvSpPr txBox="1"/>
           <p:nvPr/>
         </p:nvSpPr>
         <p:spPr>
           <a:xfrm>
             <a:off x="4117814" y="719231"/>
-            <a:ext cx="3320140" cy="1107996"/>
+            <a:ext cx="2837181" cy="1069340"/>
           </a:xfrm>
           <a:prstGeom prst="rect">
             <a:avLst/>
@@ -11225,7 +13206,7 @@
           <a:lstStyle/>
           <a:p>
             <a:r>
-              <a:rPr lang="en-US" altLang="zh-CN" sz="6600" b="1" dirty="0" smtClean="0">
+              <a:rPr lang="en-US" altLang="zh-CN" sz="6600" b="1" dirty="0">
                 <a:solidFill>
                   <a:schemeClr val="accent5">
                     <a:lumMod val="60000"/>
@@ -11236,7 +13217,7 @@
               <a:t>G</a:t>
             </a:r>
             <a:r>
-              <a:rPr lang="en-US" altLang="zh-CN" sz="6600" b="1" dirty="0" smtClean="0">
+              <a:rPr lang="en-US" altLang="zh-CN" sz="6600" b="1" dirty="0">
                 <a:solidFill>
                   <a:schemeClr val="accent2"/>
                 </a:solidFill>
@@ -11244,7 +13225,7 @@
               <a:t>o</a:t>
             </a:r>
             <a:r>
-              <a:rPr lang="en-US" altLang="zh-CN" sz="6600" b="1" dirty="0" smtClean="0">
+              <a:rPr lang="en-US" altLang="zh-CN" sz="6600" b="1" dirty="0">
                 <a:solidFill>
                   <a:schemeClr val="accent3"/>
                 </a:solidFill>
@@ -11252,7 +13233,7 @@
               <a:t>o</a:t>
             </a:r>
             <a:r>
-              <a:rPr lang="en-US" altLang="zh-CN" sz="6600" b="1" dirty="0" smtClean="0">
+              <a:rPr lang="en-US" altLang="zh-CN" sz="6600" b="1" dirty="0">
                 <a:solidFill>
                   <a:schemeClr val="accent5">
                     <a:lumMod val="60000"/>
@@ -11263,7 +13244,7 @@
               <a:t>g</a:t>
             </a:r>
             <a:r>
-              <a:rPr lang="en-US" altLang="zh-CN" sz="6600" b="1" dirty="0" smtClean="0">
+              <a:rPr lang="en-US" altLang="zh-CN" sz="6600" b="1" dirty="0">
                 <a:solidFill>
                   <a:srgbClr val="00B050"/>
                 </a:solidFill>
@@ -11271,7 +13252,7 @@
               <a:t>l</a:t>
             </a:r>
             <a:r>
-              <a:rPr lang="en-US" altLang="zh-CN" sz="6600" b="1" dirty="0" smtClean="0">
+              <a:rPr lang="en-US" altLang="zh-CN" sz="6600" b="1" dirty="0">
                 <a:solidFill>
                   <a:schemeClr val="accent3"/>
                 </a:solidFill>
@@ -11288,14 +13269,14 @@
       </p:sp>
       <p:sp>
         <p:nvSpPr>
-          <p:cNvPr id="3" name="文本框 2"/>
+          <p:cNvPr id="1048611" name="文本框 2"/>
           <p:cNvSpPr txBox="1"/>
           <p:nvPr/>
         </p:nvSpPr>
         <p:spPr>
           <a:xfrm>
             <a:off x="997527" y="2286000"/>
-            <a:ext cx="10792691" cy="830997"/>
+            <a:ext cx="10792691" cy="802640"/>
           </a:xfrm>
           <a:prstGeom prst="rect">
             <a:avLst/>
@@ -11309,11 +13290,11 @@
           <a:lstStyle/>
           <a:p>
             <a:r>
-              <a:rPr lang="en-US" altLang="zh-CN" sz="2400" dirty="0" smtClean="0"/>
+              <a:rPr lang="en-US" altLang="zh-CN" sz="2400" dirty="0"/>
               <a:t>From Aug 1, 2016 to Dec 20, 2019 </a:t>
             </a:r>
             <a:r>
-              <a:rPr lang="en-US" altLang="zh-CN" sz="2400" dirty="0" smtClean="0">
+              <a:rPr lang="en-US" altLang="zh-CN" sz="2400" dirty="0">
                 <a:solidFill>
                   <a:schemeClr val="accent6">
                     <a:lumMod val="60000"/>
@@ -11324,11 +13305,11 @@
               <a:t>(1,238 days), </a:t>
             </a:r>
             <a:r>
-              <a:rPr lang="en-US" altLang="zh-CN" sz="2400" dirty="0" smtClean="0"/>
+              <a:rPr lang="en-US" altLang="zh-CN" sz="2400" dirty="0"/>
               <a:t>I have created an incredible </a:t>
             </a:r>
             <a:r>
-              <a:rPr lang="en-US" altLang="zh-CN" sz="2400" dirty="0" smtClean="0">
+              <a:rPr lang="en-US" altLang="zh-CN" sz="2400" dirty="0">
                 <a:solidFill>
                   <a:schemeClr val="accent3">
                     <a:lumMod val="75000"/>
@@ -11338,15 +13319,15 @@
               <a:t>13,690 MB </a:t>
             </a:r>
             <a:r>
-              <a:rPr lang="en-US" altLang="zh-CN" sz="2400" dirty="0" smtClean="0"/>
+              <a:rPr lang="en-US" altLang="zh-CN" sz="2400" dirty="0"/>
               <a:t>size of </a:t>
             </a:r>
             <a:r>
-              <a:rPr lang="en-US" altLang="zh-CN" sz="2400" b="1" dirty="0" smtClean="0"/>
+              <a:rPr lang="en-US" altLang="zh-CN" sz="2400" b="1" dirty="0"/>
               <a:t>compressed</a:t>
             </a:r>
             <a:r>
-              <a:rPr lang="en-US" altLang="zh-CN" sz="2400" dirty="0" smtClean="0"/>
+              <a:rPr lang="en-US" altLang="zh-CN" sz="2400" dirty="0"/>
               <a:t> data on Google alone.</a:t>
             </a:r>
             <a:endParaRPr lang="zh-CN" altLang="en-US" sz="2400" dirty="0">
@@ -11362,20 +13343,14 @@
       </p:sp>
       <p:pic>
         <p:nvPicPr>
-          <p:cNvPr id="6" name="图片 5"/>
+          <p:cNvPr id="2097156" name="图片 5"/>
           <p:cNvPicPr>
             <a:picLocks noChangeAspect="1"/>
           </p:cNvPicPr>
           <p:nvPr/>
         </p:nvPicPr>
         <p:blipFill>
-          <a:blip r:embed="rId2">
-            <a:extLst>
-              <a:ext uri="{28A0092B-C50C-407E-A947-70E740481C1C}">
-                <a14:useLocalDpi xmlns:a14="http://schemas.microsoft.com/office/drawing/2010/main" val="0"/>
-              </a:ext>
-            </a:extLst>
-          </a:blip>
+          <a:blip r:embed="rId2"/>
           <a:stretch>
             <a:fillRect/>
           </a:stretch>
@@ -11392,7 +13367,7 @@
       </p:pic>
       <p:sp>
         <p:nvSpPr>
-          <p:cNvPr id="7" name="圆角矩形 6"/>
+          <p:cNvPr id="1048612" name="圆角矩形 6"/>
           <p:cNvSpPr/>
           <p:nvPr/>
         </p:nvSpPr>
@@ -11433,11 +13408,11 @@
           <a:p>
             <a:pPr algn="ctr"/>
             <a:r>
-              <a:rPr lang="en-US" altLang="zh-CN" dirty="0" smtClean="0"/>
+              <a:rPr lang="en-US" altLang="zh-CN" dirty="0"/>
               <a:t>Data from </a:t>
             </a:r>
             <a:r>
-              <a:rPr lang="en-US" altLang="zh-CN" dirty="0" smtClean="0">
+              <a:rPr lang="en-US" altLang="zh-CN" dirty="0">
                 <a:hlinkClick r:id="rId3"/>
               </a:rPr>
               <a:t>takeout.google.com</a:t>
@@ -11447,11 +13422,6 @@
         </p:txBody>
       </p:sp>
     </p:spTree>
-    <p:extLst>
-      <p:ext uri="{BB962C8B-B14F-4D97-AF65-F5344CB8AC3E}">
-        <p14:creationId xmlns:p14="http://schemas.microsoft.com/office/powerpoint/2010/main" val="3053482866"/>
-      </p:ext>
-    </p:extLst>
   </p:cSld>
   <p:clrMapOvr>
     <a:masterClrMapping/>
@@ -11493,7 +13463,7 @@
                                           </p:stCondLst>
                                         </p:cTn>
                                         <p:tgtEl>
-                                          <p:spTgt spid="6"/>
+                                          <p:spTgt spid="2097156"/>
                                         </p:tgtEl>
                                         <p:attrNameLst>
                                           <p:attrName>style.visibility</p:attrName>
@@ -11507,7 +13477,7 @@
                                       <p:cBhvr>
                                         <p:cTn id="7" dur="500"/>
                                         <p:tgtEl>
-                                          <p:spTgt spid="6"/>
+                                          <p:spTgt spid="2097156"/>
                                         </p:tgtEl>
                                       </p:cBhvr>
                                     </p:animEffect>
@@ -11564,14 +13534,14 @@
       </p:grpSpPr>
       <p:sp>
         <p:nvSpPr>
-          <p:cNvPr id="3" name="文本框 2"/>
+          <p:cNvPr id="1048613" name="文本框 2"/>
           <p:cNvSpPr txBox="1"/>
           <p:nvPr/>
         </p:nvSpPr>
         <p:spPr>
           <a:xfrm>
             <a:off x="872836" y="1759112"/>
-            <a:ext cx="10792691" cy="830997"/>
+            <a:ext cx="10792691" cy="802640"/>
           </a:xfrm>
           <a:prstGeom prst="rect">
             <a:avLst/>
@@ -11585,16 +13555,15 @@
           <a:lstStyle/>
           <a:p>
             <a:r>
-              <a:rPr lang="en-US" altLang="zh-CN" sz="2400" dirty="0" smtClean="0"/>
+              <a:rPr lang="en-US" altLang="zh-CN" sz="2400" dirty="0"/>
               <a:t>So I downloaded the whole file and started an investigation on what on earth does Google collect from me. </a:t>
             </a:r>
-            <a:endParaRPr lang="en-US" altLang="zh-CN" sz="2400" dirty="0"/>
-          </a:p>
-        </p:txBody>
-      </p:sp>
-      <p:sp>
-        <p:nvSpPr>
-          <p:cNvPr id="4" name="文本框 3"/>
+          </a:p>
+        </p:txBody>
+      </p:sp>
+      <p:sp>
+        <p:nvSpPr>
+          <p:cNvPr id="1048614" name="文本框 3"/>
           <p:cNvSpPr txBox="1"/>
           <p:nvPr/>
         </p:nvSpPr>
@@ -11615,16 +13584,15 @@
           <a:lstStyle/>
           <a:p>
             <a:r>
-              <a:rPr lang="en-US" altLang="zh-CN" sz="2400" dirty="0" smtClean="0"/>
+              <a:rPr lang="en-US" altLang="zh-CN" sz="2400" dirty="0"/>
               <a:t>And the result ? </a:t>
             </a:r>
-            <a:endParaRPr lang="en-US" altLang="zh-CN" sz="2400" dirty="0"/>
-          </a:p>
-        </p:txBody>
-      </p:sp>
-      <p:sp>
-        <p:nvSpPr>
-          <p:cNvPr id="5" name="文本框 4"/>
+          </a:p>
+        </p:txBody>
+      </p:sp>
+      <p:sp>
+        <p:nvSpPr>
+          <p:cNvPr id="1048615" name="文本框 4"/>
           <p:cNvSpPr txBox="1"/>
           <p:nvPr/>
         </p:nvSpPr>
@@ -11645,7 +13613,7 @@
           <a:lstStyle/>
           <a:p>
             <a:r>
-              <a:rPr lang="en-GB" altLang="zh-CN" sz="2400" b="1" dirty="0" smtClean="0">
+              <a:rPr lang="en-GB" altLang="zh-CN" sz="2400" b="1" dirty="0">
                 <a:solidFill>
                   <a:schemeClr val="accent3"/>
                 </a:solidFill>
@@ -11662,14 +13630,14 @@
       </p:sp>
       <p:sp>
         <p:nvSpPr>
-          <p:cNvPr id="10" name="文本框 9"/>
+          <p:cNvPr id="1048616" name="文本框 9"/>
           <p:cNvSpPr txBox="1"/>
           <p:nvPr/>
         </p:nvSpPr>
         <p:spPr>
           <a:xfrm>
             <a:off x="872836" y="2945034"/>
-            <a:ext cx="10792691" cy="1569660"/>
+            <a:ext cx="10792691" cy="1513841"/>
           </a:xfrm>
           <a:prstGeom prst="rect">
             <a:avLst/>
@@ -11683,11 +13651,11 @@
           <a:lstStyle/>
           <a:p>
             <a:r>
-              <a:rPr lang="en-US" altLang="zh-CN" sz="2400" dirty="0" smtClean="0"/>
+              <a:rPr lang="en-US" altLang="zh-CN" sz="2400" dirty="0"/>
               <a:t>Google recorded </a:t>
             </a:r>
             <a:r>
-              <a:rPr lang="en-US" altLang="zh-CN" sz="2400" dirty="0" smtClean="0">
+              <a:rPr lang="en-US" altLang="zh-CN" sz="2400" dirty="0">
                 <a:solidFill>
                   <a:schemeClr val="accent3">
                     <a:lumMod val="60000"/>
@@ -11698,11 +13666,11 @@
               <a:t>everything it possibly could get from me</a:t>
             </a:r>
             <a:r>
-              <a:rPr lang="en-US" altLang="zh-CN" sz="2400" dirty="0" smtClean="0"/>
+              <a:rPr lang="en-US" altLang="zh-CN" sz="2400" dirty="0"/>
               <a:t>, including pages I’ve visited, videos I’ve watched and posted, people I’ve contacted, even places I’ve been to; more frightening, Google knows exactly </a:t>
             </a:r>
             <a:r>
-              <a:rPr lang="en-US" altLang="zh-CN" sz="2400" dirty="0" smtClean="0">
+              <a:rPr lang="en-US" altLang="zh-CN" sz="2400" dirty="0">
                 <a:solidFill>
                   <a:schemeClr val="bg2">
                     <a:lumMod val="60000"/>
@@ -11713,7 +13681,7 @@
               <a:t>when and where </a:t>
             </a:r>
             <a:r>
-              <a:rPr lang="en-US" altLang="zh-CN" sz="2400" dirty="0" smtClean="0"/>
+              <a:rPr lang="en-US" altLang="zh-CN" sz="2400" dirty="0"/>
               <a:t>I did all these things.</a:t>
             </a:r>
           </a:p>
@@ -11721,7 +13689,7 @@
       </p:sp>
       <p:sp>
         <p:nvSpPr>
-          <p:cNvPr id="11" name="文本框 10"/>
+          <p:cNvPr id="1048617" name="文本框 10"/>
           <p:cNvSpPr txBox="1"/>
           <p:nvPr/>
         </p:nvSpPr>
@@ -11742,19 +13710,13 @@
           <a:lstStyle/>
           <a:p>
             <a:r>
-              <a:rPr lang="en-US" altLang="zh-CN" sz="2400" dirty="0" smtClean="0"/>
+              <a:rPr lang="en-US" altLang="zh-CN" sz="2400" dirty="0"/>
               <a:t>Take Google search results for example.</a:t>
             </a:r>
-            <a:endParaRPr lang="en-US" altLang="zh-CN" sz="2400" dirty="0"/>
           </a:p>
         </p:txBody>
       </p:sp>
     </p:spTree>
-    <p:extLst>
-      <p:ext uri="{BB962C8B-B14F-4D97-AF65-F5344CB8AC3E}">
-        <p14:creationId xmlns:p14="http://schemas.microsoft.com/office/powerpoint/2010/main" val="3906754335"/>
-      </p:ext>
-    </p:extLst>
   </p:cSld>
   <p:clrMapOvr>
     <a:masterClrMapping/>
@@ -11796,7 +13758,7 @@
                                           </p:stCondLst>
                                         </p:cTn>
                                         <p:tgtEl>
-                                          <p:spTgt spid="4"/>
+                                          <p:spTgt spid="1048614"/>
                                         </p:tgtEl>
                                         <p:attrNameLst>
                                           <p:attrName>style.visibility</p:attrName>
@@ -11841,7 +13803,7 @@
                                           </p:stCondLst>
                                         </p:cTn>
                                         <p:tgtEl>
-                                          <p:spTgt spid="5"/>
+                                          <p:spTgt spid="1048615"/>
                                         </p:tgtEl>
                                         <p:attrNameLst>
                                           <p:attrName>style.visibility</p:attrName>
@@ -11886,7 +13848,7 @@
                                           </p:stCondLst>
                                         </p:cTn>
                                         <p:tgtEl>
-                                          <p:spTgt spid="10"/>
+                                          <p:spTgt spid="1048616"/>
                                         </p:tgtEl>
                                         <p:attrNameLst>
                                           <p:attrName>style.visibility</p:attrName>
@@ -11900,7 +13862,7 @@
                                       <p:cBhvr>
                                         <p:cTn id="15" dur="1000"/>
                                         <p:tgtEl>
-                                          <p:spTgt spid="10"/>
+                                          <p:spTgt spid="1048616"/>
                                         </p:tgtEl>
                                       </p:cBhvr>
                                     </p:animEffect>
@@ -11939,7 +13901,7 @@
                                           </p:stCondLst>
                                         </p:cTn>
                                         <p:tgtEl>
-                                          <p:spTgt spid="11"/>
+                                          <p:spTgt spid="1048617"/>
                                         </p:tgtEl>
                                         <p:attrNameLst>
                                           <p:attrName>style.visibility</p:attrName>
@@ -11953,7 +13915,7 @@
                                       <p:cBhvr>
                                         <p:cTn id="20" dur="500"/>
                                         <p:tgtEl>
-                                          <p:spTgt spid="11"/>
+                                          <p:spTgt spid="1048617"/>
                                         </p:tgtEl>
                                       </p:cBhvr>
                                     </p:animEffect>
@@ -11988,10 +13950,10 @@
       </p:par>
     </p:tnLst>
     <p:bldLst>
-      <p:bldP spid="4" grpId="0"/>
-      <p:bldP spid="5" grpId="0"/>
-      <p:bldP spid="10" grpId="0"/>
-      <p:bldP spid="11" grpId="0"/>
+      <p:bldP spid="1048614" grpId="0"/>
+      <p:bldP spid="1048615" grpId="0"/>
+      <p:bldP spid="1048616" grpId="0"/>
+      <p:bldP spid="1048617" grpId="0"/>
     </p:bldLst>
   </p:timing>
 </p:sld>
@@ -12016,14 +13978,14 @@
       </p:grpSpPr>
       <p:sp>
         <p:nvSpPr>
-          <p:cNvPr id="5" name="文本框 4"/>
+          <p:cNvPr id="1048618" name="文本框 4"/>
           <p:cNvSpPr txBox="1"/>
           <p:nvPr/>
         </p:nvSpPr>
         <p:spPr>
           <a:xfrm>
             <a:off x="8548255" y="2604654"/>
-            <a:ext cx="3048000" cy="1569660"/>
+            <a:ext cx="3048000" cy="1513841"/>
           </a:xfrm>
           <a:prstGeom prst="rect">
             <a:avLst/>
@@ -12037,11 +13999,11 @@
           <a:lstStyle/>
           <a:p>
             <a:r>
-              <a:rPr lang="en-US" altLang="zh-CN" sz="2400" dirty="0" smtClean="0"/>
+              <a:rPr lang="en-US" altLang="zh-CN" sz="2400" dirty="0"/>
               <a:t>Google knows </a:t>
             </a:r>
             <a:r>
-              <a:rPr lang="en-US" altLang="zh-CN" sz="2400" dirty="0" smtClean="0">
+              <a:rPr lang="en-US" altLang="zh-CN" sz="2400" dirty="0">
                 <a:solidFill>
                   <a:schemeClr val="bg2">
                     <a:lumMod val="60000"/>
@@ -12052,11 +14014,11 @@
               <a:t>what</a:t>
             </a:r>
             <a:r>
-              <a:rPr lang="en-US" altLang="zh-CN" sz="2400" dirty="0" smtClean="0"/>
+              <a:rPr lang="en-US" altLang="zh-CN" sz="2400" dirty="0"/>
               <a:t> did I search, as well as the</a:t>
             </a:r>
             <a:r>
-              <a:rPr lang="en-US" altLang="zh-CN" sz="2400" dirty="0" smtClean="0">
+              <a:rPr lang="en-US" altLang="zh-CN" sz="2400" dirty="0">
                 <a:solidFill>
                   <a:schemeClr val="bg2">
                     <a:lumMod val="60000"/>
@@ -12079,20 +14041,14 @@
       </p:sp>
       <p:pic>
         <p:nvPicPr>
-          <p:cNvPr id="3" name="图片 2"/>
+          <p:cNvPr id="2097157" name="图片 2"/>
           <p:cNvPicPr>
             <a:picLocks noChangeAspect="1"/>
           </p:cNvPicPr>
           <p:nvPr/>
         </p:nvPicPr>
         <p:blipFill>
-          <a:blip r:embed="rId2">
-            <a:extLst>
-              <a:ext uri="{28A0092B-C50C-407E-A947-70E740481C1C}">
-                <a14:useLocalDpi xmlns:a14="http://schemas.microsoft.com/office/drawing/2010/main" val="0"/>
-              </a:ext>
-            </a:extLst>
-          </a:blip>
+          <a:blip r:embed="rId2"/>
           <a:stretch>
             <a:fillRect/>
           </a:stretch>
@@ -12109,7 +14065,7 @@
       </p:pic>
       <p:sp>
         <p:nvSpPr>
-          <p:cNvPr id="6" name="圆角矩形 5"/>
+          <p:cNvPr id="1048619" name="圆角矩形 5"/>
           <p:cNvSpPr/>
           <p:nvPr/>
         </p:nvSpPr>
@@ -12150,11 +14106,11 @@
           <a:p>
             <a:pPr algn="ctr"/>
             <a:r>
-              <a:rPr lang="en-US" altLang="zh-CN" dirty="0" smtClean="0"/>
+              <a:rPr lang="en-US" altLang="zh-CN" dirty="0"/>
               <a:t>Data from </a:t>
             </a:r>
             <a:r>
-              <a:rPr lang="en-US" altLang="zh-CN" dirty="0" smtClean="0">
+              <a:rPr lang="en-US" altLang="zh-CN" dirty="0">
                 <a:hlinkClick r:id="rId3"/>
               </a:rPr>
               <a:t>myactivity.google.com</a:t>
@@ -12164,30 +14120,10 @@
         </p:txBody>
       </p:sp>
     </p:spTree>
-    <p:extLst>
-      <p:ext uri="{BB962C8B-B14F-4D97-AF65-F5344CB8AC3E}">
-        <p14:creationId xmlns:p14="http://schemas.microsoft.com/office/powerpoint/2010/main" val="2453906872"/>
-      </p:ext>
-    </p:extLst>
   </p:cSld>
   <p:clrMapOvr>
     <a:masterClrMapping/>
   </p:clrMapOvr>
-  <mc:AlternateContent xmlns:mc="http://schemas.openxmlformats.org/markup-compatibility/2006" xmlns:p14="http://schemas.microsoft.com/office/powerpoint/2010/main">
-    <mc:Choice Requires="p14">
-      <p:transition p14:dur="10"/>
-    </mc:Choice>
-    <mc:Fallback xmlns="">
-      <p:transition/>
-    </mc:Fallback>
-  </mc:AlternateContent>
-  <p:timing>
-    <p:tnLst>
-      <p:par>
-        <p:cTn id="1" dur="indefinite" restart="never" nodeType="tmRoot"/>
-      </p:par>
-    </p:tnLst>
-  </p:timing>
 </p:sld>
 </file>
 
@@ -12210,20 +14146,14 @@
       </p:grpSpPr>
       <p:pic>
         <p:nvPicPr>
-          <p:cNvPr id="3" name="图片 2"/>
+          <p:cNvPr id="2097158" name="图片 2"/>
           <p:cNvPicPr>
             <a:picLocks noChangeAspect="1"/>
           </p:cNvPicPr>
           <p:nvPr/>
         </p:nvPicPr>
         <p:blipFill>
-          <a:blip r:embed="rId2">
-            <a:extLst>
-              <a:ext uri="{28A0092B-C50C-407E-A947-70E740481C1C}">
-                <a14:useLocalDpi xmlns:a14="http://schemas.microsoft.com/office/drawing/2010/main" val="0"/>
-              </a:ext>
-            </a:extLst>
-          </a:blip>
+          <a:blip r:embed="rId2"/>
           <a:stretch>
             <a:fillRect/>
           </a:stretch>
@@ -12240,14 +14170,14 @@
       </p:pic>
       <p:sp>
         <p:nvSpPr>
-          <p:cNvPr id="6" name="文本框 5"/>
+          <p:cNvPr id="1048620" name="文本框 5"/>
           <p:cNvSpPr txBox="1"/>
           <p:nvPr/>
         </p:nvSpPr>
         <p:spPr>
           <a:xfrm>
             <a:off x="8548255" y="2604654"/>
-            <a:ext cx="3048000" cy="1569660"/>
+            <a:ext cx="3048000" cy="1513841"/>
           </a:xfrm>
           <a:prstGeom prst="rect">
             <a:avLst/>
@@ -12261,11 +14191,11 @@
           <a:lstStyle/>
           <a:p>
             <a:r>
-              <a:rPr lang="en-US" altLang="zh-CN" sz="2400" dirty="0" smtClean="0"/>
+              <a:rPr lang="en-US" altLang="zh-CN" sz="2400" dirty="0"/>
               <a:t>Google knows </a:t>
             </a:r>
             <a:r>
-              <a:rPr lang="en-US" altLang="zh-CN" sz="2400" dirty="0" smtClean="0">
+              <a:rPr lang="en-US" altLang="zh-CN" sz="2400" dirty="0">
                 <a:solidFill>
                   <a:schemeClr val="bg2">
                     <a:lumMod val="60000"/>
@@ -12276,11 +14206,11 @@
               <a:t>what</a:t>
             </a:r>
             <a:r>
-              <a:rPr lang="en-US" altLang="zh-CN" sz="2400" dirty="0" smtClean="0"/>
+              <a:rPr lang="en-US" altLang="zh-CN" sz="2400" dirty="0"/>
               <a:t> did I search, as well as the</a:t>
             </a:r>
             <a:r>
-              <a:rPr lang="en-US" altLang="zh-CN" sz="2400" dirty="0" smtClean="0">
+              <a:rPr lang="en-US" altLang="zh-CN" sz="2400" dirty="0">
                 <a:solidFill>
                   <a:schemeClr val="bg2">
                     <a:lumMod val="60000"/>
@@ -12302,30 +14232,18 @@
         </p:txBody>
       </p:sp>
     </p:spTree>
-    <p:extLst>
-      <p:ext uri="{BB962C8B-B14F-4D97-AF65-F5344CB8AC3E}">
-        <p14:creationId xmlns:p14="http://schemas.microsoft.com/office/powerpoint/2010/main" val="141684908"/>
-      </p:ext>
-    </p:extLst>
   </p:cSld>
   <p:clrMapOvr>
     <a:masterClrMapping/>
   </p:clrMapOvr>
   <mc:AlternateContent xmlns:mc="http://schemas.openxmlformats.org/markup-compatibility/2006" xmlns:p14="http://schemas.microsoft.com/office/powerpoint/2010/main">
     <mc:Choice Requires="p14">
-      <p:transition p14:dur="10"/>
+      <p:transition p14:dur="0"/>
     </mc:Choice>
     <mc:Fallback xmlns="">
       <p:transition/>
     </mc:Fallback>
   </mc:AlternateContent>
-  <p:timing>
-    <p:tnLst>
-      <p:par>
-        <p:cTn id="1" dur="indefinite" restart="never" nodeType="tmRoot"/>
-      </p:par>
-    </p:tnLst>
-  </p:timing>
 </p:sld>
 </file>
 
@@ -12348,20 +14266,14 @@
       </p:grpSpPr>
       <p:pic>
         <p:nvPicPr>
-          <p:cNvPr id="4" name="图片 3"/>
+          <p:cNvPr id="2097159" name="图片 3"/>
           <p:cNvPicPr>
             <a:picLocks noChangeAspect="1"/>
           </p:cNvPicPr>
           <p:nvPr/>
         </p:nvPicPr>
         <p:blipFill>
-          <a:blip r:embed="rId2">
-            <a:extLst>
-              <a:ext uri="{28A0092B-C50C-407E-A947-70E740481C1C}">
-                <a14:useLocalDpi xmlns:a14="http://schemas.microsoft.com/office/drawing/2010/main" val="0"/>
-              </a:ext>
-            </a:extLst>
-          </a:blip>
+          <a:blip r:embed="rId2"/>
           <a:stretch>
             <a:fillRect/>
           </a:stretch>
@@ -12378,14 +14290,14 @@
       </p:pic>
       <p:sp>
         <p:nvSpPr>
-          <p:cNvPr id="5" name="文本框 4"/>
+          <p:cNvPr id="1048621" name="文本框 4"/>
           <p:cNvSpPr txBox="1"/>
           <p:nvPr/>
         </p:nvSpPr>
         <p:spPr>
           <a:xfrm>
             <a:off x="8548255" y="2604654"/>
-            <a:ext cx="3048000" cy="1569660"/>
+            <a:ext cx="3048000" cy="1513841"/>
           </a:xfrm>
           <a:prstGeom prst="rect">
             <a:avLst/>
@@ -12399,11 +14311,11 @@
           <a:lstStyle/>
           <a:p>
             <a:r>
-              <a:rPr lang="en-US" altLang="zh-CN" sz="2400" dirty="0" smtClean="0"/>
+              <a:rPr lang="en-US" altLang="zh-CN" sz="2400" dirty="0"/>
               <a:t>And it also knows </a:t>
             </a:r>
             <a:r>
-              <a:rPr lang="en-US" altLang="zh-CN" sz="2400" dirty="0" smtClean="0">
+              <a:rPr lang="en-US" altLang="zh-CN" sz="2400" dirty="0">
                 <a:solidFill>
                   <a:schemeClr val="bg2">
                     <a:lumMod val="60000"/>
@@ -12414,11 +14326,11 @@
               <a:t>what specific</a:t>
             </a:r>
             <a:r>
-              <a:rPr lang="en-US" altLang="zh-CN" sz="2400" dirty="0" smtClean="0"/>
+              <a:rPr lang="en-US" altLang="zh-CN" sz="2400" dirty="0"/>
               <a:t> app did I open on </a:t>
             </a:r>
             <a:r>
-              <a:rPr lang="en-US" altLang="zh-CN" sz="2400" dirty="0" smtClean="0">
+              <a:rPr lang="en-US" altLang="zh-CN" sz="2400" dirty="0">
                 <a:solidFill>
                   <a:schemeClr val="bg2">
                     <a:lumMod val="60000"/>
@@ -12429,7 +14341,7 @@
               <a:t>what</a:t>
             </a:r>
             <a:r>
-              <a:rPr lang="en-US" altLang="zh-CN" sz="2400" dirty="0" smtClean="0"/>
+              <a:rPr lang="en-US" altLang="zh-CN" sz="2400" dirty="0"/>
               <a:t> time</a:t>
             </a:r>
             <a:endParaRPr lang="zh-CN" altLang="en-US" sz="2400" dirty="0"/>
@@ -12437,30 +14349,18 @@
         </p:txBody>
       </p:sp>
     </p:spTree>
-    <p:extLst>
-      <p:ext uri="{BB962C8B-B14F-4D97-AF65-F5344CB8AC3E}">
-        <p14:creationId xmlns:p14="http://schemas.microsoft.com/office/powerpoint/2010/main" val="2856726211"/>
-      </p:ext>
-    </p:extLst>
   </p:cSld>
   <p:clrMapOvr>
     <a:masterClrMapping/>
   </p:clrMapOvr>
   <mc:AlternateContent xmlns:mc="http://schemas.openxmlformats.org/markup-compatibility/2006" xmlns:p14="http://schemas.microsoft.com/office/powerpoint/2010/main">
     <mc:Choice Requires="p14">
-      <p:transition p14:dur="10"/>
+      <p:transition p14:dur="0"/>
     </mc:Choice>
     <mc:Fallback xmlns="">
       <p:transition/>
     </mc:Fallback>
   </mc:AlternateContent>
-  <p:timing>
-    <p:tnLst>
-      <p:par>
-        <p:cTn id="1" dur="indefinite" restart="never" nodeType="tmRoot"/>
-      </p:par>
-    </p:tnLst>
-  </p:timing>
 </p:sld>
 </file>
 
@@ -12483,14 +14383,14 @@
       </p:grpSpPr>
       <p:sp>
         <p:nvSpPr>
-          <p:cNvPr id="2" name="矩形 1"/>
+          <p:cNvPr id="1048622" name="矩形 1"/>
           <p:cNvSpPr/>
           <p:nvPr/>
         </p:nvSpPr>
         <p:spPr>
           <a:xfrm>
             <a:off x="809287" y="2188370"/>
-            <a:ext cx="10861962" cy="1938992"/>
+            <a:ext cx="10861962" cy="1513840"/>
           </a:xfrm>
           <a:prstGeom prst="rect">
             <a:avLst/>
@@ -12515,33 +14415,14 @@
                   </a:schemeClr>
                 </a:solidFill>
               </a:rPr>
-              <a:t>both important parts of how we define ourselves</a:t>
-            </a:r>
-            <a:r>
-              <a:rPr lang="en-US" altLang="zh-CN" sz="2400" dirty="0" smtClean="0">
-                <a:solidFill>
-                  <a:schemeClr val="accent3">
-                    <a:lumMod val="60000"/>
-                    <a:lumOff val="40000"/>
-                  </a:schemeClr>
-                </a:solidFill>
-              </a:rPr>
-              <a:t>.</a:t>
-            </a:r>
-            <a:endParaRPr lang="en-US" altLang="zh-CN" sz="2400" dirty="0">
-              <a:solidFill>
-                <a:schemeClr val="accent3">
-                  <a:lumMod val="60000"/>
-                  <a:lumOff val="40000"/>
-                </a:schemeClr>
-              </a:solidFill>
-            </a:endParaRPr>
-          </a:p>
-        </p:txBody>
-      </p:sp>
-      <p:sp>
-        <p:nvSpPr>
-          <p:cNvPr id="3" name="文本框 2"/>
+              <a:t>both important parts of how we define ourselves.</a:t>
+            </a:r>
+          </a:p>
+        </p:txBody>
+      </p:sp>
+      <p:sp>
+        <p:nvSpPr>
+          <p:cNvPr id="1048623" name="文本框 2"/>
           <p:cNvSpPr txBox="1"/>
           <p:nvPr/>
         </p:nvSpPr>
@@ -12562,7 +14443,7 @@
           <a:lstStyle/>
           <a:p>
             <a:r>
-              <a:rPr lang="en-US" altLang="zh-CN" sz="2400" dirty="0" smtClean="0"/>
+              <a:rPr lang="en-US" altLang="zh-CN" sz="2400" dirty="0"/>
               <a:t>So what? You might ask, what’s going to happen?</a:t>
             </a:r>
           </a:p>
@@ -12570,14 +14451,14 @@
       </p:sp>
       <p:sp>
         <p:nvSpPr>
-          <p:cNvPr id="5" name="矩形 4"/>
+          <p:cNvPr id="1048624" name="矩形 4"/>
           <p:cNvSpPr/>
           <p:nvPr/>
         </p:nvSpPr>
         <p:spPr>
           <a:xfrm>
             <a:off x="809287" y="4287634"/>
-            <a:ext cx="10861962" cy="830997"/>
+            <a:ext cx="10861962" cy="802640"/>
           </a:xfrm>
           <a:prstGeom prst="rect">
             <a:avLst/>
@@ -12621,7 +14502,7 @@
       </p:sp>
       <p:sp>
         <p:nvSpPr>
-          <p:cNvPr id="6" name="圆角矩形 5"/>
+          <p:cNvPr id="1048625" name="圆角矩形 5"/>
           <p:cNvSpPr/>
           <p:nvPr/>
         </p:nvSpPr>
@@ -12662,15 +14543,11 @@
           <a:p>
             <a:pPr algn="ctr"/>
             <a:r>
-              <a:rPr lang="en-US" altLang="zh-CN" dirty="0" smtClean="0"/>
-              <a:t>Quote </a:t>
-            </a:r>
-            <a:r>
-              <a:rPr lang="en-US" altLang="zh-CN" dirty="0" smtClean="0"/>
-              <a:t>from </a:t>
-            </a:r>
-            <a:r>
-              <a:rPr lang="en-US" altLang="zh-CN" dirty="0" smtClean="0">
+              <a:rPr lang="en-US" altLang="zh-CN" dirty="0"/>
+              <a:t>Quote from </a:t>
+            </a:r>
+            <a:r>
+              <a:rPr lang="en-US" altLang="zh-CN" dirty="0">
                 <a:hlinkClick r:id="rId2"/>
               </a:rPr>
               <a:t>theAtlantic.com</a:t>
@@ -12680,11 +14557,6 @@
         </p:txBody>
       </p:sp>
     </p:spTree>
-    <p:extLst>
-      <p:ext uri="{BB962C8B-B14F-4D97-AF65-F5344CB8AC3E}">
-        <p14:creationId xmlns:p14="http://schemas.microsoft.com/office/powerpoint/2010/main" val="1729871665"/>
-      </p:ext>
-    </p:extLst>
   </p:cSld>
   <p:clrMapOvr>
     <a:masterClrMapping/>
@@ -12726,7 +14598,7 @@
                                           </p:stCondLst>
                                         </p:cTn>
                                         <p:tgtEl>
-                                          <p:spTgt spid="3"/>
+                                          <p:spTgt spid="1048623"/>
                                         </p:tgtEl>
                                         <p:attrNameLst>
                                           <p:attrName>style.visibility</p:attrName>
@@ -12771,7 +14643,7 @@
                                           </p:stCondLst>
                                         </p:cTn>
                                         <p:tgtEl>
-                                          <p:spTgt spid="2"/>
+                                          <p:spTgt spid="1048622"/>
                                         </p:tgtEl>
                                         <p:attrNameLst>
                                           <p:attrName>style.visibility</p:attrName>
@@ -12785,7 +14657,7 @@
                                       <p:cBhvr>
                                         <p:cTn id="11" dur="500"/>
                                         <p:tgtEl>
-                                          <p:spTgt spid="2"/>
+                                          <p:spTgt spid="1048622"/>
                                         </p:tgtEl>
                                       </p:cBhvr>
                                     </p:animEffect>
@@ -12815,7 +14687,7 @@
                                           </p:stCondLst>
                                         </p:cTn>
                                         <p:tgtEl>
-                                          <p:spTgt spid="6"/>
+                                          <p:spTgt spid="1048625"/>
                                         </p:tgtEl>
                                         <p:attrNameLst>
                                           <p:attrName>style.visibility</p:attrName>
@@ -12860,7 +14732,7 @@
                                           </p:stCondLst>
                                         </p:cTn>
                                         <p:tgtEl>
-                                          <p:spTgt spid="5"/>
+                                          <p:spTgt spid="1048624"/>
                                         </p:tgtEl>
                                         <p:attrNameLst>
                                           <p:attrName>style.visibility</p:attrName>
@@ -12874,7 +14746,7 @@
                                       <p:cBhvr>
                                         <p:cTn id="19" dur="500"/>
                                         <p:tgtEl>
-                                          <p:spTgt spid="5"/>
+                                          <p:spTgt spid="1048624"/>
                                         </p:tgtEl>
                                       </p:cBhvr>
                                     </p:animEffect>
@@ -12909,10 +14781,10 @@
       </p:par>
     </p:tnLst>
     <p:bldLst>
-      <p:bldP spid="2" grpId="0"/>
-      <p:bldP spid="3" grpId="0"/>
-      <p:bldP spid="5" grpId="0"/>
-      <p:bldP spid="6" grpId="0" animBg="1"/>
+      <p:bldP spid="1048622" grpId="0"/>
+      <p:bldP spid="1048623" grpId="0"/>
+      <p:bldP spid="1048624" grpId="0"/>
+      <p:bldP spid="1048625" grpId="0" animBg="1"/>
     </p:bldLst>
   </p:timing>
 </p:sld>
@@ -13169,17 +15041,270 @@
               </a:schemeClr>
             </a:duotone>
           </a:blip>
-          <a:stretch/>
+          <a:stretch>
+            <a:fillRect/>
+          </a:stretch>
         </a:blipFill>
       </a:bgFillStyleLst>
     </a:fmtScheme>
   </a:themeElements>
   <a:objectDefaults/>
   <a:extraClrSchemeLst/>
-  <a:extLst>
-    <a:ext uri="{05A4C25C-085E-4340-85A3-A5531E510DB2}">
-      <thm15:themeFamily xmlns:thm15="http://schemas.microsoft.com/office/thememl/2012/main" name="Ion" id="{B8441ADB-2E43-4AF7-B97A-BD870242C6A8}" vid="{292E63A9-BB86-4E3D-B92A-7223C6510D2E}"/>
-    </a:ext>
-  </a:extLst>
+</a:theme>
+</file>
+
+<file path=ppt/theme/theme2.xml><?xml version="1.0" encoding="utf-8"?>
+<a:theme xmlns:a="http://schemas.openxmlformats.org/drawingml/2006/main" name="Office 主题">
+  <a:themeElements>
+    <a:clrScheme name="Office">
+      <a:dk1>
+        <a:sysClr val="windowText" lastClr="000000"/>
+      </a:dk1>
+      <a:lt1>
+        <a:sysClr val="window" lastClr="FFFFFF"/>
+      </a:lt1>
+      <a:dk2>
+        <a:srgbClr val="44546A"/>
+      </a:dk2>
+      <a:lt2>
+        <a:srgbClr val="E7E6E6"/>
+      </a:lt2>
+      <a:accent1>
+        <a:srgbClr val="5B9BD5"/>
+      </a:accent1>
+      <a:accent2>
+        <a:srgbClr val="ED7D31"/>
+      </a:accent2>
+      <a:accent3>
+        <a:srgbClr val="A5A5A5"/>
+      </a:accent3>
+      <a:accent4>
+        <a:srgbClr val="FFC000"/>
+      </a:accent4>
+      <a:accent5>
+        <a:srgbClr val="4472C4"/>
+      </a:accent5>
+      <a:accent6>
+        <a:srgbClr val="70AD47"/>
+      </a:accent6>
+      <a:hlink>
+        <a:srgbClr val="0563C1"/>
+      </a:hlink>
+      <a:folHlink>
+        <a:srgbClr val="954F72"/>
+      </a:folHlink>
+    </a:clrScheme>
+    <a:fontScheme name="Office">
+      <a:majorFont>
+        <a:latin typeface="Calibri Light" panose="020F0302020204030204"/>
+        <a:ea typeface=""/>
+        <a:cs typeface=""/>
+        <a:font script="Jpan" typeface="ＭＳ Ｐゴシック"/>
+        <a:font script="Hang" typeface="맑은 고딕"/>
+        <a:font script="Hans" typeface="宋体"/>
+        <a:font script="Hant" typeface="新細明體"/>
+        <a:font script="Arab" typeface="Times New Roman"/>
+        <a:font script="Hebr" typeface="Times New Roman"/>
+        <a:font script="Thai" typeface="Angsana New"/>
+        <a:font script="Ethi" typeface="Nyala"/>
+        <a:font script="Beng" typeface="Vrinda"/>
+        <a:font script="Gujr" typeface="Shruti"/>
+        <a:font script="Khmr" typeface="MoolBoran"/>
+        <a:font script="Knda" typeface="Tunga"/>
+        <a:font script="Guru" typeface="Raavi"/>
+        <a:font script="Cans" typeface="Euphemia"/>
+        <a:font script="Cher" typeface="Plantagenet Cherokee"/>
+        <a:font script="Yiii" typeface="Microsoft Yi Baiti"/>
+        <a:font script="Tibt" typeface="Microsoft Himalaya"/>
+        <a:font script="Thaa" typeface="MV Boli"/>
+        <a:font script="Deva" typeface="Mangal"/>
+        <a:font script="Telu" typeface="Gautami"/>
+        <a:font script="Taml" typeface="Latha"/>
+        <a:font script="Syrc" typeface="Estrangelo Edessa"/>
+        <a:font script="Orya" typeface="Kalinga"/>
+        <a:font script="Mlym" typeface="Kartika"/>
+        <a:font script="Laoo" typeface="DokChampa"/>
+        <a:font script="Sinh" typeface="Iskoola Pota"/>
+        <a:font script="Mong" typeface="Mongolian Baiti"/>
+        <a:font script="Viet" typeface="Times New Roman"/>
+        <a:font script="Uigh" typeface="Microsoft Uighur"/>
+        <a:font script="Geor" typeface="Sylfaen"/>
+      </a:majorFont>
+      <a:minorFont>
+        <a:latin typeface="Calibri" panose="020F0502020204030204"/>
+        <a:ea typeface=""/>
+        <a:cs typeface=""/>
+        <a:font script="Jpan" typeface="ＭＳ Ｐゴシック"/>
+        <a:font script="Hang" typeface="맑은 고딕"/>
+        <a:font script="Hans" typeface="宋体"/>
+        <a:font script="Hant" typeface="新細明體"/>
+        <a:font script="Arab" typeface="Arial"/>
+        <a:font script="Hebr" typeface="Arial"/>
+        <a:font script="Thai" typeface="Cordia New"/>
+        <a:font script="Ethi" typeface="Nyala"/>
+        <a:font script="Beng" typeface="Vrinda"/>
+        <a:font script="Gujr" typeface="Shruti"/>
+        <a:font script="Khmr" typeface="DaunPenh"/>
+        <a:font script="Knda" typeface="Tunga"/>
+        <a:font script="Guru" typeface="Raavi"/>
+        <a:font script="Cans" typeface="Euphemia"/>
+        <a:font script="Cher" typeface="Plantagenet Cherokee"/>
+        <a:font script="Yiii" typeface="Microsoft Yi Baiti"/>
+        <a:font script="Tibt" typeface="Microsoft Himalaya"/>
+        <a:font script="Thaa" typeface="MV Boli"/>
+        <a:font script="Deva" typeface="Mangal"/>
+        <a:font script="Telu" typeface="Gautami"/>
+        <a:font script="Taml" typeface="Latha"/>
+        <a:font script="Syrc" typeface="Estrangelo Edessa"/>
+        <a:font script="Orya" typeface="Kalinga"/>
+        <a:font script="Mlym" typeface="Kartika"/>
+        <a:font script="Laoo" typeface="DokChampa"/>
+        <a:font script="Sinh" typeface="Iskoola Pota"/>
+        <a:font script="Mong" typeface="Mongolian Baiti"/>
+        <a:font script="Viet" typeface="Arial"/>
+        <a:font script="Uigh" typeface="Microsoft Uighur"/>
+        <a:font script="Geor" typeface="Sylfaen"/>
+      </a:minorFont>
+    </a:fontScheme>
+    <a:fmtScheme name="Office">
+      <a:fillStyleLst>
+        <a:solidFill>
+          <a:schemeClr val="phClr"/>
+        </a:solidFill>
+        <a:gradFill rotWithShape="1">
+          <a:gsLst>
+            <a:gs pos="0">
+              <a:schemeClr val="phClr">
+                <a:lumMod val="110000"/>
+                <a:satMod val="105000"/>
+                <a:tint val="67000"/>
+              </a:schemeClr>
+            </a:gs>
+            <a:gs pos="50000">
+              <a:schemeClr val="phClr">
+                <a:lumMod val="105000"/>
+                <a:satMod val="103000"/>
+                <a:tint val="73000"/>
+              </a:schemeClr>
+            </a:gs>
+            <a:gs pos="100000">
+              <a:schemeClr val="phClr">
+                <a:lumMod val="105000"/>
+                <a:satMod val="109000"/>
+                <a:tint val="81000"/>
+              </a:schemeClr>
+            </a:gs>
+          </a:gsLst>
+          <a:lin ang="5400000" scaled="0"/>
+        </a:gradFill>
+        <a:gradFill rotWithShape="1">
+          <a:gsLst>
+            <a:gs pos="0">
+              <a:schemeClr val="phClr">
+                <a:satMod val="103000"/>
+                <a:lumMod val="102000"/>
+                <a:tint val="94000"/>
+              </a:schemeClr>
+            </a:gs>
+            <a:gs pos="50000">
+              <a:schemeClr val="phClr">
+                <a:satMod val="110000"/>
+                <a:lumMod val="100000"/>
+                <a:shade val="100000"/>
+              </a:schemeClr>
+            </a:gs>
+            <a:gs pos="100000">
+              <a:schemeClr val="phClr">
+                <a:lumMod val="99000"/>
+                <a:satMod val="120000"/>
+                <a:shade val="78000"/>
+              </a:schemeClr>
+            </a:gs>
+          </a:gsLst>
+          <a:lin ang="5400000" scaled="0"/>
+        </a:gradFill>
+      </a:fillStyleLst>
+      <a:lnStyleLst>
+        <a:ln w="6350" cap="flat" cmpd="sng" algn="ctr">
+          <a:solidFill>
+            <a:schemeClr val="phClr"/>
+          </a:solidFill>
+          <a:prstDash val="solid"/>
+          <a:miter lim="800000"/>
+        </a:ln>
+        <a:ln w="12700" cap="flat" cmpd="sng" algn="ctr">
+          <a:solidFill>
+            <a:schemeClr val="phClr"/>
+          </a:solidFill>
+          <a:prstDash val="solid"/>
+          <a:miter lim="800000"/>
+        </a:ln>
+        <a:ln w="19050" cap="flat" cmpd="sng" algn="ctr">
+          <a:solidFill>
+            <a:schemeClr val="phClr"/>
+          </a:solidFill>
+          <a:prstDash val="solid"/>
+          <a:miter lim="800000"/>
+        </a:ln>
+      </a:lnStyleLst>
+      <a:effectStyleLst>
+        <a:effectStyle>
+          <a:effectLst/>
+        </a:effectStyle>
+        <a:effectStyle>
+          <a:effectLst/>
+        </a:effectStyle>
+        <a:effectStyle>
+          <a:effectLst>
+            <a:outerShdw blurRad="57150" dist="19050" dir="5400000" algn="ctr" rotWithShape="0">
+              <a:srgbClr val="000000">
+                <a:alpha val="63000"/>
+              </a:srgbClr>
+            </a:outerShdw>
+          </a:effectLst>
+        </a:effectStyle>
+      </a:effectStyleLst>
+      <a:bgFillStyleLst>
+        <a:solidFill>
+          <a:schemeClr val="phClr"/>
+        </a:solidFill>
+        <a:solidFill>
+          <a:schemeClr val="phClr">
+            <a:tint val="95000"/>
+            <a:satMod val="170000"/>
+          </a:schemeClr>
+        </a:solidFill>
+        <a:gradFill rotWithShape="1">
+          <a:gsLst>
+            <a:gs pos="0">
+              <a:schemeClr val="phClr">
+                <a:tint val="93000"/>
+                <a:satMod val="150000"/>
+                <a:shade val="98000"/>
+                <a:lumMod val="102000"/>
+              </a:schemeClr>
+            </a:gs>
+            <a:gs pos="50000">
+              <a:schemeClr val="phClr">
+                <a:tint val="98000"/>
+                <a:satMod val="130000"/>
+                <a:shade val="90000"/>
+                <a:lumMod val="103000"/>
+              </a:schemeClr>
+            </a:gs>
+            <a:gs pos="100000">
+              <a:schemeClr val="phClr">
+                <a:shade val="63000"/>
+                <a:satMod val="120000"/>
+              </a:schemeClr>
+            </a:gs>
+          </a:gsLst>
+          <a:lin ang="5400000" scaled="0"/>
+        </a:gradFill>
+      </a:bgFillStyleLst>
+    </a:fmtScheme>
+  </a:themeElements>
+  <a:objectDefaults/>
+  <a:extraClrSchemeLst/>
 </a:theme>
 </file>